--- a/topic-04-JavaScript-3/talk-1/talk-1.pptx
+++ b/topic-04-JavaScript-3/talk-1/talk-1.pptx
@@ -155,7 +155,7 @@
   </p:defaultTextStyle>
   <p:extLst>
     <p:ext uri="{EFAFB233-063F-42B5-8137-9DF3F51BA10A}">
-      <p15:sldGuideLst xmlns="" xmlns:p15="http://schemas.microsoft.com/office/powerpoint/2012/main">
+      <p15:sldGuideLst xmlns:p15="http://schemas.microsoft.com/office/powerpoint/2012/main" xmlns="">
         <p15:guide id="1" orient="horz" pos="2160">
           <p15:clr>
             <a:srgbClr val="A4A3A4"/>
@@ -254,7 +254,7 @@
           <a:p>
             <a:fld id="{31E3A3E0-0EEC-43C3-B8B8-6A5D051024B7}" type="datetimeFigureOut">
               <a:rPr lang="en-US" smtClean="0"/>
-              <a:t>1/19/2018</a:t>
+              <a:t>1/29/2018</a:t>
             </a:fld>
             <a:endParaRPr lang="en-US"/>
           </a:p>
@@ -8609,7 +8609,7 @@
           <a:p>
             <a:fld id="{4BC48473-ACCD-4242-806A-1249CC2C55A8}" type="datetimeFigureOut">
               <a:rPr lang="en-US" smtClean="0"/>
-              <a:t>1/19/2018</a:t>
+              <a:t>1/29/2018</a:t>
             </a:fld>
             <a:endParaRPr lang="en-US"/>
           </a:p>
@@ -8885,7 +8885,7 @@
           <a:p>
             <a:fld id="{4BC48473-ACCD-4242-806A-1249CC2C55A8}" type="datetimeFigureOut">
               <a:rPr lang="en-US" smtClean="0"/>
-              <a:t>1/19/2018</a:t>
+              <a:t>1/29/2018</a:t>
             </a:fld>
             <a:endParaRPr lang="en-US"/>
           </a:p>
@@ -9065,7 +9065,7 @@
           <a:p>
             <a:fld id="{4BC48473-ACCD-4242-806A-1249CC2C55A8}" type="datetimeFigureOut">
               <a:rPr lang="en-US" smtClean="0"/>
-              <a:t>1/19/2018</a:t>
+              <a:t>1/29/2018</a:t>
             </a:fld>
             <a:endParaRPr lang="en-US"/>
           </a:p>
@@ -9235,7 +9235,7 @@
           <a:p>
             <a:fld id="{4BC48473-ACCD-4242-806A-1249CC2C55A8}" type="datetimeFigureOut">
               <a:rPr lang="en-US" smtClean="0"/>
-              <a:t>1/19/2018</a:t>
+              <a:t>1/29/2018</a:t>
             </a:fld>
             <a:endParaRPr lang="en-US"/>
           </a:p>
@@ -9831,7 +9831,7 @@
           <a:p>
             <a:fld id="{4BC48473-ACCD-4242-806A-1249CC2C55A8}" type="datetimeFigureOut">
               <a:rPr lang="en-US" smtClean="0"/>
-              <a:t>1/19/2018</a:t>
+              <a:t>1/29/2018</a:t>
             </a:fld>
             <a:endParaRPr lang="en-US"/>
           </a:p>
@@ -11637,7 +11637,7 @@
           <a:p>
             <a:fld id="{4BC48473-ACCD-4242-806A-1249CC2C55A8}" type="datetimeFigureOut">
               <a:rPr lang="en-US" smtClean="0"/>
-              <a:t>1/19/2018</a:t>
+              <a:t>1/29/2018</a:t>
             </a:fld>
             <a:endParaRPr lang="en-US"/>
           </a:p>
@@ -11697,7 +11697,7 @@
   </p:clrMapOvr>
   <p:extLst mod="1">
     <p:ext uri="{DCECCB84-F9BA-43D5-87BE-67443E8EF086}">
-      <p15:sldGuideLst xmlns="" xmlns:p15="http://schemas.microsoft.com/office/powerpoint/2012/main"/>
+      <p15:sldGuideLst xmlns:p15="http://schemas.microsoft.com/office/powerpoint/2012/main" xmlns=""/>
     </p:ext>
   </p:extLst>
 </p:sldLayout>
@@ -12027,7 +12027,7 @@
           <a:p>
             <a:fld id="{4BC48473-ACCD-4242-806A-1249CC2C55A8}" type="datetimeFigureOut">
               <a:rPr lang="en-US" smtClean="0"/>
-              <a:t>1/19/2018</a:t>
+              <a:t>1/29/2018</a:t>
             </a:fld>
             <a:endParaRPr lang="en-US"/>
           </a:p>
@@ -12087,7 +12087,7 @@
   </p:clrMapOvr>
   <p:extLst mod="1">
     <p:ext uri="{DCECCB84-F9BA-43D5-87BE-67443E8EF086}">
-      <p15:sldGuideLst xmlns="" xmlns:p15="http://schemas.microsoft.com/office/powerpoint/2012/main"/>
+      <p15:sldGuideLst xmlns:p15="http://schemas.microsoft.com/office/powerpoint/2012/main" xmlns=""/>
     </p:ext>
   </p:extLst>
 </p:sldLayout>
@@ -12150,7 +12150,7 @@
           <a:p>
             <a:fld id="{4BC48473-ACCD-4242-806A-1249CC2C55A8}" type="datetimeFigureOut">
               <a:rPr lang="en-US" smtClean="0"/>
-              <a:t>1/19/2018</a:t>
+              <a:t>1/29/2018</a:t>
             </a:fld>
             <a:endParaRPr lang="en-US"/>
           </a:p>
@@ -12245,7 +12245,7 @@
           <a:p>
             <a:fld id="{4BC48473-ACCD-4242-806A-1249CC2C55A8}" type="datetimeFigureOut">
               <a:rPr lang="en-US" smtClean="0"/>
-              <a:t>1/19/2018</a:t>
+              <a:t>1/29/2018</a:t>
             </a:fld>
             <a:endParaRPr lang="en-US"/>
           </a:p>
@@ -13010,7 +13010,7 @@
           <a:p>
             <a:fld id="{4BC48473-ACCD-4242-806A-1249CC2C55A8}" type="datetimeFigureOut">
               <a:rPr lang="en-US" smtClean="0"/>
-              <a:t>1/19/2018</a:t>
+              <a:t>1/29/2018</a:t>
             </a:fld>
             <a:endParaRPr lang="en-US"/>
           </a:p>
@@ -13156,7 +13156,7 @@
   </p:clrMapOvr>
   <p:extLst mod="1">
     <p:ext uri="{DCECCB84-F9BA-43D5-87BE-67443E8EF086}">
-      <p15:sldGuideLst xmlns="" xmlns:p15="http://schemas.microsoft.com/office/powerpoint/2012/main">
+      <p15:sldGuideLst xmlns:p15="http://schemas.microsoft.com/office/powerpoint/2012/main" xmlns="">
         <p15:guide id="1" orient="horz" pos="696">
           <p15:clr>
             <a:srgbClr val="FBAE40"/>
@@ -13890,7 +13890,7 @@
           <a:p>
             <a:fld id="{4BC48473-ACCD-4242-806A-1249CC2C55A8}" type="datetimeFigureOut">
               <a:rPr lang="en-US" smtClean="0"/>
-              <a:t>1/19/2018</a:t>
+              <a:t>1/29/2018</a:t>
             </a:fld>
             <a:endParaRPr lang="en-US"/>
           </a:p>
@@ -14155,7 +14155,7 @@
           <a:p>
             <a:fld id="{4BC48473-ACCD-4242-806A-1249CC2C55A8}" type="datetimeFigureOut">
               <a:rPr lang="en-US" smtClean="0"/>
-              <a:t>1/19/2018</a:t>
+              <a:t>1/29/2018</a:t>
             </a:fld>
             <a:endParaRPr lang="en-US"/>
           </a:p>
@@ -14773,7 +14773,7 @@
   </p:txStyles>
   <p:extLst mod="1">
     <p:ext uri="{27BBF7A9-308A-43DC-89C8-2F10F3537804}">
-      <p15:sldGuideLst xmlns="" xmlns:p15="http://schemas.microsoft.com/office/powerpoint/2012/main">
+      <p15:sldGuideLst xmlns:p15="http://schemas.microsoft.com/office/powerpoint/2012/main" xmlns="">
         <p15:guide id="1" pos="792">
           <p15:clr>
             <a:srgbClr val="F26B43"/>
@@ -15205,7 +15205,6 @@
               <a:rPr lang="en-US" altLang="en-US" sz="2400" dirty="0" smtClean="0"/>
               <a:t>).</a:t>
             </a:r>
-            <a:endParaRPr lang="en-US" altLang="en-US" sz="2400" dirty="0" smtClean="0"/>
           </a:p>
           <a:p>
             <a:pPr marL="0" indent="0">
@@ -15288,8 +15287,13 @@
                   <a:schemeClr val="tx1"/>
                 </a:solidFill>
               </a:rPr>
-              <a:t>( 0 ) ) ;</a:t>
-            </a:r>
+              <a:t>(0));</a:t>
+            </a:r>
+            <a:endParaRPr lang="en-US" altLang="en-US" dirty="0" smtClean="0">
+              <a:solidFill>
+                <a:schemeClr val="tx1"/>
+              </a:solidFill>
+            </a:endParaRPr>
           </a:p>
           <a:p>
             <a:pPr marL="0" indent="0">
@@ -15329,8 +15333,29 @@
                   <a:schemeClr val="tx1"/>
                 </a:solidFill>
               </a:rPr>
-              <a:t>( 2 ) ) ;</a:t>
-            </a:r>
+              <a:t>(2)</a:t>
+            </a:r>
+            <a:r>
+              <a:rPr lang="en-US" altLang="en-US" dirty="0" smtClean="0">
+                <a:solidFill>
+                  <a:schemeClr val="tx1"/>
+                </a:solidFill>
+              </a:rPr>
+              <a:t>)</a:t>
+            </a:r>
+            <a:r>
+              <a:rPr lang="en-US" altLang="en-US" dirty="0" smtClean="0">
+                <a:solidFill>
+                  <a:schemeClr val="tx1"/>
+                </a:solidFill>
+              </a:rPr>
+              <a:t>;</a:t>
+            </a:r>
+            <a:endParaRPr lang="en-US" altLang="en-US" dirty="0" smtClean="0">
+              <a:solidFill>
+                <a:schemeClr val="tx1"/>
+              </a:solidFill>
+            </a:endParaRPr>
           </a:p>
           <a:p>
             <a:pPr marL="0" indent="0">
@@ -16046,7 +16071,7 @@
                   <a:schemeClr val="tx1"/>
                 </a:solidFill>
               </a:rPr>
-              <a:t>( </a:t>
+              <a:t>(</a:t>
             </a:r>
             <a:r>
               <a:rPr lang="en-US" altLang="en-US" sz="2400" dirty="0" err="1" smtClean="0">
@@ -16062,8 +16087,29 @@
                   <a:schemeClr val="tx1"/>
                 </a:solidFill>
               </a:rPr>
-              <a:t>( 1, 3 ) ) ;</a:t>
-            </a:r>
+              <a:t>(1</a:t>
+            </a:r>
+            <a:r>
+              <a:rPr lang="en-US" altLang="en-US" sz="2400" dirty="0" smtClean="0">
+                <a:solidFill>
+                  <a:schemeClr val="tx1"/>
+                </a:solidFill>
+              </a:rPr>
+              <a:t>, </a:t>
+            </a:r>
+            <a:r>
+              <a:rPr lang="en-US" altLang="en-US" sz="2400" dirty="0" smtClean="0">
+                <a:solidFill>
+                  <a:schemeClr val="tx1"/>
+                </a:solidFill>
+              </a:rPr>
+              <a:t>3));</a:t>
+            </a:r>
+            <a:endParaRPr lang="en-US" altLang="en-US" sz="2400" dirty="0" smtClean="0">
+              <a:solidFill>
+                <a:schemeClr val="tx1"/>
+              </a:solidFill>
+            </a:endParaRPr>
           </a:p>
           <a:p>
             <a:pPr marL="0" indent="0">
@@ -16084,7 +16130,7 @@
                   <a:schemeClr val="tx1"/>
                 </a:solidFill>
               </a:rPr>
-              <a:t>( </a:t>
+              <a:t>(</a:t>
             </a:r>
             <a:r>
               <a:rPr lang="en-US" altLang="en-US" sz="2400" dirty="0" err="1" smtClean="0">
@@ -16100,7 +16146,15 @@
                   <a:schemeClr val="tx1"/>
                 </a:solidFill>
               </a:rPr>
-              <a:t>( 0, </a:t>
+              <a:t>(0</a:t>
+            </a:r>
+            <a:r>
+              <a:rPr lang="en-US" altLang="en-US" sz="2400" dirty="0" smtClean="0">
+                <a:solidFill>
+                  <a:schemeClr val="tx1"/>
+                </a:solidFill>
+              </a:rPr>
+              <a:t>, </a:t>
             </a:r>
             <a:r>
               <a:rPr lang="en-US" altLang="en-US" sz="2400" dirty="0" err="1" smtClean="0">
@@ -16116,8 +16170,13 @@
                   <a:schemeClr val="tx1"/>
                 </a:solidFill>
               </a:rPr>
-              <a:t> ) ) ;</a:t>
-            </a:r>
+              <a:t>));</a:t>
+            </a:r>
+            <a:endParaRPr lang="en-US" altLang="en-US" sz="2400" dirty="0" smtClean="0">
+              <a:solidFill>
+                <a:schemeClr val="tx1"/>
+              </a:solidFill>
+            </a:endParaRPr>
           </a:p>
         </p:txBody>
       </p:sp>
@@ -16833,21 +16892,8 @@
                   <a:schemeClr val="tx1"/>
                 </a:solidFill>
               </a:rPr>
-              <a:t> </a:t>
-            </a:r>
-            <a:r>
-              <a:rPr lang="en-US" altLang="en-US" sz="2400" dirty="0" smtClean="0">
-                <a:solidFill>
-                  <a:schemeClr val="tx1"/>
-                </a:solidFill>
-              </a:rPr>
-              <a:t>found.</a:t>
-            </a:r>
-            <a:endParaRPr lang="en-US" altLang="en-US" sz="2400" dirty="0" smtClean="0">
-              <a:solidFill>
-                <a:schemeClr val="tx1"/>
-              </a:solidFill>
-            </a:endParaRPr>
+              <a:t> found.</a:t>
+            </a:r>
           </a:p>
           <a:p>
             <a:pPr marL="0" indent="0">
@@ -16909,7 +16955,7 @@
                   <a:schemeClr val="tx1"/>
                 </a:solidFill>
               </a:rPr>
-              <a:t>( </a:t>
+              <a:t>(</a:t>
             </a:r>
             <a:r>
               <a:rPr lang="en-US" altLang="en-US" sz="2400" dirty="0" err="1" smtClean="0">
@@ -16925,7 +16971,7 @@
                   <a:schemeClr val="tx1"/>
                 </a:solidFill>
               </a:rPr>
-              <a:t>( “</a:t>
+              <a:t>("</a:t>
             </a:r>
             <a:r>
               <a:rPr lang="en-US" altLang="en-US" sz="2400" dirty="0" err="1" smtClean="0">
@@ -16941,8 +16987,21 @@
                   <a:schemeClr val="tx1"/>
                 </a:solidFill>
               </a:rPr>
-              <a:t>”) ) ;</a:t>
-            </a:r>
+              <a:t>")</a:t>
+            </a:r>
+            <a:r>
+              <a:rPr lang="en-US" altLang="en-US" sz="2400" dirty="0" smtClean="0">
+                <a:solidFill>
+                  <a:schemeClr val="tx1"/>
+                </a:solidFill>
+              </a:rPr>
+              <a:t>);</a:t>
+            </a:r>
+            <a:endParaRPr lang="en-US" altLang="en-US" sz="2400" dirty="0" smtClean="0">
+              <a:solidFill>
+                <a:schemeClr val="tx1"/>
+              </a:solidFill>
+            </a:endParaRPr>
           </a:p>
           <a:p>
             <a:pPr marL="0" indent="0">
@@ -16963,7 +17022,7 @@
                   <a:schemeClr val="tx1"/>
                 </a:solidFill>
               </a:rPr>
-              <a:t>( </a:t>
+              <a:t>(</a:t>
             </a:r>
             <a:r>
               <a:rPr lang="en-US" altLang="en-US" sz="2400" dirty="0" err="1" smtClean="0">
@@ -16979,8 +17038,13 @@
                   <a:schemeClr val="tx1"/>
                 </a:solidFill>
               </a:rPr>
-              <a:t>( “z” ) ) ;</a:t>
-            </a:r>
+              <a:t>("z"));</a:t>
+            </a:r>
+            <a:endParaRPr lang="en-US" altLang="en-US" sz="2400" dirty="0" smtClean="0">
+              <a:solidFill>
+                <a:schemeClr val="tx1"/>
+              </a:solidFill>
+            </a:endParaRPr>
           </a:p>
         </p:txBody>
       </p:sp>
@@ -17719,7 +17783,23 @@
                   <a:schemeClr val="tx1"/>
                 </a:solidFill>
               </a:rPr>
-              <a:t>data = new Array( ) ;</a:t>
+              <a:t>data = new Array</a:t>
+            </a:r>
+            <a:r>
+              <a:rPr lang="en-US" altLang="en-US" dirty="0" smtClean="0">
+                <a:solidFill>
+                  <a:schemeClr val="tx1"/>
+                </a:solidFill>
+              </a:rPr>
+              <a:t>() </a:t>
+            </a:r>
+            <a:r>
+              <a:rPr lang="en-US" altLang="en-US" dirty="0" smtClean="0">
+                <a:solidFill>
+                  <a:schemeClr val="tx1"/>
+                </a:solidFill>
+              </a:rPr>
+              <a:t>;</a:t>
             </a:r>
           </a:p>
           <a:p>
@@ -17758,7 +17838,31 @@
                   <a:schemeClr val="tx1"/>
                 </a:solidFill>
               </a:rPr>
-              <a:t>( " " ) ;</a:t>
+              <a:t>(</a:t>
+            </a:r>
+            <a:r>
+              <a:rPr lang="en-US" altLang="en-US" dirty="0" smtClean="0">
+                <a:solidFill>
+                  <a:schemeClr val="tx1"/>
+                </a:solidFill>
+              </a:rPr>
+              <a:t>"  "</a:t>
+            </a:r>
+            <a:r>
+              <a:rPr lang="en-US" altLang="en-US" dirty="0" smtClean="0">
+                <a:solidFill>
+                  <a:schemeClr val="tx1"/>
+                </a:solidFill>
+              </a:rPr>
+              <a:t>) </a:t>
+            </a:r>
+            <a:r>
+              <a:rPr lang="en-US" altLang="en-US" dirty="0" smtClean="0">
+                <a:solidFill>
+                  <a:schemeClr val="tx1"/>
+                </a:solidFill>
+              </a:rPr>
+              <a:t>;</a:t>
             </a:r>
           </a:p>
           <a:p>
@@ -17789,7 +17893,31 @@
                   <a:schemeClr val="tx1"/>
                 </a:solidFill>
               </a:rPr>
-              <a:t>( "&lt;TABLE&gt;" ) ;</a:t>
+              <a:t>("&lt;</a:t>
+            </a:r>
+            <a:r>
+              <a:rPr lang="en-US" altLang="en-US" dirty="0" smtClean="0">
+                <a:solidFill>
+                  <a:schemeClr val="tx1"/>
+                </a:solidFill>
+              </a:rPr>
+              <a:t>TABLE</a:t>
+            </a:r>
+            <a:r>
+              <a:rPr lang="en-US" altLang="en-US" dirty="0" smtClean="0">
+                <a:solidFill>
+                  <a:schemeClr val="tx1"/>
+                </a:solidFill>
+              </a:rPr>
+              <a:t>&gt;") </a:t>
+            </a:r>
+            <a:r>
+              <a:rPr lang="en-US" altLang="en-US" dirty="0" smtClean="0">
+                <a:solidFill>
+                  <a:schemeClr val="tx1"/>
+                </a:solidFill>
+              </a:rPr>
+              <a:t>;</a:t>
             </a:r>
           </a:p>
           <a:p>
@@ -17851,7 +17979,15 @@
                   <a:schemeClr val="tx1"/>
                 </a:solidFill>
               </a:rPr>
-              <a:t>( "&lt;TR&gt;&lt;TD&gt;", data[ </a:t>
+              <a:t>("&lt;</a:t>
+            </a:r>
+            <a:r>
+              <a:rPr lang="en-US" altLang="en-US" dirty="0" smtClean="0">
+                <a:solidFill>
+                  <a:schemeClr val="tx1"/>
+                </a:solidFill>
+              </a:rPr>
+              <a:t>TR&gt;&lt;TD&gt;", data[ </a:t>
             </a:r>
             <a:r>
               <a:rPr lang="en-US" altLang="en-US" dirty="0" err="1" smtClean="0">
@@ -17867,7 +18003,23 @@
                   <a:schemeClr val="tx1"/>
                 </a:solidFill>
               </a:rPr>
-              <a:t> ], "&lt;/TD&gt;&lt;/TR&gt;" ) ;</a:t>
+              <a:t> ], "&lt;/TD&gt;&lt;/TR</a:t>
+            </a:r>
+            <a:r>
+              <a:rPr lang="en-US" altLang="en-US" dirty="0" smtClean="0">
+                <a:solidFill>
+                  <a:schemeClr val="tx1"/>
+                </a:solidFill>
+              </a:rPr>
+              <a:t>&gt;") </a:t>
+            </a:r>
+            <a:r>
+              <a:rPr lang="en-US" altLang="en-US" dirty="0" smtClean="0">
+                <a:solidFill>
+                  <a:schemeClr val="tx1"/>
+                </a:solidFill>
+              </a:rPr>
+              <a:t>;</a:t>
             </a:r>
           </a:p>
           <a:p>
@@ -17926,7 +18078,31 @@
                   <a:schemeClr val="tx1"/>
                 </a:solidFill>
               </a:rPr>
-              <a:t>( "&lt;/TABLE&gt;" ) ;</a:t>
+              <a:t>("&lt;/</a:t>
+            </a:r>
+            <a:r>
+              <a:rPr lang="en-US" altLang="en-US" dirty="0" smtClean="0">
+                <a:solidFill>
+                  <a:schemeClr val="tx1"/>
+                </a:solidFill>
+              </a:rPr>
+              <a:t>TABLE</a:t>
+            </a:r>
+            <a:r>
+              <a:rPr lang="en-US" altLang="en-US" dirty="0" smtClean="0">
+                <a:solidFill>
+                  <a:schemeClr val="tx1"/>
+                </a:solidFill>
+              </a:rPr>
+              <a:t>&gt;") </a:t>
+            </a:r>
+            <a:r>
+              <a:rPr lang="en-US" altLang="en-US" dirty="0" smtClean="0">
+                <a:solidFill>
+                  <a:schemeClr val="tx1"/>
+                </a:solidFill>
+              </a:rPr>
+              <a:t>;</a:t>
             </a:r>
           </a:p>
         </p:txBody>
@@ -18640,21 +18816,8 @@
                   <a:schemeClr val="tx1"/>
                 </a:solidFill>
               </a:rPr>
-              <a:t>Whenever a non-string is used where JavaScript is expecting a string, it converts that non-string into a </a:t>
-            </a:r>
-            <a:r>
-              <a:rPr lang="en-US" altLang="en-US" sz="2400" dirty="0" smtClean="0">
-                <a:solidFill>
-                  <a:schemeClr val="tx1"/>
-                </a:solidFill>
-              </a:rPr>
-              <a:t>string.</a:t>
-            </a:r>
-            <a:endParaRPr lang="en-US" altLang="en-US" sz="2400" dirty="0" smtClean="0">
-              <a:solidFill>
-                <a:schemeClr val="tx1"/>
-              </a:solidFill>
-            </a:endParaRPr>
+              <a:t>Whenever a non-string is used where JavaScript is expecting a string, it converts that non-string into a string.</a:t>
+            </a:r>
           </a:p>
           <a:p>
             <a:pPr>
@@ -18705,7 +18868,7 @@
                   <a:schemeClr val="tx1"/>
                 </a:solidFill>
               </a:rPr>
-              <a:t>( ) method expects a string (or several strings, separated by commas) as its </a:t>
+              <a:t>() </a:t>
             </a:r>
             <a:r>
               <a:rPr lang="en-US" altLang="en-US" sz="2400" dirty="0" smtClean="0">
@@ -18713,13 +18876,8 @@
                   <a:schemeClr val="tx1"/>
                 </a:solidFill>
               </a:rPr>
-              <a:t>argument.</a:t>
-            </a:r>
-            <a:endParaRPr lang="en-US" altLang="en-US" sz="2400" dirty="0" smtClean="0">
-              <a:solidFill>
-                <a:schemeClr val="tx1"/>
-              </a:solidFill>
-            </a:endParaRPr>
+              <a:t>method expects a string (or several strings, separated by commas) as its argument.</a:t>
+            </a:r>
           </a:p>
           <a:p>
             <a:pPr lvl="1">
@@ -18736,21 +18894,8 @@
                   <a:schemeClr val="tx1"/>
                 </a:solidFill>
               </a:rPr>
-              <a:t>When a number or a Boolean is passed as an argument to this method, JavaScript automatically converts it into a string before writing it onto the </a:t>
-            </a:r>
-            <a:r>
-              <a:rPr lang="en-US" altLang="en-US" sz="2400" dirty="0" smtClean="0">
-                <a:solidFill>
-                  <a:schemeClr val="tx1"/>
-                </a:solidFill>
-              </a:rPr>
-              <a:t>document.</a:t>
-            </a:r>
-            <a:endParaRPr lang="en-US" altLang="en-US" sz="2400" dirty="0" smtClean="0">
-              <a:solidFill>
-                <a:schemeClr val="tx1"/>
-              </a:solidFill>
-            </a:endParaRPr>
+              <a:t>When a number or a Boolean is passed as an argument to this method, JavaScript automatically converts it into a string before writing it onto the document.</a:t>
+            </a:r>
           </a:p>
         </p:txBody>
       </p:sp>
@@ -19014,16 +19159,10 @@
                   <a:schemeClr val="tx1"/>
                 </a:solidFill>
               </a:rPr>
-              <a:t>When ‘+’ is used with numeric operands, it adds </a:t>
-            </a:r>
-            <a:r>
-              <a:rPr lang="en-US" altLang="en-US" sz="2400" dirty="0" smtClean="0">
-                <a:solidFill>
-                  <a:schemeClr val="tx1"/>
-                </a:solidFill>
-              </a:rPr>
-              <a:t>them.</a:t>
-            </a:r>
+              <a:t>When ‘+’ is used with numeric operands, it adds them.</a:t>
+            </a:r>
+          </a:p>
+          <a:p>
             <a:endParaRPr lang="en-US" altLang="en-US" sz="2400" dirty="0" smtClean="0">
               <a:solidFill>
                 <a:schemeClr val="tx1"/>
@@ -19031,6 +19170,16 @@
             </a:endParaRPr>
           </a:p>
           <a:p>
+            <a:r>
+              <a:rPr lang="en-US" altLang="en-US" sz="2400" dirty="0" smtClean="0">
+                <a:solidFill>
+                  <a:schemeClr val="tx1"/>
+                </a:solidFill>
+              </a:rPr>
+              <a:t>When it is used with string operands, it concatenates them.</a:t>
+            </a:r>
+          </a:p>
+          <a:p>
             <a:endParaRPr lang="en-US" altLang="en-US" sz="2400" dirty="0" smtClean="0">
               <a:solidFill>
                 <a:schemeClr val="tx1"/>
@@ -19044,51 +19193,8 @@
                   <a:schemeClr val="tx1"/>
                 </a:solidFill>
               </a:rPr>
-              <a:t>When it is used with string operands, it concatenates </a:t>
-            </a:r>
-            <a:r>
-              <a:rPr lang="en-US" altLang="en-US" sz="2400" dirty="0" smtClean="0">
-                <a:solidFill>
-                  <a:schemeClr val="tx1"/>
-                </a:solidFill>
-              </a:rPr>
-              <a:t>them.</a:t>
-            </a:r>
-            <a:endParaRPr lang="en-US" altLang="en-US" sz="2400" dirty="0" smtClean="0">
-              <a:solidFill>
-                <a:schemeClr val="tx1"/>
-              </a:solidFill>
-            </a:endParaRPr>
-          </a:p>
-          <a:p>
-            <a:endParaRPr lang="en-US" altLang="en-US" sz="2400" dirty="0" smtClean="0">
-              <a:solidFill>
-                <a:schemeClr val="tx1"/>
-              </a:solidFill>
-            </a:endParaRPr>
-          </a:p>
-          <a:p>
-            <a:r>
-              <a:rPr lang="en-US" altLang="en-US" sz="2400" dirty="0" smtClean="0">
-                <a:solidFill>
-                  <a:schemeClr val="tx1"/>
-                </a:solidFill>
-              </a:rPr>
-              <a:t>When one operand is a string, and the other is not, the non-string will first be converted to a string and then the two strings will be </a:t>
-            </a:r>
-            <a:r>
-              <a:rPr lang="en-US" altLang="en-US" sz="2400" dirty="0" smtClean="0">
-                <a:solidFill>
-                  <a:schemeClr val="tx1"/>
-                </a:solidFill>
-              </a:rPr>
-              <a:t>concatenated.</a:t>
-            </a:r>
-            <a:endParaRPr lang="en-US" altLang="en-US" sz="2400" dirty="0" smtClean="0">
-              <a:solidFill>
-                <a:schemeClr val="tx1"/>
-              </a:solidFill>
-            </a:endParaRPr>
+              <a:t>When one operand is a string, and the other is not, the non-string will first be converted to a string and then the two strings will be concatenated.</a:t>
+            </a:r>
           </a:p>
         </p:txBody>
       </p:sp>
@@ -19423,7 +19529,15 @@
                   <a:schemeClr val="tx1"/>
                 </a:solidFill>
               </a:rPr>
-              <a:t>( "2" + 3) ;</a:t>
+              <a:t>("</a:t>
+            </a:r>
+            <a:r>
+              <a:rPr lang="en-US" altLang="en-US" sz="2400" dirty="0" smtClean="0">
+                <a:solidFill>
+                  <a:schemeClr val="tx1"/>
+                </a:solidFill>
+              </a:rPr>
+              <a:t>2" + 3) ;</a:t>
             </a:r>
           </a:p>
         </p:txBody>
@@ -20482,21 +20596,8 @@
                   <a:schemeClr val="tx1"/>
                 </a:solidFill>
               </a:rPr>
-              <a:t>” is the </a:t>
-            </a:r>
-            <a:r>
-              <a:rPr lang="en-US" altLang="en-US" sz="2400" dirty="0" smtClean="0">
-                <a:solidFill>
-                  <a:schemeClr val="tx1"/>
-                </a:solidFill>
-              </a:rPr>
-              <a:t>result.</a:t>
-            </a:r>
-            <a:endParaRPr lang="en-US" altLang="en-US" sz="2400" dirty="0" smtClean="0">
-              <a:solidFill>
-                <a:schemeClr val="tx1"/>
-              </a:solidFill>
-            </a:endParaRPr>
+              <a:t>” is the result.</a:t>
+            </a:r>
           </a:p>
         </p:txBody>
       </p:sp>
@@ -20689,22 +20790,28 @@
               <a:t>document.write</a:t>
             </a:r>
             <a:r>
+              <a:rPr lang="en-US" altLang="en-US" sz="2400" dirty="0" smtClean="0">
+                <a:latin typeface="+mn-lt"/>
+              </a:rPr>
+              <a:t>("</a:t>
+            </a:r>
+            <a:r>
               <a:rPr lang="en-US" altLang="en-US" sz="2400" dirty="0">
                 <a:latin typeface="+mn-lt"/>
               </a:rPr>
-              <a:t>( "2" * </a:t>
+              <a:t>2" * </a:t>
             </a:r>
             <a:r>
               <a:rPr lang="en-US" altLang="en-US" sz="2400" dirty="0" smtClean="0">
                 <a:latin typeface="+mn-lt"/>
               </a:rPr>
-              <a:t>3 </a:t>
+              <a:t>3) </a:t>
             </a:r>
             <a:r>
               <a:rPr lang="en-US" altLang="en-US" sz="2400" dirty="0">
                 <a:latin typeface="+mn-lt"/>
               </a:rPr>
-              <a:t>) ;</a:t>
+              <a:t>;</a:t>
             </a:r>
           </a:p>
           <a:p>
@@ -20722,10 +20829,16 @@
               <a:t>document.write</a:t>
             </a:r>
             <a:r>
+              <a:rPr lang="en-US" altLang="en-US" sz="2400" dirty="0" smtClean="0">
+                <a:latin typeface="+mn-lt"/>
+              </a:rPr>
+              <a:t>("</a:t>
+            </a:r>
+            <a:r>
               <a:rPr lang="en-US" altLang="en-US" sz="2400" dirty="0">
                 <a:latin typeface="+mn-lt"/>
               </a:rPr>
-              <a:t>( "2" </a:t>
+              <a:t>2" </a:t>
             </a:r>
             <a:r>
               <a:rPr lang="en-US" altLang="en-US" sz="2400" dirty="0" smtClean="0">
@@ -20734,10 +20847,16 @@
               <a:t>+ </a:t>
             </a:r>
             <a:r>
+              <a:rPr lang="en-US" altLang="en-US" sz="2400" dirty="0" smtClean="0">
+                <a:latin typeface="+mn-lt"/>
+              </a:rPr>
+              <a:t>3) </a:t>
+            </a:r>
+            <a:r>
               <a:rPr lang="en-US" altLang="en-US" sz="2400" dirty="0">
                 <a:latin typeface="+mn-lt"/>
               </a:rPr>
-              <a:t>3 ) ;</a:t>
+              <a:t>;</a:t>
             </a:r>
           </a:p>
         </p:txBody>
@@ -21625,7 +21744,15 @@
                   <a:schemeClr val="tx1"/>
                 </a:solidFill>
               </a:rPr>
-              <a:t>( ) ;</a:t>
+              <a:t>() </a:t>
+            </a:r>
+            <a:r>
+              <a:rPr lang="en-US" altLang="en-US" sz="2400" dirty="0" smtClean="0">
+                <a:solidFill>
+                  <a:schemeClr val="tx1"/>
+                </a:solidFill>
+              </a:rPr>
+              <a:t>;</a:t>
             </a:r>
           </a:p>
           <a:p>
@@ -21663,7 +21790,15 @@
                   <a:schemeClr val="tx1"/>
                 </a:solidFill>
               </a:rPr>
-              <a:t>( ".", 0 ) ;</a:t>
+              <a:t>(".", 0) </a:t>
+            </a:r>
+            <a:r>
+              <a:rPr lang="en-US" altLang="en-US" sz="2400" dirty="0" smtClean="0">
+                <a:solidFill>
+                  <a:schemeClr val="tx1"/>
+                </a:solidFill>
+              </a:rPr>
+              <a:t>;</a:t>
             </a:r>
           </a:p>
           <a:p>
@@ -21693,7 +21828,15 @@
                   <a:schemeClr val="tx1"/>
                 </a:solidFill>
               </a:rPr>
-              <a:t>( 0, </a:t>
+              <a:t>(0</a:t>
+            </a:r>
+            <a:r>
+              <a:rPr lang="en-US" altLang="en-US" sz="2400" dirty="0" smtClean="0">
+                <a:solidFill>
+                  <a:schemeClr val="tx1"/>
+                </a:solidFill>
+              </a:rPr>
+              <a:t>, </a:t>
             </a:r>
             <a:r>
               <a:rPr lang="en-US" altLang="en-US" sz="2400" dirty="0" err="1" smtClean="0">
@@ -21709,7 +21852,23 @@
                   <a:schemeClr val="tx1"/>
                 </a:solidFill>
               </a:rPr>
-              <a:t> + 3 ) ;</a:t>
+              <a:t> + </a:t>
+            </a:r>
+            <a:r>
+              <a:rPr lang="en-US" altLang="en-US" sz="2400" dirty="0" smtClean="0">
+                <a:solidFill>
+                  <a:schemeClr val="tx1"/>
+                </a:solidFill>
+              </a:rPr>
+              <a:t>3) </a:t>
+            </a:r>
+            <a:r>
+              <a:rPr lang="en-US" altLang="en-US" sz="2400" dirty="0" smtClean="0">
+                <a:solidFill>
+                  <a:schemeClr val="tx1"/>
+                </a:solidFill>
+              </a:rPr>
+              <a:t>;</a:t>
             </a:r>
           </a:p>
           <a:p>
@@ -21731,7 +21890,15 @@
                   <a:schemeClr val="tx1"/>
                 </a:solidFill>
               </a:rPr>
-              <a:t>( c ) ;</a:t>
+              <a:t>(c) </a:t>
+            </a:r>
+            <a:r>
+              <a:rPr lang="en-US" altLang="en-US" sz="2400" dirty="0" smtClean="0">
+                <a:solidFill>
+                  <a:schemeClr val="tx1"/>
+                </a:solidFill>
+              </a:rPr>
+              <a:t>;</a:t>
             </a:r>
             <a:endParaRPr lang="en-US" altLang="en-US" dirty="0" smtClean="0">
               <a:solidFill>
@@ -22858,13 +23025,8 @@
             </a:r>
             <a:r>
               <a:rPr lang="en-US" altLang="en-US" sz="2400" dirty="0" smtClean="0"/>
-              <a:t>operations as </a:t>
-            </a:r>
-            <a:r>
-              <a:rPr lang="en-US" altLang="en-US" sz="2400" dirty="0" smtClean="0"/>
-              <a:t>well.</a:t>
-            </a:r>
-            <a:endParaRPr lang="en-US" altLang="en-US" sz="2400" dirty="0" smtClean="0"/>
+              <a:t>operations as well.</a:t>
+            </a:r>
           </a:p>
           <a:p>
             <a:pPr>
@@ -22901,13 +23063,8 @@
             </a:r>
             <a:r>
               <a:rPr lang="en-US" altLang="en-US" sz="2400" dirty="0" smtClean="0"/>
-              <a:t> </a:t>
-            </a:r>
-            <a:r>
-              <a:rPr lang="en-US" altLang="en-US" sz="2400" dirty="0" smtClean="0"/>
-              <a:t>object.</a:t>
-            </a:r>
-            <a:endParaRPr lang="en-US" altLang="en-US" sz="2400" dirty="0" smtClean="0"/>
+              <a:t> object.</a:t>
+            </a:r>
           </a:p>
           <a:p>
             <a:pPr>
@@ -22947,7 +23104,6 @@
               <a:rPr lang="en-US" altLang="en-US" sz="2400" dirty="0" smtClean="0"/>
               <a:t>.</a:t>
             </a:r>
-            <a:endParaRPr lang="en-US" altLang="en-US" sz="2400" dirty="0" smtClean="0"/>
           </a:p>
           <a:p>
             <a:pPr marL="0" indent="0">
@@ -23207,7 +23363,7 @@
         <p:spPr>
           <a:xfrm>
             <a:off x="6324600" y="5715000"/>
-            <a:ext cx="1959191" cy="592022"/>
+            <a:ext cx="1845377" cy="592022"/>
           </a:xfrm>
           <a:solidFill>
             <a:schemeClr val="bg2"/>
@@ -23234,15 +23390,39 @@
             <a:r>
               <a:rPr lang="en-US" altLang="en-US" sz="3200" dirty="0" smtClean="0">
                 <a:solidFill>
-                  <a:schemeClr val="accent1">
+                  <a:schemeClr val="tx2">
                     <a:lumMod val="75000"/>
+                    <a:lumOff val="25000"/>
                   </a:schemeClr>
                 </a:solidFill>
                 <a:latin typeface="Arial" panose="020B0604020202020204" pitchFamily="34" charset="0"/>
                 <a:cs typeface="Arial" panose="020B0604020202020204" pitchFamily="34" charset="0"/>
               </a:rPr>
-              <a:t>random( )</a:t>
-            </a:r>
+              <a:t>random</a:t>
+            </a:r>
+            <a:r>
+              <a:rPr lang="en-US" altLang="en-US" sz="3200" dirty="0" smtClean="0">
+                <a:solidFill>
+                  <a:schemeClr val="tx2">
+                    <a:lumMod val="75000"/>
+                    <a:lumOff val="25000"/>
+                  </a:schemeClr>
+                </a:solidFill>
+                <a:latin typeface="Arial" panose="020B0604020202020204" pitchFamily="34" charset="0"/>
+                <a:cs typeface="Arial" panose="020B0604020202020204" pitchFamily="34" charset="0"/>
+              </a:rPr>
+              <a:t>()</a:t>
+            </a:r>
+            <a:endParaRPr lang="en-US" altLang="en-US" sz="3200" dirty="0" smtClean="0">
+              <a:solidFill>
+                <a:schemeClr val="tx2">
+                  <a:lumMod val="75000"/>
+                  <a:lumOff val="25000"/>
+                </a:schemeClr>
+              </a:solidFill>
+              <a:latin typeface="Arial" panose="020B0604020202020204" pitchFamily="34" charset="0"/>
+              <a:cs typeface="Arial" panose="020B0604020202020204" pitchFamily="34" charset="0"/>
+            </a:endParaRPr>
           </a:p>
         </p:txBody>
       </p:sp>
@@ -23257,7 +23437,7 @@
         <p:spPr bwMode="auto">
           <a:xfrm>
             <a:off x="762000" y="1143000"/>
-            <a:ext cx="2335213" cy="3749675"/>
+            <a:ext cx="2119491" cy="3785652"/>
           </a:xfrm>
           <a:prstGeom prst="rect">
             <a:avLst/>
@@ -23421,7 +23601,7 @@
               <a:buNone/>
             </a:pPr>
             <a:r>
-              <a:rPr lang="en-US" altLang="en-US" dirty="0">
+              <a:rPr lang="en-US" altLang="en-US" dirty="0" smtClean="0">
                 <a:solidFill>
                   <a:schemeClr val="tx2">
                     <a:lumMod val="75000"/>
@@ -23429,8 +23609,16 @@
                   </a:schemeClr>
                 </a:solidFill>
               </a:rPr>
-              <a:t>sin( r )</a:t>
-            </a:r>
+              <a:t>sin(r)</a:t>
+            </a:r>
+            <a:endParaRPr lang="en-US" altLang="en-US" dirty="0">
+              <a:solidFill>
+                <a:schemeClr val="tx2">
+                  <a:lumMod val="75000"/>
+                  <a:lumOff val="25000"/>
+                </a:schemeClr>
+              </a:solidFill>
+            </a:endParaRPr>
           </a:p>
           <a:p>
             <a:pPr>
@@ -23441,7 +23629,7 @@
               <a:buNone/>
             </a:pPr>
             <a:r>
-              <a:rPr lang="en-US" altLang="en-US" dirty="0">
+              <a:rPr lang="en-US" altLang="en-US" dirty="0" smtClean="0">
                 <a:solidFill>
                   <a:schemeClr val="tx2">
                     <a:lumMod val="75000"/>
@@ -23449,8 +23637,16 @@
                   </a:schemeClr>
                 </a:solidFill>
               </a:rPr>
-              <a:t>cos( r ) </a:t>
-            </a:r>
+              <a:t>cos(r) </a:t>
+            </a:r>
+            <a:endParaRPr lang="en-US" altLang="en-US" dirty="0">
+              <a:solidFill>
+                <a:schemeClr val="tx2">
+                  <a:lumMod val="75000"/>
+                  <a:lumOff val="25000"/>
+                </a:schemeClr>
+              </a:solidFill>
+            </a:endParaRPr>
           </a:p>
           <a:p>
             <a:pPr>
@@ -23461,7 +23657,7 @@
               <a:buNone/>
             </a:pPr>
             <a:r>
-              <a:rPr lang="en-US" altLang="en-US" dirty="0">
+              <a:rPr lang="en-US" altLang="en-US" dirty="0" smtClean="0">
                 <a:solidFill>
                   <a:schemeClr val="tx2">
                     <a:lumMod val="75000"/>
@@ -23469,8 +23665,16 @@
                   </a:schemeClr>
                 </a:solidFill>
               </a:rPr>
-              <a:t>tan( r )</a:t>
-            </a:r>
+              <a:t>tan(r)</a:t>
+            </a:r>
+            <a:endParaRPr lang="en-US" altLang="en-US" dirty="0">
+              <a:solidFill>
+                <a:schemeClr val="tx2">
+                  <a:lumMod val="75000"/>
+                  <a:lumOff val="25000"/>
+                </a:schemeClr>
+              </a:solidFill>
+            </a:endParaRPr>
           </a:p>
           <a:p>
             <a:pPr>
@@ -23481,7 +23685,7 @@
               <a:buNone/>
             </a:pPr>
             <a:r>
-              <a:rPr lang="en-US" altLang="en-US" dirty="0" err="1">
+              <a:rPr lang="en-US" altLang="en-US" dirty="0" err="1" smtClean="0">
                 <a:solidFill>
                   <a:schemeClr val="tx2">
                     <a:lumMod val="75000"/>
@@ -23492,7 +23696,7 @@
               <a:t>asin</a:t>
             </a:r>
             <a:r>
-              <a:rPr lang="en-US" altLang="en-US" dirty="0">
+              <a:rPr lang="en-US" altLang="en-US" dirty="0" smtClean="0">
                 <a:solidFill>
                   <a:schemeClr val="tx2">
                     <a:lumMod val="75000"/>
@@ -23500,8 +23704,16 @@
                   </a:schemeClr>
                 </a:solidFill>
               </a:rPr>
-              <a:t>( x )</a:t>
-            </a:r>
+              <a:t>(x)</a:t>
+            </a:r>
+            <a:endParaRPr lang="en-US" altLang="en-US" dirty="0">
+              <a:solidFill>
+                <a:schemeClr val="tx2">
+                  <a:lumMod val="75000"/>
+                  <a:lumOff val="25000"/>
+                </a:schemeClr>
+              </a:solidFill>
+            </a:endParaRPr>
           </a:p>
           <a:p>
             <a:pPr>
@@ -23512,7 +23724,7 @@
               <a:buNone/>
             </a:pPr>
             <a:r>
-              <a:rPr lang="en-US" altLang="en-US" dirty="0" err="1">
+              <a:rPr lang="en-US" altLang="en-US" dirty="0" err="1" smtClean="0">
                 <a:solidFill>
                   <a:schemeClr val="tx2">
                     <a:lumMod val="75000"/>
@@ -23523,7 +23735,7 @@
               <a:t>acos</a:t>
             </a:r>
             <a:r>
-              <a:rPr lang="en-US" altLang="en-US" dirty="0">
+              <a:rPr lang="en-US" altLang="en-US" dirty="0" smtClean="0">
                 <a:solidFill>
                   <a:schemeClr val="tx2">
                     <a:lumMod val="75000"/>
@@ -23531,8 +23743,16 @@
                   </a:schemeClr>
                 </a:solidFill>
               </a:rPr>
-              <a:t>( x ) </a:t>
-            </a:r>
+              <a:t>(x) </a:t>
+            </a:r>
+            <a:endParaRPr lang="en-US" altLang="en-US" dirty="0">
+              <a:solidFill>
+                <a:schemeClr val="tx2">
+                  <a:lumMod val="75000"/>
+                  <a:lumOff val="25000"/>
+                </a:schemeClr>
+              </a:solidFill>
+            </a:endParaRPr>
           </a:p>
           <a:p>
             <a:pPr>
@@ -23543,7 +23763,7 @@
               <a:buNone/>
             </a:pPr>
             <a:r>
-              <a:rPr lang="en-US" altLang="en-US" dirty="0" err="1">
+              <a:rPr lang="en-US" altLang="en-US" dirty="0" err="1" smtClean="0">
                 <a:solidFill>
                   <a:schemeClr val="tx2">
                     <a:lumMod val="75000"/>
@@ -23554,7 +23774,7 @@
               <a:t>atan</a:t>
             </a:r>
             <a:r>
-              <a:rPr lang="en-US" altLang="en-US" dirty="0">
+              <a:rPr lang="en-US" altLang="en-US" dirty="0" smtClean="0">
                 <a:solidFill>
                   <a:schemeClr val="tx2">
                     <a:lumMod val="75000"/>
@@ -23562,8 +23782,16 @@
                   </a:schemeClr>
                 </a:solidFill>
               </a:rPr>
-              <a:t>( x ) </a:t>
-            </a:r>
+              <a:t>(x) </a:t>
+            </a:r>
+            <a:endParaRPr lang="en-US" altLang="en-US" dirty="0">
+              <a:solidFill>
+                <a:schemeClr val="tx2">
+                  <a:lumMod val="75000"/>
+                  <a:lumOff val="25000"/>
+                </a:schemeClr>
+              </a:solidFill>
+            </a:endParaRPr>
           </a:p>
           <a:p>
             <a:pPr>
@@ -23574,7 +23802,7 @@
               <a:buNone/>
             </a:pPr>
             <a:r>
-              <a:rPr lang="en-US" altLang="en-US" dirty="0">
+              <a:rPr lang="en-US" altLang="en-US" dirty="0" smtClean="0">
                 <a:solidFill>
                   <a:schemeClr val="tx2">
                     <a:lumMod val="75000"/>
@@ -23582,8 +23810,38 @@
                   </a:schemeClr>
                 </a:solidFill>
               </a:rPr>
-              <a:t>atan2( x, y )</a:t>
-            </a:r>
+              <a:t>atan2(x</a:t>
+            </a:r>
+            <a:r>
+              <a:rPr lang="en-US" altLang="en-US" dirty="0">
+                <a:solidFill>
+                  <a:schemeClr val="tx2">
+                    <a:lumMod val="75000"/>
+                    <a:lumOff val="25000"/>
+                  </a:schemeClr>
+                </a:solidFill>
+              </a:rPr>
+              <a:t>, </a:t>
+            </a:r>
+            <a:r>
+              <a:rPr lang="en-US" altLang="en-US" dirty="0" smtClean="0">
+                <a:solidFill>
+                  <a:schemeClr val="tx2">
+                    <a:lumMod val="75000"/>
+                    <a:lumOff val="25000"/>
+                  </a:schemeClr>
+                </a:solidFill>
+              </a:rPr>
+              <a:t>y)</a:t>
+            </a:r>
+            <a:endParaRPr lang="en-US" altLang="en-US" dirty="0">
+              <a:solidFill>
+                <a:schemeClr val="tx2">
+                  <a:lumMod val="75000"/>
+                  <a:lumOff val="25000"/>
+                </a:schemeClr>
+              </a:solidFill>
+            </a:endParaRPr>
           </a:p>
         </p:txBody>
       </p:sp>
@@ -23598,7 +23856,7 @@
         <p:spPr bwMode="auto">
           <a:xfrm>
             <a:off x="6370638" y="4206875"/>
-            <a:ext cx="2087562" cy="1074738"/>
+            <a:ext cx="1869423" cy="1077218"/>
           </a:xfrm>
           <a:prstGeom prst="rect">
             <a:avLst/>
@@ -23762,7 +24020,7 @@
               <a:buNone/>
             </a:pPr>
             <a:r>
-              <a:rPr lang="en-US" altLang="en-US" dirty="0">
+              <a:rPr lang="en-US" altLang="en-US" dirty="0" smtClean="0">
                 <a:solidFill>
                   <a:schemeClr val="tx2">
                     <a:lumMod val="75000"/>
@@ -23770,8 +24028,38 @@
                   </a:schemeClr>
                 </a:solidFill>
               </a:rPr>
-              <a:t>max( x, y )</a:t>
-            </a:r>
+              <a:t>max(x</a:t>
+            </a:r>
+            <a:r>
+              <a:rPr lang="en-US" altLang="en-US" dirty="0">
+                <a:solidFill>
+                  <a:schemeClr val="tx2">
+                    <a:lumMod val="75000"/>
+                    <a:lumOff val="25000"/>
+                  </a:schemeClr>
+                </a:solidFill>
+              </a:rPr>
+              <a:t>, </a:t>
+            </a:r>
+            <a:r>
+              <a:rPr lang="en-US" altLang="en-US" dirty="0" smtClean="0">
+                <a:solidFill>
+                  <a:schemeClr val="tx2">
+                    <a:lumMod val="75000"/>
+                    <a:lumOff val="25000"/>
+                  </a:schemeClr>
+                </a:solidFill>
+              </a:rPr>
+              <a:t>y)</a:t>
+            </a:r>
+            <a:endParaRPr lang="en-US" altLang="en-US" dirty="0">
+              <a:solidFill>
+                <a:schemeClr val="tx2">
+                  <a:lumMod val="75000"/>
+                  <a:lumOff val="25000"/>
+                </a:schemeClr>
+              </a:solidFill>
+            </a:endParaRPr>
           </a:p>
           <a:p>
             <a:pPr>
@@ -23782,7 +24070,7 @@
               <a:buNone/>
             </a:pPr>
             <a:r>
-              <a:rPr lang="en-US" altLang="en-US" dirty="0">
+              <a:rPr lang="en-US" altLang="en-US" dirty="0" smtClean="0">
                 <a:solidFill>
                   <a:schemeClr val="tx2">
                     <a:lumMod val="75000"/>
@@ -23790,8 +24078,38 @@
                   </a:schemeClr>
                 </a:solidFill>
               </a:rPr>
-              <a:t>max( x, y )</a:t>
-            </a:r>
+              <a:t>min(x</a:t>
+            </a:r>
+            <a:r>
+              <a:rPr lang="en-US" altLang="en-US" dirty="0">
+                <a:solidFill>
+                  <a:schemeClr val="tx2">
+                    <a:lumMod val="75000"/>
+                    <a:lumOff val="25000"/>
+                  </a:schemeClr>
+                </a:solidFill>
+              </a:rPr>
+              <a:t>, </a:t>
+            </a:r>
+            <a:r>
+              <a:rPr lang="en-US" altLang="en-US" dirty="0" smtClean="0">
+                <a:solidFill>
+                  <a:schemeClr val="tx2">
+                    <a:lumMod val="75000"/>
+                    <a:lumOff val="25000"/>
+                  </a:schemeClr>
+                </a:solidFill>
+              </a:rPr>
+              <a:t>y)</a:t>
+            </a:r>
+            <a:endParaRPr lang="en-US" altLang="en-US" dirty="0">
+              <a:solidFill>
+                <a:schemeClr val="tx2">
+                  <a:lumMod val="75000"/>
+                  <a:lumOff val="25000"/>
+                </a:schemeClr>
+              </a:solidFill>
+            </a:endParaRPr>
           </a:p>
         </p:txBody>
       </p:sp>
@@ -23806,7 +24124,7 @@
         <p:spPr bwMode="auto">
           <a:xfrm>
             <a:off x="6370638" y="1143000"/>
-            <a:ext cx="1928812" cy="1609725"/>
+            <a:ext cx="1709122" cy="1618905"/>
           </a:xfrm>
           <a:prstGeom prst="rect">
             <a:avLst/>
@@ -23970,7 +24288,7 @@
               <a:buNone/>
             </a:pPr>
             <a:r>
-              <a:rPr lang="en-US" altLang="en-US" dirty="0">
+              <a:rPr lang="en-US" altLang="en-US" dirty="0" smtClean="0">
                 <a:solidFill>
                   <a:schemeClr val="tx2">
                     <a:lumMod val="75000"/>
@@ -23978,8 +24296,16 @@
                   </a:schemeClr>
                 </a:solidFill>
               </a:rPr>
-              <a:t>round( x )</a:t>
-            </a:r>
+              <a:t>round(x)</a:t>
+            </a:r>
+            <a:endParaRPr lang="en-US" altLang="en-US" dirty="0">
+              <a:solidFill>
+                <a:schemeClr val="tx2">
+                  <a:lumMod val="75000"/>
+                  <a:lumOff val="25000"/>
+                </a:schemeClr>
+              </a:solidFill>
+            </a:endParaRPr>
           </a:p>
           <a:p>
             <a:pPr>
@@ -23990,7 +24316,7 @@
               <a:buNone/>
             </a:pPr>
             <a:r>
-              <a:rPr lang="en-US" altLang="en-US" dirty="0">
+              <a:rPr lang="en-US" altLang="en-US" dirty="0" smtClean="0">
                 <a:solidFill>
                   <a:schemeClr val="tx2">
                     <a:lumMod val="75000"/>
@@ -23998,8 +24324,16 @@
                   </a:schemeClr>
                 </a:solidFill>
               </a:rPr>
-              <a:t>floor( x )</a:t>
-            </a:r>
+              <a:t>floor(x)</a:t>
+            </a:r>
+            <a:endParaRPr lang="en-US" altLang="en-US" dirty="0">
+              <a:solidFill>
+                <a:schemeClr val="tx2">
+                  <a:lumMod val="75000"/>
+                  <a:lumOff val="25000"/>
+                </a:schemeClr>
+              </a:solidFill>
+            </a:endParaRPr>
           </a:p>
           <a:p>
             <a:pPr>
@@ -24010,7 +24344,7 @@
               <a:buNone/>
             </a:pPr>
             <a:r>
-              <a:rPr lang="en-US" altLang="en-US" dirty="0">
+              <a:rPr lang="en-US" altLang="en-US" dirty="0" smtClean="0">
                 <a:solidFill>
                   <a:schemeClr val="tx2">
                     <a:lumMod val="75000"/>
@@ -24018,8 +24352,16 @@
                   </a:schemeClr>
                 </a:solidFill>
               </a:rPr>
-              <a:t>ceil( x ) </a:t>
-            </a:r>
+              <a:t>ceil(x) </a:t>
+            </a:r>
+            <a:endParaRPr lang="en-US" altLang="en-US" dirty="0">
+              <a:solidFill>
+                <a:schemeClr val="tx2">
+                  <a:lumMod val="75000"/>
+                  <a:lumOff val="25000"/>
+                </a:schemeClr>
+              </a:solidFill>
+            </a:endParaRPr>
           </a:p>
         </p:txBody>
       </p:sp>
@@ -24034,7 +24376,7 @@
         <p:spPr bwMode="auto">
           <a:xfrm>
             <a:off x="3684588" y="2743200"/>
-            <a:ext cx="1546225" cy="1173163"/>
+            <a:ext cx="1322798" cy="1175706"/>
           </a:xfrm>
           <a:prstGeom prst="rect">
             <a:avLst/>
@@ -24195,7 +24537,7 @@
               <a:buNone/>
             </a:pPr>
             <a:r>
-              <a:rPr lang="en-US" altLang="en-US" dirty="0" err="1">
+              <a:rPr lang="en-US" altLang="en-US" dirty="0" err="1" smtClean="0">
                 <a:solidFill>
                   <a:schemeClr val="tx2">
                     <a:lumMod val="75000"/>
@@ -24206,7 +24548,7 @@
               <a:t>exp</a:t>
             </a:r>
             <a:r>
-              <a:rPr lang="en-US" altLang="en-US" dirty="0">
+              <a:rPr lang="en-US" altLang="en-US" dirty="0" smtClean="0">
                 <a:solidFill>
                   <a:schemeClr val="tx2">
                     <a:lumMod val="75000"/>
@@ -24214,8 +24556,16 @@
                   </a:schemeClr>
                 </a:solidFill>
               </a:rPr>
-              <a:t>( x )</a:t>
-            </a:r>
+              <a:t>(x)</a:t>
+            </a:r>
+            <a:endParaRPr lang="en-US" altLang="en-US" dirty="0">
+              <a:solidFill>
+                <a:schemeClr val="tx2">
+                  <a:lumMod val="75000"/>
+                  <a:lumOff val="25000"/>
+                </a:schemeClr>
+              </a:solidFill>
+            </a:endParaRPr>
           </a:p>
           <a:p>
             <a:pPr>
@@ -24223,7 +24573,7 @@
               <a:buNone/>
             </a:pPr>
             <a:r>
-              <a:rPr lang="en-US" altLang="en-US" dirty="0">
+              <a:rPr lang="en-US" altLang="en-US" dirty="0" smtClean="0">
                 <a:solidFill>
                   <a:schemeClr val="tx2">
                     <a:lumMod val="75000"/>
@@ -24231,8 +24581,16 @@
                   </a:schemeClr>
                 </a:solidFill>
               </a:rPr>
-              <a:t>log( x )</a:t>
-            </a:r>
+              <a:t>log(x)</a:t>
+            </a:r>
+            <a:endParaRPr lang="en-US" altLang="en-US" dirty="0">
+              <a:solidFill>
+                <a:schemeClr val="tx2">
+                  <a:lumMod val="75000"/>
+                  <a:lumOff val="25000"/>
+                </a:schemeClr>
+              </a:solidFill>
+            </a:endParaRPr>
           </a:p>
         </p:txBody>
       </p:sp>
@@ -24247,7 +24605,7 @@
         <p:spPr bwMode="auto">
           <a:xfrm>
             <a:off x="6370638" y="3184525"/>
-            <a:ext cx="1546225" cy="588963"/>
+            <a:ext cx="1322798" cy="584775"/>
           </a:xfrm>
           <a:prstGeom prst="rect">
             <a:avLst/>
@@ -24408,7 +24766,7 @@
               <a:buNone/>
             </a:pPr>
             <a:r>
-              <a:rPr lang="en-US" altLang="en-US" dirty="0">
+              <a:rPr lang="en-US" altLang="en-US" dirty="0" smtClean="0">
                 <a:solidFill>
                   <a:schemeClr val="tx2">
                     <a:lumMod val="75000"/>
@@ -24416,8 +24774,16 @@
                   </a:schemeClr>
                 </a:solidFill>
               </a:rPr>
-              <a:t>abs( x )</a:t>
-            </a:r>
+              <a:t>abs(x)</a:t>
+            </a:r>
+            <a:endParaRPr lang="en-US" altLang="en-US" dirty="0">
+              <a:solidFill>
+                <a:schemeClr val="tx2">
+                  <a:lumMod val="75000"/>
+                  <a:lumOff val="25000"/>
+                </a:schemeClr>
+              </a:solidFill>
+            </a:endParaRPr>
           </a:p>
         </p:txBody>
       </p:sp>
@@ -24432,7 +24798,7 @@
         <p:spPr bwMode="auto">
           <a:xfrm>
             <a:off x="3687763" y="1143000"/>
-            <a:ext cx="2065337" cy="1173163"/>
+            <a:ext cx="1846980" cy="1175706"/>
           </a:xfrm>
           <a:prstGeom prst="rect">
             <a:avLst/>
@@ -24593,7 +24959,7 @@
               <a:buNone/>
             </a:pPr>
             <a:r>
-              <a:rPr lang="en-US" altLang="en-US" dirty="0" err="1">
+              <a:rPr lang="en-US" altLang="en-US" dirty="0" err="1" smtClean="0">
                 <a:solidFill>
                   <a:schemeClr val="tx2">
                     <a:lumMod val="75000"/>
@@ -24604,7 +24970,7 @@
               <a:t>sqrt</a:t>
             </a:r>
             <a:r>
-              <a:rPr lang="en-US" altLang="en-US" dirty="0">
+              <a:rPr lang="en-US" altLang="en-US" dirty="0" smtClean="0">
                 <a:solidFill>
                   <a:schemeClr val="tx2">
                     <a:lumMod val="75000"/>
@@ -24612,8 +24978,16 @@
                   </a:schemeClr>
                 </a:solidFill>
               </a:rPr>
-              <a:t>( x )</a:t>
-            </a:r>
+              <a:t>(x)</a:t>
+            </a:r>
+            <a:endParaRPr lang="en-US" altLang="en-US" dirty="0">
+              <a:solidFill>
+                <a:schemeClr val="tx2">
+                  <a:lumMod val="75000"/>
+                  <a:lumOff val="25000"/>
+                </a:schemeClr>
+              </a:solidFill>
+            </a:endParaRPr>
           </a:p>
           <a:p>
             <a:pPr>
@@ -24621,7 +24995,7 @@
               <a:buNone/>
             </a:pPr>
             <a:r>
-              <a:rPr lang="en-US" altLang="en-US" dirty="0">
+              <a:rPr lang="en-US" altLang="en-US" dirty="0" smtClean="0">
                 <a:solidFill>
                   <a:schemeClr val="tx2">
                     <a:lumMod val="75000"/>
@@ -24629,8 +25003,38 @@
                   </a:schemeClr>
                 </a:solidFill>
               </a:rPr>
-              <a:t>pow( x, y )</a:t>
-            </a:r>
+              <a:t>pow(x</a:t>
+            </a:r>
+            <a:r>
+              <a:rPr lang="en-US" altLang="en-US" dirty="0">
+                <a:solidFill>
+                  <a:schemeClr val="tx2">
+                    <a:lumMod val="75000"/>
+                    <a:lumOff val="25000"/>
+                  </a:schemeClr>
+                </a:solidFill>
+              </a:rPr>
+              <a:t>, </a:t>
+            </a:r>
+            <a:r>
+              <a:rPr lang="en-US" altLang="en-US" dirty="0" smtClean="0">
+                <a:solidFill>
+                  <a:schemeClr val="tx2">
+                    <a:lumMod val="75000"/>
+                    <a:lumOff val="25000"/>
+                  </a:schemeClr>
+                </a:solidFill>
+              </a:rPr>
+              <a:t>y)</a:t>
+            </a:r>
+            <a:endParaRPr lang="en-US" altLang="en-US" dirty="0">
+              <a:solidFill>
+                <a:schemeClr val="tx2">
+                  <a:lumMod val="75000"/>
+                  <a:lumOff val="25000"/>
+                </a:schemeClr>
+              </a:solidFill>
+            </a:endParaRPr>
           </a:p>
         </p:txBody>
       </p:sp>
@@ -30864,7 +31268,7 @@
         <p:spPr bwMode="auto">
           <a:xfrm>
             <a:off x="3124200" y="1676400"/>
-            <a:ext cx="2819400" cy="2743200"/>
+            <a:ext cx="3276600" cy="2743200"/>
           </a:xfrm>
           <a:prstGeom prst="rect">
             <a:avLst/>
@@ -31049,7 +31453,7 @@
         <p:spPr bwMode="auto">
           <a:xfrm>
             <a:off x="3124200" y="533400"/>
-            <a:ext cx="2819400" cy="1143000"/>
+            <a:ext cx="3276600" cy="1143000"/>
           </a:xfrm>
           <a:prstGeom prst="rect">
             <a:avLst/>
@@ -31248,7 +31652,7 @@
         <p:spPr bwMode="auto">
           <a:xfrm>
             <a:off x="3124200" y="4419600"/>
-            <a:ext cx="2819400" cy="1752600"/>
+            <a:ext cx="3276600" cy="1752600"/>
           </a:xfrm>
           <a:prstGeom prst="rect">
             <a:avLst/>
@@ -31408,7 +31812,7 @@
             <a:r>
               <a:rPr lang="en-US" altLang="en-US" sz="2800" dirty="0" err="1">
                 <a:solidFill>
-                  <a:srgbClr val="FF66FF"/>
+                  <a:schemeClr val="bg1"/>
                 </a:solidFill>
               </a:rPr>
               <a:t>Math.random</a:t>
@@ -31416,7 +31820,7 @@
             <a:r>
               <a:rPr lang="en-US" altLang="en-US" sz="2800" dirty="0">
                 <a:solidFill>
-                  <a:srgbClr val="FF66FF"/>
+                  <a:schemeClr val="bg1"/>
                 </a:solidFill>
               </a:rPr>
               <a:t>( </a:t>
@@ -31424,7 +31828,7 @@
             <a:r>
               <a:rPr lang="en-US" altLang="en-US" sz="2800" dirty="0" smtClean="0">
                 <a:solidFill>
-                  <a:srgbClr val="FF66FF"/>
+                  <a:schemeClr val="bg1"/>
                 </a:solidFill>
               </a:rPr>
               <a:t>) </a:t>
@@ -31441,7 +31845,7 @@
             <a:r>
               <a:rPr lang="en-US" altLang="en-US" sz="2400" dirty="0">
                 <a:solidFill>
-                  <a:schemeClr val="bg2"/>
+                  <a:schemeClr val="bg1"/>
                 </a:solidFill>
                 <a:latin typeface="Times New Roman" pitchFamily="18" charset="0"/>
               </a:rPr>
@@ -31732,21 +32136,8 @@
                   <a:schemeClr val="tx1"/>
                 </a:solidFill>
               </a:rPr>
-              <a:t>Write JavaScript code that will display the result of the rolling of a 6-sided dice on user </a:t>
-            </a:r>
-            <a:r>
-              <a:rPr lang="en-US" altLang="en-US" sz="2400" dirty="0" smtClean="0">
-                <a:solidFill>
-                  <a:schemeClr val="tx1"/>
-                </a:solidFill>
-              </a:rPr>
-              <a:t>command.</a:t>
-            </a:r>
-            <a:endParaRPr lang="en-US" altLang="en-US" sz="2400" dirty="0" smtClean="0">
-              <a:solidFill>
-                <a:schemeClr val="tx1"/>
-              </a:solidFill>
-            </a:endParaRPr>
+              <a:t>Write JavaScript code that will display the result of the rolling of a 6-sided dice on user command.</a:t>
+            </a:r>
           </a:p>
           <a:p>
             <a:pPr marL="0" indent="0">
@@ -32625,7 +33016,15 @@
           <a:p>
             <a:r>
               <a:rPr lang="en-US" dirty="0" smtClean="0"/>
-              <a:t>Examples of strings are as follows:</a:t>
+              <a:t>Examples of </a:t>
+            </a:r>
+            <a:r>
+              <a:rPr lang="en-US" dirty="0" smtClean="0"/>
+              <a:t>strings </a:t>
+            </a:r>
+            <a:r>
+              <a:rPr lang="en-US" dirty="0" smtClean="0"/>
+              <a:t>are as follows:</a:t>
             </a:r>
           </a:p>
           <a:p>
@@ -32638,8 +33037,33 @@
             </a:r>
             <a:r>
               <a:rPr lang="en-US" dirty="0" smtClean="0"/>
-              <a:t> string1 = “blue”;</a:t>
-            </a:r>
+              <a:t> string1 = </a:t>
+            </a:r>
+            <a:r>
+              <a:rPr lang="en-US" altLang="en-US" dirty="0" smtClean="0">
+                <a:solidFill>
+                  <a:schemeClr val="tx1"/>
+                </a:solidFill>
+              </a:rPr>
+              <a:t>"</a:t>
+            </a:r>
+            <a:r>
+              <a:rPr lang="en-US" dirty="0" smtClean="0"/>
+              <a:t>blue</a:t>
+            </a:r>
+            <a:r>
+              <a:rPr lang="en-US" altLang="en-US" dirty="0" smtClean="0">
+                <a:solidFill>
+                  <a:schemeClr val="tx1"/>
+                </a:solidFill>
+              </a:rPr>
+              <a:t>"</a:t>
+            </a:r>
+            <a:r>
+              <a:rPr lang="en-US" dirty="0" smtClean="0"/>
+              <a:t>;</a:t>
+            </a:r>
+            <a:endParaRPr lang="en-US" dirty="0" smtClean="0"/>
           </a:p>
           <a:p>
             <a:pPr marL="225425" indent="0">
@@ -32651,8 +33075,45 @@
             </a:r>
             <a:r>
               <a:rPr lang="en-US" dirty="0" smtClean="0"/>
-              <a:t> string2=“Today is Monday”;</a:t>
-            </a:r>
+              <a:t> string2</a:t>
+            </a:r>
+            <a:r>
+              <a:rPr lang="en-US" dirty="0" smtClean="0"/>
+              <a:t>= </a:t>
+            </a:r>
+            <a:r>
+              <a:rPr lang="en-US" altLang="en-US" dirty="0">
+                <a:solidFill>
+                  <a:schemeClr val="tx1"/>
+                </a:solidFill>
+              </a:rPr>
+              <a:t>" </a:t>
+            </a:r>
+            <a:r>
+              <a:rPr lang="en-US" dirty="0" smtClean="0"/>
+              <a:t>Today </a:t>
+            </a:r>
+            <a:r>
+              <a:rPr lang="en-US" dirty="0" smtClean="0"/>
+              <a:t>is </a:t>
+            </a:r>
+            <a:r>
+              <a:rPr lang="en-US" dirty="0" smtClean="0"/>
+              <a:t>Monday</a:t>
+            </a:r>
+            <a:r>
+              <a:rPr lang="en-US" altLang="en-US" dirty="0" smtClean="0">
+                <a:solidFill>
+                  <a:schemeClr val="tx1"/>
+                </a:solidFill>
+              </a:rPr>
+              <a:t>"</a:t>
+            </a:r>
+            <a:r>
+              <a:rPr lang="en-US" dirty="0" smtClean="0"/>
+              <a:t>;</a:t>
+            </a:r>
+            <a:endParaRPr lang="en-US" dirty="0" smtClean="0"/>
           </a:p>
           <a:p>
             <a:pPr marL="225425" indent="0">
@@ -32664,7 +33125,27 @@
             </a:r>
             <a:r>
               <a:rPr lang="en-US" dirty="0" smtClean="0"/>
-              <a:t> string3 = “12”;</a:t>
+              <a:t> string3 = </a:t>
+            </a:r>
+            <a:r>
+              <a:rPr lang="en-US" altLang="en-US" dirty="0" smtClean="0">
+                <a:solidFill>
+                  <a:schemeClr val="tx1"/>
+                </a:solidFill>
+              </a:rPr>
+              <a:t>"</a:t>
+            </a:r>
+            <a:r>
+              <a:rPr lang="en-US" dirty="0" smtClean="0"/>
+              <a:t>12</a:t>
+            </a:r>
+            <a:r>
+              <a:rPr lang="en-US" altLang="en-US" dirty="0" smtClean="0">
+                <a:solidFill>
+                  <a:schemeClr val="tx1"/>
+                </a:solidFill>
+              </a:rPr>
+              <a:t>";</a:t>
             </a:r>
             <a:endParaRPr lang="en-US" dirty="0"/>
           </a:p>
@@ -32680,6 +33161,13 @@
   <p:clrMapOvr>
     <a:masterClrMapping/>
   </p:clrMapOvr>
+  <p:timing>
+    <p:tnLst>
+      <p:par>
+        <p:cTn id="1" dur="indefinite" restart="never" nodeType="tmRoot"/>
+      </p:par>
+    </p:tnLst>
+  </p:timing>
 </p:sld>
 </file>
 
@@ -34912,7 +35400,7 @@
         <p:spPr bwMode="auto">
           <a:xfrm>
             <a:off x="4800600" y="1676400"/>
-            <a:ext cx="2971800" cy="2743200"/>
+            <a:ext cx="3276600" cy="2743200"/>
           </a:xfrm>
           <a:prstGeom prst="rect">
             <a:avLst/>
@@ -35097,7 +35585,7 @@
         <p:spPr bwMode="auto">
           <a:xfrm>
             <a:off x="4800600" y="533400"/>
-            <a:ext cx="2971800" cy="1143000"/>
+            <a:ext cx="3276600" cy="1143000"/>
           </a:xfrm>
           <a:prstGeom prst="rect">
             <a:avLst/>
@@ -35307,7 +35795,7 @@
         <p:spPr bwMode="auto">
           <a:xfrm>
             <a:off x="4800600" y="4419600"/>
-            <a:ext cx="2971800" cy="1752600"/>
+            <a:ext cx="3276600" cy="1752600"/>
           </a:xfrm>
           <a:prstGeom prst="rect">
             <a:avLst/>
@@ -39416,9 +39904,30 @@
               <a:t>] = </a:t>
             </a:r>
             <a:r>
+              <a:rPr lang="en-US" altLang="en-US" dirty="0" smtClean="0">
+                <a:solidFill>
+                  <a:schemeClr val="tx1"/>
+                </a:solidFill>
+              </a:rPr>
+              <a:t>"</a:t>
+            </a:r>
+            <a:r>
               <a:rPr lang="en-US" dirty="0" smtClean="0"/>
-              <a:t>“Hurling"; </a:t>
-            </a:r>
+              <a:t>Hurling</a:t>
+            </a:r>
+            <a:r>
+              <a:rPr lang="en-US" altLang="en-US" dirty="0" smtClean="0">
+                <a:solidFill>
+                  <a:schemeClr val="tx1"/>
+                </a:solidFill>
+              </a:rPr>
+              <a:t>"</a:t>
+            </a:r>
+            <a:r>
+              <a:rPr lang="en-US" dirty="0" smtClean="0"/>
+              <a:t> ;</a:t>
+            </a:r>
+            <a:endParaRPr lang="en-US" dirty="0" smtClean="0"/>
           </a:p>
           <a:p>
             <a:pPr marL="225425" indent="0">
@@ -39436,9 +39945,14 @@
               <a:t>] = </a:t>
             </a:r>
             <a:r>
+              <a:rPr lang="en-US" dirty="0"/>
+              <a:t>"Rugby</a:t>
+            </a:r>
+            <a:r>
               <a:rPr lang="en-US" dirty="0" smtClean="0"/>
-              <a:t>“Rugby";</a:t>
-            </a:r>
+              <a:t>";</a:t>
+            </a:r>
+            <a:endParaRPr lang="en-US" dirty="0" smtClean="0"/>
           </a:p>
           <a:p>
             <a:pPr marL="225425" indent="0">
@@ -39480,8 +39994,12 @@
               <a:t>= </a:t>
             </a:r>
             <a:r>
+              <a:rPr lang="en-US" dirty="0"/>
+              <a:t>"Soccer</a:t>
+            </a:r>
+            <a:r>
               <a:rPr lang="en-US" dirty="0" smtClean="0"/>
-              <a:t>“Soccer";</a:t>
+              <a:t>";</a:t>
             </a:r>
             <a:endParaRPr lang="en-US" altLang="en-US" dirty="0"/>
           </a:p>
@@ -39501,8 +40019,12 @@
               <a:t>= </a:t>
             </a:r>
             <a:r>
+              <a:rPr lang="en-US" dirty="0"/>
+              <a:t>"Tennis</a:t>
+            </a:r>
+            <a:r>
               <a:rPr lang="en-US" dirty="0" smtClean="0"/>
-              <a:t>“Tennis";</a:t>
+              <a:t>";</a:t>
             </a:r>
           </a:p>
           <a:p>
@@ -39832,29 +40354,38 @@
                   <a:schemeClr val="tx1"/>
                 </a:solidFill>
               </a:rPr>
-              <a:t>ombine these strings into </a:t>
-            </a:r>
+              <a:t>ombine these strings into a sentence i.e. take these strings and concatenate them into one.</a:t>
+            </a:r>
+          </a:p>
+          <a:p>
+            <a:pPr lvl="1">
+              <a:spcAft>
+                <a:spcPct val="70000"/>
+              </a:spcAft>
+            </a:pPr>
             <a:r>
               <a:rPr lang="en-US" altLang="en-US" sz="2200" dirty="0" smtClean="0">
                 <a:solidFill>
                   <a:schemeClr val="tx1"/>
                 </a:solidFill>
               </a:rPr>
-              <a:t>a sentence i.e. take these strings and concatenate them into </a:t>
-            </a:r>
+              <a:t>Break a string into smaller ones.</a:t>
+            </a:r>
+          </a:p>
+          <a:p>
+            <a:pPr lvl="1">
+              <a:spcAft>
+                <a:spcPct val="70000"/>
+              </a:spcAft>
+            </a:pPr>
             <a:r>
               <a:rPr lang="en-US" altLang="en-US" sz="2200" dirty="0" smtClean="0">
                 <a:solidFill>
                   <a:schemeClr val="tx1"/>
                 </a:solidFill>
               </a:rPr>
-              <a:t>one.</a:t>
-            </a:r>
-            <a:endParaRPr lang="en-US" altLang="en-US" sz="2200" dirty="0" smtClean="0">
-              <a:solidFill>
-                <a:schemeClr val="tx1"/>
-              </a:solidFill>
-            </a:endParaRPr>
+              <a:t>Convert a string into upper case or lowercase.</a:t>
+            </a:r>
           </a:p>
           <a:p>
             <a:pPr lvl="1">
@@ -39868,181 +40399,38 @@
                   <a:schemeClr val="tx1"/>
                 </a:solidFill>
               </a:rPr>
-              <a:t>Break </a:t>
-            </a:r>
+              <a:t>See if a particular character exists in a string.</a:t>
+            </a:r>
+          </a:p>
+          <a:p>
+            <a:pPr lvl="1">
+              <a:spcAft>
+                <a:spcPct val="70000"/>
+              </a:spcAft>
+            </a:pPr>
             <a:r>
               <a:rPr lang="en-US" altLang="en-US" sz="2200" dirty="0" smtClean="0">
                 <a:solidFill>
                   <a:schemeClr val="tx1"/>
                 </a:solidFill>
               </a:rPr>
-              <a:t>a string </a:t>
-            </a:r>
+              <a:t>Find the length of a string.</a:t>
+            </a:r>
+          </a:p>
+          <a:p>
+            <a:pPr lvl="1">
+              <a:spcAft>
+                <a:spcPct val="70000"/>
+              </a:spcAft>
+            </a:pPr>
             <a:r>
               <a:rPr lang="en-US" altLang="en-US" sz="2200" dirty="0" smtClean="0">
                 <a:solidFill>
                   <a:schemeClr val="tx1"/>
                 </a:solidFill>
               </a:rPr>
-              <a:t>into smaller </a:t>
-            </a:r>
-            <a:r>
-              <a:rPr lang="en-US" altLang="en-US" sz="2200" dirty="0" smtClean="0">
-                <a:solidFill>
-                  <a:schemeClr val="tx1"/>
-                </a:solidFill>
-              </a:rPr>
-              <a:t>ones.</a:t>
-            </a:r>
-            <a:endParaRPr lang="en-US" altLang="en-US" sz="2200" dirty="0" smtClean="0">
-              <a:solidFill>
-                <a:schemeClr val="tx1"/>
-              </a:solidFill>
-            </a:endParaRPr>
-          </a:p>
-          <a:p>
-            <a:pPr lvl="1">
-              <a:spcAft>
-                <a:spcPct val="70000"/>
-              </a:spcAft>
-            </a:pPr>
-            <a:r>
-              <a:rPr lang="en-US" altLang="en-US" sz="2200" dirty="0" smtClean="0">
-                <a:solidFill>
-                  <a:schemeClr val="tx1"/>
-                </a:solidFill>
-              </a:rPr>
-              <a:t>Convert </a:t>
-            </a:r>
-            <a:r>
-              <a:rPr lang="en-US" altLang="en-US" sz="2200" dirty="0" smtClean="0">
-                <a:solidFill>
-                  <a:schemeClr val="tx1"/>
-                </a:solidFill>
-              </a:rPr>
-              <a:t>a string </a:t>
-            </a:r>
-            <a:r>
-              <a:rPr lang="en-US" altLang="en-US" sz="2200" dirty="0" smtClean="0">
-                <a:solidFill>
-                  <a:schemeClr val="tx1"/>
-                </a:solidFill>
-              </a:rPr>
-              <a:t>into upper </a:t>
-            </a:r>
-            <a:r>
-              <a:rPr lang="en-US" altLang="en-US" sz="2200" dirty="0" smtClean="0">
-                <a:solidFill>
-                  <a:schemeClr val="tx1"/>
-                </a:solidFill>
-              </a:rPr>
-              <a:t>case or lowercase.</a:t>
-            </a:r>
-            <a:endParaRPr lang="en-US" altLang="en-US" sz="2200" dirty="0" smtClean="0">
-              <a:solidFill>
-                <a:schemeClr val="tx1"/>
-              </a:solidFill>
-            </a:endParaRPr>
-          </a:p>
-          <a:p>
-            <a:pPr lvl="1">
-              <a:spcAft>
-                <a:spcPct val="70000"/>
-              </a:spcAft>
-            </a:pPr>
-            <a:r>
-              <a:rPr lang="en-US" altLang="en-US" sz="2200" dirty="0" smtClean="0">
-                <a:solidFill>
-                  <a:schemeClr val="tx1"/>
-                </a:solidFill>
-              </a:rPr>
-              <a:t>See if a particular character exists in a </a:t>
-            </a:r>
-            <a:r>
-              <a:rPr lang="en-US" altLang="en-US" sz="2200" dirty="0" smtClean="0">
-                <a:solidFill>
-                  <a:schemeClr val="tx1"/>
-                </a:solidFill>
-              </a:rPr>
-              <a:t>string.</a:t>
-            </a:r>
-            <a:endParaRPr lang="en-US" altLang="en-US" sz="2200" dirty="0" smtClean="0">
-              <a:solidFill>
-                <a:schemeClr val="tx1"/>
-              </a:solidFill>
-            </a:endParaRPr>
-          </a:p>
-          <a:p>
-            <a:pPr lvl="1">
-              <a:spcAft>
-                <a:spcPct val="70000"/>
-              </a:spcAft>
-            </a:pPr>
-            <a:r>
-              <a:rPr lang="en-US" altLang="en-US" sz="2200" dirty="0" smtClean="0">
-                <a:solidFill>
-                  <a:schemeClr val="tx1"/>
-                </a:solidFill>
-              </a:rPr>
-              <a:t>Find the length of a </a:t>
-            </a:r>
-            <a:r>
-              <a:rPr lang="en-US" altLang="en-US" sz="2200" dirty="0" smtClean="0">
-                <a:solidFill>
-                  <a:schemeClr val="tx1"/>
-                </a:solidFill>
-              </a:rPr>
-              <a:t>string.</a:t>
-            </a:r>
-            <a:endParaRPr lang="en-US" altLang="en-US" sz="2200" dirty="0" smtClean="0">
-              <a:solidFill>
-                <a:schemeClr val="tx1"/>
-              </a:solidFill>
-            </a:endParaRPr>
-          </a:p>
-          <a:p>
-            <a:pPr lvl="1">
-              <a:spcAft>
-                <a:spcPct val="70000"/>
-              </a:spcAft>
-            </a:pPr>
-            <a:r>
-              <a:rPr lang="en-US" altLang="en-US" sz="2200" dirty="0" smtClean="0">
-                <a:solidFill>
-                  <a:schemeClr val="tx1"/>
-                </a:solidFill>
-              </a:rPr>
-              <a:t>Convert </a:t>
-            </a:r>
-            <a:r>
-              <a:rPr lang="en-US" altLang="en-US" sz="2200" dirty="0" smtClean="0">
-                <a:solidFill>
-                  <a:schemeClr val="tx1"/>
-                </a:solidFill>
-              </a:rPr>
-              <a:t>a string </a:t>
-            </a:r>
-            <a:r>
-              <a:rPr lang="en-US" altLang="en-US" sz="2200" dirty="0" smtClean="0">
-                <a:solidFill>
-                  <a:schemeClr val="tx1"/>
-                </a:solidFill>
-              </a:rPr>
-              <a:t>into a </a:t>
-            </a:r>
-            <a:r>
-              <a:rPr lang="en-US" altLang="en-US" sz="2200" dirty="0" smtClean="0">
-                <a:solidFill>
-                  <a:schemeClr val="tx1"/>
-                </a:solidFill>
-              </a:rPr>
-              <a:t>number.</a:t>
-            </a:r>
-            <a:endParaRPr lang="en-US" altLang="en-US" sz="2200" dirty="0" smtClean="0">
-              <a:solidFill>
-                <a:schemeClr val="tx1"/>
-              </a:solidFill>
-            </a:endParaRPr>
+              <a:t>Convert a string into a number.</a:t>
+            </a:r>
           </a:p>
         </p:txBody>
       </p:sp>
@@ -46208,12 +46596,36 @@
               <a:t>, </a:t>
             </a:r>
             <a:r>
+              <a:rPr lang="en-US" sz="1800" b="1" dirty="0">
+                <a:solidFill>
+                  <a:schemeClr val="bg1"/>
+                </a:solidFill>
+              </a:rPr>
+              <a:t>"Cricket</a:t>
+            </a:r>
+            <a:r>
               <a:rPr lang="en-US" sz="1800" b="1" dirty="0" smtClean="0">
                 <a:solidFill>
                   <a:schemeClr val="bg1"/>
                 </a:solidFill>
               </a:rPr>
-              <a:t>“Cricket", “Snooker"</a:t>
+              <a:t>", </a:t>
+            </a:r>
+            <a:r>
+              <a:rPr lang="en-US" sz="1800" b="1" dirty="0">
+                <a:solidFill>
+                  <a:schemeClr val="bg1"/>
+                </a:solidFill>
+              </a:rPr>
+              <a:t>"Snooker</a:t>
+            </a:r>
+            <a:r>
+              <a:rPr lang="en-US" sz="1800" b="1" dirty="0" smtClean="0">
+                <a:solidFill>
+                  <a:schemeClr val="bg1"/>
+                </a:solidFill>
+              </a:rPr>
+              <a:t>"</a:t>
             </a:r>
             <a:r>
               <a:rPr lang="en-US" altLang="en-US" sz="1800" b="1" dirty="0" smtClean="0">
@@ -47019,16 +47431,69 @@
                   <a:schemeClr val="bg1"/>
                 </a:solidFill>
               </a:rPr>
-              <a:t>“Cricket", “Snooker"</a:t>
-            </a:r>
-            <a:r>
-              <a:rPr lang="en-US" altLang="en-US" sz="2800" dirty="0">
+              <a:t>"</a:t>
+            </a:r>
+            <a:r>
+              <a:rPr lang="en-US" sz="2800" dirty="0" smtClean="0">
                 <a:solidFill>
                   <a:schemeClr val="bg1"/>
                 </a:solidFill>
               </a:rPr>
+              <a:t>Cricket</a:t>
+            </a:r>
+            <a:r>
+              <a:rPr lang="en-US" sz="2800" dirty="0">
+                <a:solidFill>
+                  <a:schemeClr val="bg1"/>
+                </a:solidFill>
+              </a:rPr>
+              <a:t>"</a:t>
+            </a:r>
+            <a:r>
+              <a:rPr lang="en-US" sz="2800" dirty="0" smtClean="0">
+                <a:solidFill>
+                  <a:schemeClr val="bg1"/>
+                </a:solidFill>
+              </a:rPr>
+              <a:t>, </a:t>
+            </a:r>
+            <a:r>
+              <a:rPr lang="en-US" sz="2800" dirty="0">
+                <a:solidFill>
+                  <a:schemeClr val="bg1"/>
+                </a:solidFill>
+              </a:rPr>
+              <a:t>"</a:t>
+            </a:r>
+            <a:r>
+              <a:rPr lang="en-US" sz="2800" dirty="0" smtClean="0">
+                <a:solidFill>
+                  <a:schemeClr val="bg1"/>
+                </a:solidFill>
+              </a:rPr>
+              <a:t>Snooker</a:t>
+            </a:r>
+            <a:r>
+              <a:rPr lang="en-US" sz="2800" dirty="0">
+                <a:solidFill>
+                  <a:schemeClr val="bg1"/>
+                </a:solidFill>
+              </a:rPr>
+              <a:t>"</a:t>
+            </a:r>
+            <a:r>
+              <a:rPr lang="en-US" altLang="en-US" sz="2800" dirty="0" smtClean="0">
+                <a:solidFill>
+                  <a:schemeClr val="bg1"/>
+                </a:solidFill>
+              </a:rPr>
               <a:t>);</a:t>
             </a:r>
+            <a:endParaRPr lang="en-US" altLang="en-US" sz="2800" dirty="0">
+              <a:solidFill>
+                <a:schemeClr val="bg1"/>
+              </a:solidFill>
+            </a:endParaRPr>
           </a:p>
         </p:txBody>
       </p:sp>
@@ -50080,16 +50545,10 @@
                   <a:schemeClr val="tx1"/>
                 </a:solidFill>
               </a:rPr>
-              <a:t>In addition to the concatenation operator (+) JavaScript supports several advanced string operations as </a:t>
-            </a:r>
-            <a:r>
-              <a:rPr lang="en-US" altLang="en-US" sz="2400" dirty="0" smtClean="0">
-                <a:solidFill>
-                  <a:schemeClr val="tx1"/>
-                </a:solidFill>
-              </a:rPr>
-              <a:t>well.</a:t>
-            </a:r>
+              <a:t>In addition to the concatenation operator (+) JavaScript supports several advanced string operations as well.</a:t>
+            </a:r>
+          </a:p>
+          <a:p>
             <a:endParaRPr lang="en-US" altLang="en-US" sz="2400" dirty="0" smtClean="0">
               <a:solidFill>
                 <a:schemeClr val="tx1"/>
@@ -50097,6 +50556,16 @@
             </a:endParaRPr>
           </a:p>
           <a:p>
+            <a:r>
+              <a:rPr lang="en-US" altLang="en-US" sz="2400" dirty="0" smtClean="0">
+                <a:solidFill>
+                  <a:schemeClr val="tx1"/>
+                </a:solidFill>
+              </a:rPr>
+              <a:t>These functions are accessed by referring to various methods of the String object.</a:t>
+            </a:r>
+          </a:p>
+          <a:p>
             <a:endParaRPr lang="en-US" altLang="en-US" sz="2400" dirty="0" smtClean="0">
               <a:solidFill>
                 <a:schemeClr val="tx1"/>
@@ -50110,51 +50579,8 @@
                   <a:schemeClr val="tx1"/>
                 </a:solidFill>
               </a:rPr>
-              <a:t>These functions are accessed by referring to various methods of the String </a:t>
-            </a:r>
-            <a:r>
-              <a:rPr lang="en-US" altLang="en-US" sz="2400" dirty="0" smtClean="0">
-                <a:solidFill>
-                  <a:schemeClr val="tx1"/>
-                </a:solidFill>
-              </a:rPr>
-              <a:t>object.</a:t>
-            </a:r>
-            <a:endParaRPr lang="en-US" altLang="en-US" sz="2400" dirty="0" smtClean="0">
-              <a:solidFill>
-                <a:schemeClr val="tx1"/>
-              </a:solidFill>
-            </a:endParaRPr>
-          </a:p>
-          <a:p>
-            <a:endParaRPr lang="en-US" altLang="en-US" sz="2400" dirty="0" smtClean="0">
-              <a:solidFill>
-                <a:schemeClr val="tx1"/>
-              </a:solidFill>
-            </a:endParaRPr>
-          </a:p>
-          <a:p>
-            <a:r>
-              <a:rPr lang="en-US" altLang="en-US" sz="2400" dirty="0" smtClean="0">
-                <a:solidFill>
-                  <a:schemeClr val="tx1"/>
-                </a:solidFill>
-              </a:rPr>
-              <a:t>Moreover, this object also contains the ‘length’ </a:t>
-            </a:r>
-            <a:r>
-              <a:rPr lang="en-US" altLang="en-US" sz="2400" dirty="0" smtClean="0">
-                <a:solidFill>
-                  <a:schemeClr val="tx1"/>
-                </a:solidFill>
-              </a:rPr>
-              <a:t>property.</a:t>
-            </a:r>
-            <a:endParaRPr lang="en-US" altLang="en-US" sz="2400" dirty="0" smtClean="0">
-              <a:solidFill>
-                <a:schemeClr val="tx1"/>
-              </a:solidFill>
-            </a:endParaRPr>
+              <a:t>Moreover, this object also contains the ‘length’ property.</a:t>
+            </a:r>
           </a:p>
         </p:txBody>
       </p:sp>
@@ -50413,17 +50839,37 @@
           <a:lstStyle/>
           <a:p>
             <a:pPr marL="0" indent="0">
-              <a:buFontTx/>
               <a:buNone/>
             </a:pPr>
             <a:r>
+              <a:rPr lang="en-US" altLang="en-US" dirty="0">
+                <a:solidFill>
+                  <a:schemeClr val="tx1"/>
+                </a:solidFill>
+              </a:rPr>
+              <a:t>name = "</a:t>
+            </a:r>
+            <a:r>
+              <a:rPr lang="en-US" altLang="en-US" dirty="0" err="1">
+                <a:solidFill>
+                  <a:schemeClr val="tx1"/>
+                </a:solidFill>
+              </a:rPr>
+              <a:t>Bhola</a:t>
+            </a:r>
+            <a:r>
               <a:rPr lang="en-US" altLang="en-US" dirty="0" smtClean="0">
                 <a:solidFill>
                   <a:schemeClr val="tx1"/>
                 </a:solidFill>
               </a:rPr>
-              <a:t>name = “BHOLA” ;</a:t>
-            </a:r>
+              <a:t>";</a:t>
+            </a:r>
+            <a:endParaRPr lang="en-US" altLang="en-US" dirty="0" smtClean="0">
+              <a:solidFill>
+                <a:schemeClr val="tx1"/>
+              </a:solidFill>
+            </a:endParaRPr>
           </a:p>
           <a:p>
             <a:pPr marL="0" indent="0">
@@ -50439,12 +50885,28 @@
               <a:t>document.write</a:t>
             </a:r>
             <a:r>
+              <a:rPr lang="en-US" altLang="en-US" dirty="0">
+                <a:solidFill>
+                  <a:schemeClr val="tx1"/>
+                </a:solidFill>
+              </a:rPr>
+              <a:t>(" The </a:t>
+            </a:r>
+            <a:r>
               <a:rPr lang="en-US" altLang="en-US" dirty="0" smtClean="0">
                 <a:solidFill>
                   <a:schemeClr val="tx1"/>
                 </a:solidFill>
               </a:rPr>
-              <a:t>( “The length of the string ‘name’ is ”, </a:t>
+              <a:t>length of the string ‘name’ is </a:t>
+            </a:r>
+            <a:r>
+              <a:rPr lang="en-US" altLang="en-US" dirty="0">
+                <a:solidFill>
+                  <a:schemeClr val="tx1"/>
+                </a:solidFill>
+              </a:rPr>
+              <a:t>", </a:t>
             </a:r>
             <a:r>
               <a:rPr lang="en-US" altLang="en-US" dirty="0" err="1" smtClean="0">
@@ -51068,10 +51530,18 @@
                   <a:schemeClr val="tx1"/>
                 </a:solidFill>
               </a:rPr>
-              <a:t>name = “</a:t>
-            </a:r>
-            <a:r>
-              <a:rPr lang="en-US" altLang="en-US" sz="2400" dirty="0" err="1" smtClean="0">
+              <a:t>name </a:t>
+            </a:r>
+            <a:r>
+              <a:rPr lang="en-US" altLang="en-US" sz="2400" dirty="0">
+                <a:solidFill>
+                  <a:schemeClr val="tx1"/>
+                </a:solidFill>
+              </a:rPr>
+              <a:t>= "</a:t>
+            </a:r>
+            <a:r>
+              <a:rPr lang="en-US" altLang="en-US" sz="2400" dirty="0" err="1">
                 <a:solidFill>
                   <a:schemeClr val="tx1"/>
                 </a:solidFill>
@@ -51079,13 +51549,18 @@
               <a:t>Bhola</a:t>
             </a:r>
             <a:r>
-              <a:rPr lang="en-US" altLang="en-US" sz="2400" dirty="0" smtClean="0">
-                <a:solidFill>
-                  <a:schemeClr val="tx1"/>
-                </a:solidFill>
-              </a:rPr>
-              <a:t>” ;</a:t>
-            </a:r>
+              <a:rPr lang="en-US" altLang="en-US" sz="2400" dirty="0">
+                <a:solidFill>
+                  <a:schemeClr val="tx1"/>
+                </a:solidFill>
+              </a:rPr>
+              <a:t>";</a:t>
+            </a:r>
+            <a:endParaRPr lang="en-US" altLang="en-US" sz="2400" dirty="0" smtClean="0">
+              <a:solidFill>
+                <a:schemeClr val="tx1"/>
+              </a:solidFill>
+            </a:endParaRPr>
           </a:p>
           <a:p>
             <a:pPr marL="0" indent="0">
@@ -51100,29 +51575,18 @@
               <a:t>document.write</a:t>
             </a:r>
             <a:r>
-              <a:rPr lang="en-US" altLang="en-US" sz="2400" dirty="0">
-                <a:solidFill>
-                  <a:schemeClr val="tx1"/>
-                </a:solidFill>
-              </a:rPr>
-              <a:t>( </a:t>
-            </a:r>
-            <a:r>
               <a:rPr lang="en-US" altLang="en-US" sz="2400" dirty="0" smtClean="0">
                 <a:solidFill>
                   <a:schemeClr val="tx1"/>
                 </a:solidFill>
               </a:rPr>
-              <a:t>name. </a:t>
-            </a:r>
-            <a:r>
-              <a:rPr lang="en-US" altLang="en-US" sz="2400" dirty="0">
-                <a:solidFill>
-                  <a:schemeClr val="tx1"/>
-                </a:solidFill>
-              </a:rPr>
-              <a:t>) ;</a:t>
-            </a:r>
+              <a:t>(name);</a:t>
+            </a:r>
+            <a:endParaRPr lang="en-US" altLang="en-US" sz="2400" dirty="0">
+              <a:solidFill>
+                <a:schemeClr val="tx1"/>
+              </a:solidFill>
+            </a:endParaRPr>
           </a:p>
           <a:p>
             <a:pPr marL="0" indent="0">
@@ -51130,7 +51594,7 @@
               <a:buNone/>
             </a:pPr>
             <a:r>
-              <a:rPr lang="en-US" altLang="en-US" sz="2400" dirty="0" err="1">
+              <a:rPr lang="en-US" altLang="en-US" sz="2400" dirty="0" err="1" smtClean="0">
                 <a:solidFill>
                   <a:schemeClr val="tx1"/>
                 </a:solidFill>
@@ -51143,7 +51607,7 @@
                   <a:schemeClr val="tx1"/>
                 </a:solidFill>
               </a:rPr>
-              <a:t>( </a:t>
+              <a:t>(</a:t>
             </a:r>
             <a:r>
               <a:rPr lang="en-US" altLang="en-US" sz="2400" dirty="0" err="1" smtClean="0">
@@ -51159,7 +51623,15 @@
                   <a:schemeClr val="tx1"/>
                 </a:solidFill>
               </a:rPr>
-              <a:t>( ) ) ;</a:t>
+              <a:t>()) </a:t>
+            </a:r>
+            <a:r>
+              <a:rPr lang="en-US" altLang="en-US" sz="2400" dirty="0" smtClean="0">
+                <a:solidFill>
+                  <a:schemeClr val="tx1"/>
+                </a:solidFill>
+              </a:rPr>
+              <a:t>;</a:t>
             </a:r>
           </a:p>
         </p:txBody>
@@ -51979,7 +52451,7 @@
               <a:t>toLowerCase</a:t>
             </a:r>
             <a:r>
-              <a:rPr lang="en-US" altLang="en-US" dirty="0">
+              <a:rPr lang="en-US" altLang="en-US" dirty="0" smtClean="0">
                 <a:solidFill>
                   <a:schemeClr val="tx2">
                     <a:lumMod val="75000"/>
@@ -51987,8 +52459,16 @@
                   </a:schemeClr>
                 </a:solidFill>
               </a:rPr>
-              <a:t>( )</a:t>
-            </a:r>
+              <a:t>()</a:t>
+            </a:r>
+            <a:endParaRPr lang="en-US" altLang="en-US" dirty="0">
+              <a:solidFill>
+                <a:schemeClr val="tx2">
+                  <a:lumMod val="75000"/>
+                  <a:lumOff val="25000"/>
+                </a:schemeClr>
+              </a:solidFill>
+            </a:endParaRPr>
           </a:p>
           <a:p>
             <a:pPr>
@@ -52007,7 +52487,7 @@
               <a:t>toUpperCase</a:t>
             </a:r>
             <a:r>
-              <a:rPr lang="en-US" altLang="en-US" dirty="0">
+              <a:rPr lang="en-US" altLang="en-US" dirty="0" smtClean="0">
                 <a:solidFill>
                   <a:schemeClr val="tx2">
                     <a:lumMod val="75000"/>
@@ -52015,8 +52495,16 @@
                   </a:schemeClr>
                 </a:solidFill>
               </a:rPr>
-              <a:t>( )</a:t>
-            </a:r>
+              <a:t>()</a:t>
+            </a:r>
+            <a:endParaRPr lang="en-US" altLang="en-US" dirty="0">
+              <a:solidFill>
+                <a:schemeClr val="tx2">
+                  <a:lumMod val="75000"/>
+                  <a:lumOff val="25000"/>
+                </a:schemeClr>
+              </a:solidFill>
+            </a:endParaRPr>
           </a:p>
         </p:txBody>
       </p:sp>
@@ -53207,7 +53695,15 @@
                   <a:schemeClr val="tx1"/>
                 </a:solidFill>
               </a:rPr>
-              <a:t>( person ) ;</a:t>
+              <a:t>(person) </a:t>
+            </a:r>
+            <a:r>
+              <a:rPr lang="en-US" altLang="en-US" sz="2400" dirty="0" smtClean="0">
+                <a:solidFill>
+                  <a:schemeClr val="tx1"/>
+                </a:solidFill>
+              </a:rPr>
+              <a:t>;</a:t>
             </a:r>
           </a:p>
           <a:p>
@@ -53229,7 +53725,7 @@
                   <a:schemeClr val="tx1"/>
                 </a:solidFill>
               </a:rPr>
-              <a:t>( </a:t>
+              <a:t>(</a:t>
             </a:r>
             <a:r>
               <a:rPr lang="en-US" altLang="en-US" sz="2400" dirty="0" err="1" smtClean="0">
@@ -53245,8 +53741,13 @@
                   <a:schemeClr val="tx1"/>
                 </a:solidFill>
               </a:rPr>
-              <a:t>( ) ) ;</a:t>
-            </a:r>
+              <a:t>());</a:t>
+            </a:r>
+            <a:endParaRPr lang="en-US" altLang="en-US" sz="2400" dirty="0" smtClean="0">
+              <a:solidFill>
+                <a:schemeClr val="tx1"/>
+              </a:solidFill>
+            </a:endParaRPr>
           </a:p>
           <a:p>
             <a:pPr marL="0" indent="0">
@@ -53267,7 +53768,7 @@
                   <a:schemeClr val="tx1"/>
                 </a:solidFill>
               </a:rPr>
-              <a:t>( </a:t>
+              <a:t>(</a:t>
             </a:r>
             <a:r>
               <a:rPr lang="en-US" altLang="en-US" sz="2400" dirty="0" err="1" smtClean="0">
@@ -53283,8 +53784,13 @@
                   <a:schemeClr val="tx1"/>
                 </a:solidFill>
               </a:rPr>
-              <a:t>( ) ) ;</a:t>
-            </a:r>
+              <a:t>());</a:t>
+            </a:r>
+            <a:endParaRPr lang="en-US" altLang="en-US" sz="2400" dirty="0" smtClean="0">
+              <a:solidFill>
+                <a:schemeClr val="tx1"/>
+              </a:solidFill>
+            </a:endParaRPr>
           </a:p>
           <a:p>
             <a:pPr marL="0" indent="0">
@@ -53903,7 +54409,7 @@
   <a:extraClrSchemeLst/>
   <a:extLst>
     <a:ext uri="{05A4C25C-085E-4340-85A3-A5531E510DB2}">
-      <thm15:themeFamily xmlns="" xmlns:thm15="http://schemas.microsoft.com/office/thememl/2012/main" name="Badge" id="{71A07785-5930-41D4-9A83-E23602B48E98}" vid="{771EA782-DFA6-45B1-AEA3-661F1715B310}"/>
+      <thm15:themeFamily xmlns:thm15="http://schemas.microsoft.com/office/thememl/2012/main" xmlns="" name="Badge" id="{71A07785-5930-41D4-9A83-E23602B48E98}" vid="{771EA782-DFA6-45B1-AEA3-661F1715B310}"/>
     </a:ext>
   </a:extLst>
 </a:theme>

--- a/topic-04-JavaScript-3/talk-1/talk-1.pptx
+++ b/topic-04-JavaScript-3/talk-1/talk-1.pptx
@@ -155,7 +155,7 @@
   </p:defaultTextStyle>
   <p:extLst>
     <p:ext uri="{EFAFB233-063F-42B5-8137-9DF3F51BA10A}">
-      <p15:sldGuideLst xmlns:p15="http://schemas.microsoft.com/office/powerpoint/2012/main" xmlns="">
+      <p15:sldGuideLst xmlns="" xmlns:p15="http://schemas.microsoft.com/office/powerpoint/2012/main">
         <p15:guide id="1" orient="horz" pos="2160">
           <p15:clr>
             <a:srgbClr val="A4A3A4"/>
@@ -11697,7 +11697,7 @@
   </p:clrMapOvr>
   <p:extLst mod="1">
     <p:ext uri="{DCECCB84-F9BA-43D5-87BE-67443E8EF086}">
-      <p15:sldGuideLst xmlns:p15="http://schemas.microsoft.com/office/powerpoint/2012/main" xmlns=""/>
+      <p15:sldGuideLst xmlns="" xmlns:p15="http://schemas.microsoft.com/office/powerpoint/2012/main"/>
     </p:ext>
   </p:extLst>
 </p:sldLayout>
@@ -12087,7 +12087,7 @@
   </p:clrMapOvr>
   <p:extLst mod="1">
     <p:ext uri="{DCECCB84-F9BA-43D5-87BE-67443E8EF086}">
-      <p15:sldGuideLst xmlns:p15="http://schemas.microsoft.com/office/powerpoint/2012/main" xmlns=""/>
+      <p15:sldGuideLst xmlns="" xmlns:p15="http://schemas.microsoft.com/office/powerpoint/2012/main"/>
     </p:ext>
   </p:extLst>
 </p:sldLayout>
@@ -13156,7 +13156,7 @@
   </p:clrMapOvr>
   <p:extLst mod="1">
     <p:ext uri="{DCECCB84-F9BA-43D5-87BE-67443E8EF086}">
-      <p15:sldGuideLst xmlns:p15="http://schemas.microsoft.com/office/powerpoint/2012/main" xmlns="">
+      <p15:sldGuideLst xmlns="" xmlns:p15="http://schemas.microsoft.com/office/powerpoint/2012/main">
         <p15:guide id="1" orient="horz" pos="696">
           <p15:clr>
             <a:srgbClr val="FBAE40"/>
@@ -14773,7 +14773,7 @@
   </p:txStyles>
   <p:extLst mod="1">
     <p:ext uri="{27BBF7A9-308A-43DC-89C8-2F10F3537804}">
-      <p15:sldGuideLst xmlns:p15="http://schemas.microsoft.com/office/powerpoint/2012/main" xmlns="">
+      <p15:sldGuideLst xmlns="" xmlns:p15="http://schemas.microsoft.com/office/powerpoint/2012/main">
         <p15:guide id="1" pos="792">
           <p15:clr>
             <a:srgbClr val="F26B43"/>
@@ -14872,8 +14872,12 @@
               <a:rPr lang="en-US" altLang="en-US" sz="6000" b="1" dirty="0" smtClean="0"/>
             </a:br>
             <a:r>
-              <a:rPr lang="en-US" altLang="en-US" sz="6000" b="1" dirty="0" smtClean="0"/>
-              <a:t>Part two</a:t>
+              <a:rPr lang="en-US" altLang="en-US" sz="6000" b="1" smtClean="0"/>
+              <a:t>Part </a:t>
+            </a:r>
+            <a:r>
+              <a:rPr lang="en-US" altLang="en-US" sz="6000" b="1" smtClean="0"/>
+              <a:t>two</a:t>
             </a:r>
             <a:endParaRPr lang="tr-TR" altLang="en-US" sz="6000" b="1" dirty="0" smtClean="0"/>
           </a:p>
@@ -15289,11 +15293,6 @@
               </a:rPr>
               <a:t>(0));</a:t>
             </a:r>
-            <a:endParaRPr lang="en-US" altLang="en-US" dirty="0" smtClean="0">
-              <a:solidFill>
-                <a:schemeClr val="tx1"/>
-              </a:solidFill>
-            </a:endParaRPr>
           </a:p>
           <a:p>
             <a:pPr marL="0" indent="0">
@@ -15333,29 +15332,8 @@
                   <a:schemeClr val="tx1"/>
                 </a:solidFill>
               </a:rPr>
-              <a:t>(2)</a:t>
-            </a:r>
-            <a:r>
-              <a:rPr lang="en-US" altLang="en-US" dirty="0" smtClean="0">
-                <a:solidFill>
-                  <a:schemeClr val="tx1"/>
-                </a:solidFill>
-              </a:rPr>
-              <a:t>)</a:t>
-            </a:r>
-            <a:r>
-              <a:rPr lang="en-US" altLang="en-US" dirty="0" smtClean="0">
-                <a:solidFill>
-                  <a:schemeClr val="tx1"/>
-                </a:solidFill>
-              </a:rPr>
-              <a:t>;</a:t>
-            </a:r>
-            <a:endParaRPr lang="en-US" altLang="en-US" dirty="0" smtClean="0">
-              <a:solidFill>
-                <a:schemeClr val="tx1"/>
-              </a:solidFill>
-            </a:endParaRPr>
+              <a:t>(2));</a:t>
+            </a:r>
           </a:p>
           <a:p>
             <a:pPr marL="0" indent="0">
@@ -16087,29 +16065,8 @@
                   <a:schemeClr val="tx1"/>
                 </a:solidFill>
               </a:rPr>
-              <a:t>(1</a:t>
-            </a:r>
-            <a:r>
-              <a:rPr lang="en-US" altLang="en-US" sz="2400" dirty="0" smtClean="0">
-                <a:solidFill>
-                  <a:schemeClr val="tx1"/>
-                </a:solidFill>
-              </a:rPr>
-              <a:t>, </a:t>
-            </a:r>
-            <a:r>
-              <a:rPr lang="en-US" altLang="en-US" sz="2400" dirty="0" smtClean="0">
-                <a:solidFill>
-                  <a:schemeClr val="tx1"/>
-                </a:solidFill>
-              </a:rPr>
-              <a:t>3));</a:t>
-            </a:r>
-            <a:endParaRPr lang="en-US" altLang="en-US" sz="2400" dirty="0" smtClean="0">
-              <a:solidFill>
-                <a:schemeClr val="tx1"/>
-              </a:solidFill>
-            </a:endParaRPr>
+              <a:t>(1, 3));</a:t>
+            </a:r>
           </a:p>
           <a:p>
             <a:pPr marL="0" indent="0">
@@ -16146,7 +16103,15 @@
                   <a:schemeClr val="tx1"/>
                 </a:solidFill>
               </a:rPr>
-              <a:t>(0</a:t>
+              <a:t>(0, </a:t>
+            </a:r>
+            <a:r>
+              <a:rPr lang="en-US" altLang="en-US" sz="2400" dirty="0" err="1" smtClean="0">
+                <a:solidFill>
+                  <a:schemeClr val="tx1"/>
+                </a:solidFill>
+              </a:rPr>
+              <a:t>s.length</a:t>
             </a:r>
             <a:r>
               <a:rPr lang="en-US" altLang="en-US" sz="2400" dirty="0" smtClean="0">
@@ -16154,29 +16119,8 @@
                   <a:schemeClr val="tx1"/>
                 </a:solidFill>
               </a:rPr>
-              <a:t>, </a:t>
-            </a:r>
-            <a:r>
-              <a:rPr lang="en-US" altLang="en-US" sz="2400" dirty="0" err="1" smtClean="0">
-                <a:solidFill>
-                  <a:schemeClr val="tx1"/>
-                </a:solidFill>
-              </a:rPr>
-              <a:t>s.length</a:t>
-            </a:r>
-            <a:r>
-              <a:rPr lang="en-US" altLang="en-US" sz="2400" dirty="0" smtClean="0">
-                <a:solidFill>
-                  <a:schemeClr val="tx1"/>
-                </a:solidFill>
-              </a:rPr>
               <a:t>));</a:t>
             </a:r>
-            <a:endParaRPr lang="en-US" altLang="en-US" sz="2400" dirty="0" smtClean="0">
-              <a:solidFill>
-                <a:schemeClr val="tx1"/>
-              </a:solidFill>
-            </a:endParaRPr>
           </a:p>
         </p:txBody>
       </p:sp>
@@ -16987,21 +16931,8 @@
                   <a:schemeClr val="tx1"/>
                 </a:solidFill>
               </a:rPr>
-              <a:t>")</a:t>
-            </a:r>
-            <a:r>
-              <a:rPr lang="en-US" altLang="en-US" sz="2400" dirty="0" smtClean="0">
-                <a:solidFill>
-                  <a:schemeClr val="tx1"/>
-                </a:solidFill>
-              </a:rPr>
-              <a:t>);</a:t>
-            </a:r>
-            <a:endParaRPr lang="en-US" altLang="en-US" sz="2400" dirty="0" smtClean="0">
-              <a:solidFill>
-                <a:schemeClr val="tx1"/>
-              </a:solidFill>
-            </a:endParaRPr>
+              <a:t>"));</a:t>
+            </a:r>
           </a:p>
           <a:p>
             <a:pPr marL="0" indent="0">
@@ -17040,11 +16971,6 @@
               </a:rPr>
               <a:t>("z"));</a:t>
             </a:r>
-            <a:endParaRPr lang="en-US" altLang="en-US" sz="2400" dirty="0" smtClean="0">
-              <a:solidFill>
-                <a:schemeClr val="tx1"/>
-              </a:solidFill>
-            </a:endParaRPr>
           </a:p>
         </p:txBody>
       </p:sp>
@@ -17783,23 +17709,7 @@
                   <a:schemeClr val="tx1"/>
                 </a:solidFill>
               </a:rPr>
-              <a:t>data = new Array</a:t>
-            </a:r>
-            <a:r>
-              <a:rPr lang="en-US" altLang="en-US" dirty="0" smtClean="0">
-                <a:solidFill>
-                  <a:schemeClr val="tx1"/>
-                </a:solidFill>
-              </a:rPr>
-              <a:t>() </a:t>
-            </a:r>
-            <a:r>
-              <a:rPr lang="en-US" altLang="en-US" dirty="0" smtClean="0">
-                <a:solidFill>
-                  <a:schemeClr val="tx1"/>
-                </a:solidFill>
-              </a:rPr>
-              <a:t>;</a:t>
+              <a:t>data = new Array() ;</a:t>
             </a:r>
           </a:p>
           <a:p>
@@ -17838,31 +17748,7 @@
                   <a:schemeClr val="tx1"/>
                 </a:solidFill>
               </a:rPr>
-              <a:t>(</a:t>
-            </a:r>
-            <a:r>
-              <a:rPr lang="en-US" altLang="en-US" dirty="0" smtClean="0">
-                <a:solidFill>
-                  <a:schemeClr val="tx1"/>
-                </a:solidFill>
-              </a:rPr>
-              <a:t>"  "</a:t>
-            </a:r>
-            <a:r>
-              <a:rPr lang="en-US" altLang="en-US" dirty="0" smtClean="0">
-                <a:solidFill>
-                  <a:schemeClr val="tx1"/>
-                </a:solidFill>
-              </a:rPr>
-              <a:t>) </a:t>
-            </a:r>
-            <a:r>
-              <a:rPr lang="en-US" altLang="en-US" dirty="0" smtClean="0">
-                <a:solidFill>
-                  <a:schemeClr val="tx1"/>
-                </a:solidFill>
-              </a:rPr>
-              <a:t>;</a:t>
+              <a:t>("  ") ;</a:t>
             </a:r>
           </a:p>
           <a:p>
@@ -17893,31 +17779,7 @@
                   <a:schemeClr val="tx1"/>
                 </a:solidFill>
               </a:rPr>
-              <a:t>("&lt;</a:t>
-            </a:r>
-            <a:r>
-              <a:rPr lang="en-US" altLang="en-US" dirty="0" smtClean="0">
-                <a:solidFill>
-                  <a:schemeClr val="tx1"/>
-                </a:solidFill>
-              </a:rPr>
-              <a:t>TABLE</a:t>
-            </a:r>
-            <a:r>
-              <a:rPr lang="en-US" altLang="en-US" dirty="0" smtClean="0">
-                <a:solidFill>
-                  <a:schemeClr val="tx1"/>
-                </a:solidFill>
-              </a:rPr>
-              <a:t>&gt;") </a:t>
-            </a:r>
-            <a:r>
-              <a:rPr lang="en-US" altLang="en-US" dirty="0" smtClean="0">
-                <a:solidFill>
-                  <a:schemeClr val="tx1"/>
-                </a:solidFill>
-              </a:rPr>
-              <a:t>;</a:t>
+              <a:t>("&lt;TABLE&gt;") ;</a:t>
             </a:r>
           </a:p>
           <a:p>
@@ -17979,7 +17841,15 @@
                   <a:schemeClr val="tx1"/>
                 </a:solidFill>
               </a:rPr>
-              <a:t>("&lt;</a:t>
+              <a:t>("&lt;TR&gt;&lt;TD&gt;", data[ </a:t>
+            </a:r>
+            <a:r>
+              <a:rPr lang="en-US" altLang="en-US" dirty="0" err="1" smtClean="0">
+                <a:solidFill>
+                  <a:schemeClr val="tx1"/>
+                </a:solidFill>
+              </a:rPr>
+              <a:t>i</a:t>
             </a:r>
             <a:r>
               <a:rPr lang="en-US" altLang="en-US" dirty="0" smtClean="0">
@@ -17987,39 +17857,7 @@
                   <a:schemeClr val="tx1"/>
                 </a:solidFill>
               </a:rPr>
-              <a:t>TR&gt;&lt;TD&gt;", data[ </a:t>
-            </a:r>
-            <a:r>
-              <a:rPr lang="en-US" altLang="en-US" dirty="0" err="1" smtClean="0">
-                <a:solidFill>
-                  <a:schemeClr val="tx1"/>
-                </a:solidFill>
-              </a:rPr>
-              <a:t>i</a:t>
-            </a:r>
-            <a:r>
-              <a:rPr lang="en-US" altLang="en-US" dirty="0" smtClean="0">
-                <a:solidFill>
-                  <a:schemeClr val="tx1"/>
-                </a:solidFill>
-              </a:rPr>
-              <a:t> ], "&lt;/TD&gt;&lt;/TR</a:t>
-            </a:r>
-            <a:r>
-              <a:rPr lang="en-US" altLang="en-US" dirty="0" smtClean="0">
-                <a:solidFill>
-                  <a:schemeClr val="tx1"/>
-                </a:solidFill>
-              </a:rPr>
-              <a:t>&gt;") </a:t>
-            </a:r>
-            <a:r>
-              <a:rPr lang="en-US" altLang="en-US" dirty="0" smtClean="0">
-                <a:solidFill>
-                  <a:schemeClr val="tx1"/>
-                </a:solidFill>
-              </a:rPr>
-              <a:t>;</a:t>
+              <a:t> ], "&lt;/TD&gt;&lt;/TR&gt;") ;</a:t>
             </a:r>
           </a:p>
           <a:p>
@@ -18078,31 +17916,7 @@
                   <a:schemeClr val="tx1"/>
                 </a:solidFill>
               </a:rPr>
-              <a:t>("&lt;/</a:t>
-            </a:r>
-            <a:r>
-              <a:rPr lang="en-US" altLang="en-US" dirty="0" smtClean="0">
-                <a:solidFill>
-                  <a:schemeClr val="tx1"/>
-                </a:solidFill>
-              </a:rPr>
-              <a:t>TABLE</a:t>
-            </a:r>
-            <a:r>
-              <a:rPr lang="en-US" altLang="en-US" dirty="0" smtClean="0">
-                <a:solidFill>
-                  <a:schemeClr val="tx1"/>
-                </a:solidFill>
-              </a:rPr>
-              <a:t>&gt;") </a:t>
-            </a:r>
-            <a:r>
-              <a:rPr lang="en-US" altLang="en-US" dirty="0" smtClean="0">
-                <a:solidFill>
-                  <a:schemeClr val="tx1"/>
-                </a:solidFill>
-              </a:rPr>
-              <a:t>;</a:t>
+              <a:t>("&lt;/TABLE&gt;") ;</a:t>
             </a:r>
           </a:p>
         </p:txBody>
@@ -18868,15 +18682,7 @@
                   <a:schemeClr val="tx1"/>
                 </a:solidFill>
               </a:rPr>
-              <a:t>() </a:t>
-            </a:r>
-            <a:r>
-              <a:rPr lang="en-US" altLang="en-US" sz="2400" dirty="0" smtClean="0">
-                <a:solidFill>
-                  <a:schemeClr val="tx1"/>
-                </a:solidFill>
-              </a:rPr>
-              <a:t>method expects a string (or several strings, separated by commas) as its argument.</a:t>
+              <a:t>() method expects a string (or several strings, separated by commas) as its argument.</a:t>
             </a:r>
           </a:p>
           <a:p>
@@ -19529,15 +19335,7 @@
                   <a:schemeClr val="tx1"/>
                 </a:solidFill>
               </a:rPr>
-              <a:t>("</a:t>
-            </a:r>
-            <a:r>
-              <a:rPr lang="en-US" altLang="en-US" sz="2400" dirty="0" smtClean="0">
-                <a:solidFill>
-                  <a:schemeClr val="tx1"/>
-                </a:solidFill>
-              </a:rPr>
-              <a:t>2" + 3) ;</a:t>
+              <a:t>("2" + 3) ;</a:t>
             </a:r>
           </a:p>
         </p:txBody>
@@ -20844,13 +20642,7 @@
               <a:rPr lang="en-US" altLang="en-US" sz="2400" dirty="0" smtClean="0">
                 <a:latin typeface="+mn-lt"/>
               </a:rPr>
-              <a:t>+ </a:t>
-            </a:r>
-            <a:r>
-              <a:rPr lang="en-US" altLang="en-US" sz="2400" dirty="0" smtClean="0">
-                <a:latin typeface="+mn-lt"/>
-              </a:rPr>
-              <a:t>3) </a:t>
+              <a:t>+ 3) </a:t>
             </a:r>
             <a:r>
               <a:rPr lang="en-US" altLang="en-US" sz="2400" dirty="0">
@@ -21744,15 +21536,7 @@
                   <a:schemeClr val="tx1"/>
                 </a:solidFill>
               </a:rPr>
-              <a:t>() </a:t>
-            </a:r>
-            <a:r>
-              <a:rPr lang="en-US" altLang="en-US" sz="2400" dirty="0" smtClean="0">
-                <a:solidFill>
-                  <a:schemeClr val="tx1"/>
-                </a:solidFill>
-              </a:rPr>
-              <a:t>;</a:t>
+              <a:t>() ;</a:t>
             </a:r>
           </a:p>
           <a:p>
@@ -21790,15 +21574,7 @@
                   <a:schemeClr val="tx1"/>
                 </a:solidFill>
               </a:rPr>
-              <a:t>(".", 0) </a:t>
-            </a:r>
-            <a:r>
-              <a:rPr lang="en-US" altLang="en-US" sz="2400" dirty="0" smtClean="0">
-                <a:solidFill>
-                  <a:schemeClr val="tx1"/>
-                </a:solidFill>
-              </a:rPr>
-              <a:t>;</a:t>
+              <a:t>(".", 0) ;</a:t>
             </a:r>
           </a:p>
           <a:p>
@@ -21828,7 +21604,15 @@
                   <a:schemeClr val="tx1"/>
                 </a:solidFill>
               </a:rPr>
-              <a:t>(0</a:t>
+              <a:t>(0, </a:t>
+            </a:r>
+            <a:r>
+              <a:rPr lang="en-US" altLang="en-US" sz="2400" dirty="0" err="1" smtClean="0">
+                <a:solidFill>
+                  <a:schemeClr val="tx1"/>
+                </a:solidFill>
+              </a:rPr>
+              <a:t>decimalPos</a:t>
             </a:r>
             <a:r>
               <a:rPr lang="en-US" altLang="en-US" sz="2400" dirty="0" smtClean="0">
@@ -21836,39 +21620,7 @@
                   <a:schemeClr val="tx1"/>
                 </a:solidFill>
               </a:rPr>
-              <a:t>, </a:t>
-            </a:r>
-            <a:r>
-              <a:rPr lang="en-US" altLang="en-US" sz="2400" dirty="0" err="1" smtClean="0">
-                <a:solidFill>
-                  <a:schemeClr val="tx1"/>
-                </a:solidFill>
-              </a:rPr>
-              <a:t>decimalPos</a:t>
-            </a:r>
-            <a:r>
-              <a:rPr lang="en-US" altLang="en-US" sz="2400" dirty="0" smtClean="0">
-                <a:solidFill>
-                  <a:schemeClr val="tx1"/>
-                </a:solidFill>
-              </a:rPr>
-              <a:t> + </a:t>
-            </a:r>
-            <a:r>
-              <a:rPr lang="en-US" altLang="en-US" sz="2400" dirty="0" smtClean="0">
-                <a:solidFill>
-                  <a:schemeClr val="tx1"/>
-                </a:solidFill>
-              </a:rPr>
-              <a:t>3) </a:t>
-            </a:r>
-            <a:r>
-              <a:rPr lang="en-US" altLang="en-US" sz="2400" dirty="0" smtClean="0">
-                <a:solidFill>
-                  <a:schemeClr val="tx1"/>
-                </a:solidFill>
-              </a:rPr>
-              <a:t>;</a:t>
+              <a:t> + 3) ;</a:t>
             </a:r>
           </a:p>
           <a:p>
@@ -21890,15 +21642,7 @@
                   <a:schemeClr val="tx1"/>
                 </a:solidFill>
               </a:rPr>
-              <a:t>(c) </a:t>
-            </a:r>
-            <a:r>
-              <a:rPr lang="en-US" altLang="en-US" sz="2400" dirty="0" smtClean="0">
-                <a:solidFill>
-                  <a:schemeClr val="tx1"/>
-                </a:solidFill>
-              </a:rPr>
-              <a:t>;</a:t>
+              <a:t>(c) ;</a:t>
             </a:r>
             <a:endParaRPr lang="en-US" altLang="en-US" dirty="0" smtClean="0">
               <a:solidFill>
@@ -23398,31 +23142,8 @@
                 <a:latin typeface="Arial" panose="020B0604020202020204" pitchFamily="34" charset="0"/>
                 <a:cs typeface="Arial" panose="020B0604020202020204" pitchFamily="34" charset="0"/>
               </a:rPr>
-              <a:t>random</a:t>
-            </a:r>
-            <a:r>
-              <a:rPr lang="en-US" altLang="en-US" sz="3200" dirty="0" smtClean="0">
-                <a:solidFill>
-                  <a:schemeClr val="tx2">
-                    <a:lumMod val="75000"/>
-                    <a:lumOff val="25000"/>
-                  </a:schemeClr>
-                </a:solidFill>
-                <a:latin typeface="Arial" panose="020B0604020202020204" pitchFamily="34" charset="0"/>
-                <a:cs typeface="Arial" panose="020B0604020202020204" pitchFamily="34" charset="0"/>
-              </a:rPr>
-              <a:t>()</a:t>
-            </a:r>
-            <a:endParaRPr lang="en-US" altLang="en-US" sz="3200" dirty="0" smtClean="0">
-              <a:solidFill>
-                <a:schemeClr val="tx2">
-                  <a:lumMod val="75000"/>
-                  <a:lumOff val="25000"/>
-                </a:schemeClr>
-              </a:solidFill>
-              <a:latin typeface="Arial" panose="020B0604020202020204" pitchFamily="34" charset="0"/>
-              <a:cs typeface="Arial" panose="020B0604020202020204" pitchFamily="34" charset="0"/>
-            </a:endParaRPr>
+              <a:t>random()</a:t>
+            </a:r>
           </a:p>
         </p:txBody>
       </p:sp>
@@ -33016,15 +32737,7 @@
           <a:p>
             <a:r>
               <a:rPr lang="en-US" dirty="0" smtClean="0"/>
-              <a:t>Examples of </a:t>
-            </a:r>
-            <a:r>
-              <a:rPr lang="en-US" dirty="0" smtClean="0"/>
-              <a:t>strings </a:t>
-            </a:r>
-            <a:r>
-              <a:rPr lang="en-US" dirty="0" smtClean="0"/>
-              <a:t>are as follows:</a:t>
+              <a:t>Examples of strings are as follows:</a:t>
             </a:r>
           </a:p>
           <a:p>
@@ -33063,7 +32776,6 @@
               <a:rPr lang="en-US" dirty="0" smtClean="0"/>
               <a:t>;</a:t>
             </a:r>
-            <a:endParaRPr lang="en-US" dirty="0" smtClean="0"/>
           </a:p>
           <a:p>
             <a:pPr marL="225425" indent="0">
@@ -33075,31 +32787,19 @@
             </a:r>
             <a:r>
               <a:rPr lang="en-US" dirty="0" smtClean="0"/>
-              <a:t> string2</a:t>
+              <a:t> string2= </a:t>
+            </a:r>
+            <a:r>
+              <a:rPr lang="en-US" altLang="en-US" dirty="0">
+                <a:solidFill>
+                  <a:schemeClr val="tx1"/>
+                </a:solidFill>
+              </a:rPr>
+              <a:t>" </a:t>
             </a:r>
             <a:r>
               <a:rPr lang="en-US" dirty="0" smtClean="0"/>
-              <a:t>= </a:t>
-            </a:r>
-            <a:r>
-              <a:rPr lang="en-US" altLang="en-US" dirty="0">
-                <a:solidFill>
-                  <a:schemeClr val="tx1"/>
-                </a:solidFill>
-              </a:rPr>
-              <a:t>" </a:t>
-            </a:r>
-            <a:r>
-              <a:rPr lang="en-US" dirty="0" smtClean="0"/>
-              <a:t>Today </a:t>
-            </a:r>
-            <a:r>
-              <a:rPr lang="en-US" dirty="0" smtClean="0"/>
-              <a:t>is </a:t>
-            </a:r>
-            <a:r>
-              <a:rPr lang="en-US" dirty="0" smtClean="0"/>
-              <a:t>Monday</a:t>
+              <a:t>Today is Monday</a:t>
             </a:r>
             <a:r>
               <a:rPr lang="en-US" altLang="en-US" dirty="0" smtClean="0">
@@ -33113,7 +32813,6 @@
               <a:rPr lang="en-US" dirty="0" smtClean="0"/>
               <a:t>;</a:t>
             </a:r>
-            <a:endParaRPr lang="en-US" dirty="0" smtClean="0"/>
           </a:p>
           <a:p>
             <a:pPr marL="225425" indent="0">
@@ -39927,7 +39626,6 @@
               <a:rPr lang="en-US" dirty="0" smtClean="0"/>
               <a:t> ;</a:t>
             </a:r>
-            <a:endParaRPr lang="en-US" dirty="0" smtClean="0"/>
           </a:p>
           <a:p>
             <a:pPr marL="225425" indent="0">
@@ -39942,17 +39640,12 @@
             </a:r>
             <a:r>
               <a:rPr lang="en-US" dirty="0"/>
-              <a:t>] = </a:t>
-            </a:r>
-            <a:r>
-              <a:rPr lang="en-US" dirty="0"/>
-              <a:t>"Rugby</a:t>
+              <a:t>] = "Rugby</a:t>
             </a:r>
             <a:r>
               <a:rPr lang="en-US" dirty="0" smtClean="0"/>
               <a:t>";</a:t>
             </a:r>
-            <a:endParaRPr lang="en-US" dirty="0" smtClean="0"/>
           </a:p>
           <a:p>
             <a:pPr marL="225425" indent="0">
@@ -39991,11 +39684,7 @@
             </a:r>
             <a:r>
               <a:rPr lang="en-US" dirty="0"/>
-              <a:t>= </a:t>
-            </a:r>
-            <a:r>
-              <a:rPr lang="en-US" dirty="0"/>
-              <a:t>"Soccer</a:t>
+              <a:t>= "Soccer</a:t>
             </a:r>
             <a:r>
               <a:rPr lang="en-US" dirty="0" smtClean="0"/>
@@ -40016,11 +39705,7 @@
             </a:r>
             <a:r>
               <a:rPr lang="en-US" dirty="0"/>
-              <a:t>= </a:t>
-            </a:r>
-            <a:r>
-              <a:rPr lang="en-US" dirty="0"/>
-              <a:t>"Tennis</a:t>
+              <a:t>= "Tennis</a:t>
             </a:r>
             <a:r>
               <a:rPr lang="en-US" dirty="0" smtClean="0"/>
@@ -46593,15 +46278,7 @@
                   <a:schemeClr val="bg1"/>
                 </a:solidFill>
               </a:rPr>
-              <a:t>, </a:t>
-            </a:r>
-            <a:r>
-              <a:rPr lang="en-US" sz="1800" b="1" dirty="0">
-                <a:solidFill>
-                  <a:schemeClr val="bg1"/>
-                </a:solidFill>
-              </a:rPr>
-              <a:t>"Cricket</a:t>
+              <a:t>, "Cricket</a:t>
             </a:r>
             <a:r>
               <a:rPr lang="en-US" sz="1800" b="1" dirty="0" smtClean="0">
@@ -50865,11 +50542,6 @@
               </a:rPr>
               <a:t>";</a:t>
             </a:r>
-            <a:endParaRPr lang="en-US" altLang="en-US" dirty="0" smtClean="0">
-              <a:solidFill>
-                <a:schemeClr val="tx1"/>
-              </a:solidFill>
-            </a:endParaRPr>
           </a:p>
           <a:p>
             <a:pPr marL="0" indent="0">
@@ -51623,15 +51295,7 @@
                   <a:schemeClr val="tx1"/>
                 </a:solidFill>
               </a:rPr>
-              <a:t>()) </a:t>
-            </a:r>
-            <a:r>
-              <a:rPr lang="en-US" altLang="en-US" sz="2400" dirty="0" smtClean="0">
-                <a:solidFill>
-                  <a:schemeClr val="tx1"/>
-                </a:solidFill>
-              </a:rPr>
-              <a:t>;</a:t>
+              <a:t>()) ;</a:t>
             </a:r>
           </a:p>
         </p:txBody>
@@ -53695,15 +53359,7 @@
                   <a:schemeClr val="tx1"/>
                 </a:solidFill>
               </a:rPr>
-              <a:t>(person) </a:t>
-            </a:r>
-            <a:r>
-              <a:rPr lang="en-US" altLang="en-US" sz="2400" dirty="0" smtClean="0">
-                <a:solidFill>
-                  <a:schemeClr val="tx1"/>
-                </a:solidFill>
-              </a:rPr>
-              <a:t>;</a:t>
+              <a:t>(person) ;</a:t>
             </a:r>
           </a:p>
           <a:p>
@@ -53743,11 +53399,6 @@
               </a:rPr>
               <a:t>());</a:t>
             </a:r>
-            <a:endParaRPr lang="en-US" altLang="en-US" sz="2400" dirty="0" smtClean="0">
-              <a:solidFill>
-                <a:schemeClr val="tx1"/>
-              </a:solidFill>
-            </a:endParaRPr>
           </a:p>
           <a:p>
             <a:pPr marL="0" indent="0">
@@ -53786,11 +53437,6 @@
               </a:rPr>
               <a:t>());</a:t>
             </a:r>
-            <a:endParaRPr lang="en-US" altLang="en-US" sz="2400" dirty="0" smtClean="0">
-              <a:solidFill>
-                <a:schemeClr val="tx1"/>
-              </a:solidFill>
-            </a:endParaRPr>
           </a:p>
           <a:p>
             <a:pPr marL="0" indent="0">
@@ -54409,7 +54055,7 @@
   <a:extraClrSchemeLst/>
   <a:extLst>
     <a:ext uri="{05A4C25C-085E-4340-85A3-A5531E510DB2}">
-      <thm15:themeFamily xmlns:thm15="http://schemas.microsoft.com/office/thememl/2012/main" xmlns="" name="Badge" id="{71A07785-5930-41D4-9A83-E23602B48E98}" vid="{771EA782-DFA6-45B1-AEA3-661F1715B310}"/>
+      <thm15:themeFamily xmlns="" xmlns:thm15="http://schemas.microsoft.com/office/thememl/2012/main" name="Badge" id="{71A07785-5930-41D4-9A83-E23602B48E98}" vid="{771EA782-DFA6-45B1-AEA3-661F1715B310}"/>
     </a:ext>
   </a:extLst>
 </a:theme>

--- a/topic-04-JavaScript-3/talk-1/talk-1.pptx
+++ b/topic-04-JavaScript-3/talk-1/talk-1.pptx
@@ -155,7 +155,7 @@
   </p:defaultTextStyle>
   <p:extLst>
     <p:ext uri="{EFAFB233-063F-42B5-8137-9DF3F51BA10A}">
-      <p15:sldGuideLst xmlns="" xmlns:p15="http://schemas.microsoft.com/office/powerpoint/2012/main">
+      <p15:sldGuideLst xmlns:p15="http://schemas.microsoft.com/office/powerpoint/2012/main" xmlns="">
         <p15:guide id="1" orient="horz" pos="2160">
           <p15:clr>
             <a:srgbClr val="A4A3A4"/>
@@ -254,7 +254,7 @@
           <a:p>
             <a:fld id="{31E3A3E0-0EEC-43C3-B8B8-6A5D051024B7}" type="datetimeFigureOut">
               <a:rPr lang="en-US" smtClean="0"/>
-              <a:t>1/29/2018</a:t>
+              <a:t>1/30/2018</a:t>
             </a:fld>
             <a:endParaRPr lang="en-US"/>
           </a:p>
@@ -8609,7 +8609,7 @@
           <a:p>
             <a:fld id="{4BC48473-ACCD-4242-806A-1249CC2C55A8}" type="datetimeFigureOut">
               <a:rPr lang="en-US" smtClean="0"/>
-              <a:t>1/29/2018</a:t>
+              <a:t>1/30/2018</a:t>
             </a:fld>
             <a:endParaRPr lang="en-US"/>
           </a:p>
@@ -8885,7 +8885,7 @@
           <a:p>
             <a:fld id="{4BC48473-ACCD-4242-806A-1249CC2C55A8}" type="datetimeFigureOut">
               <a:rPr lang="en-US" smtClean="0"/>
-              <a:t>1/29/2018</a:t>
+              <a:t>1/30/2018</a:t>
             </a:fld>
             <a:endParaRPr lang="en-US"/>
           </a:p>
@@ -9065,7 +9065,7 @@
           <a:p>
             <a:fld id="{4BC48473-ACCD-4242-806A-1249CC2C55A8}" type="datetimeFigureOut">
               <a:rPr lang="en-US" smtClean="0"/>
-              <a:t>1/29/2018</a:t>
+              <a:t>1/30/2018</a:t>
             </a:fld>
             <a:endParaRPr lang="en-US"/>
           </a:p>
@@ -9235,7 +9235,7 @@
           <a:p>
             <a:fld id="{4BC48473-ACCD-4242-806A-1249CC2C55A8}" type="datetimeFigureOut">
               <a:rPr lang="en-US" smtClean="0"/>
-              <a:t>1/29/2018</a:t>
+              <a:t>1/30/2018</a:t>
             </a:fld>
             <a:endParaRPr lang="en-US"/>
           </a:p>
@@ -9831,7 +9831,7 @@
           <a:p>
             <a:fld id="{4BC48473-ACCD-4242-806A-1249CC2C55A8}" type="datetimeFigureOut">
               <a:rPr lang="en-US" smtClean="0"/>
-              <a:t>1/29/2018</a:t>
+              <a:t>1/30/2018</a:t>
             </a:fld>
             <a:endParaRPr lang="en-US"/>
           </a:p>
@@ -11637,7 +11637,7 @@
           <a:p>
             <a:fld id="{4BC48473-ACCD-4242-806A-1249CC2C55A8}" type="datetimeFigureOut">
               <a:rPr lang="en-US" smtClean="0"/>
-              <a:t>1/29/2018</a:t>
+              <a:t>1/30/2018</a:t>
             </a:fld>
             <a:endParaRPr lang="en-US"/>
           </a:p>
@@ -11697,7 +11697,7 @@
   </p:clrMapOvr>
   <p:extLst mod="1">
     <p:ext uri="{DCECCB84-F9BA-43D5-87BE-67443E8EF086}">
-      <p15:sldGuideLst xmlns="" xmlns:p15="http://schemas.microsoft.com/office/powerpoint/2012/main"/>
+      <p15:sldGuideLst xmlns:p15="http://schemas.microsoft.com/office/powerpoint/2012/main" xmlns=""/>
     </p:ext>
   </p:extLst>
 </p:sldLayout>
@@ -12027,7 +12027,7 @@
           <a:p>
             <a:fld id="{4BC48473-ACCD-4242-806A-1249CC2C55A8}" type="datetimeFigureOut">
               <a:rPr lang="en-US" smtClean="0"/>
-              <a:t>1/29/2018</a:t>
+              <a:t>1/30/2018</a:t>
             </a:fld>
             <a:endParaRPr lang="en-US"/>
           </a:p>
@@ -12087,7 +12087,7 @@
   </p:clrMapOvr>
   <p:extLst mod="1">
     <p:ext uri="{DCECCB84-F9BA-43D5-87BE-67443E8EF086}">
-      <p15:sldGuideLst xmlns="" xmlns:p15="http://schemas.microsoft.com/office/powerpoint/2012/main"/>
+      <p15:sldGuideLst xmlns:p15="http://schemas.microsoft.com/office/powerpoint/2012/main" xmlns=""/>
     </p:ext>
   </p:extLst>
 </p:sldLayout>
@@ -12150,7 +12150,7 @@
           <a:p>
             <a:fld id="{4BC48473-ACCD-4242-806A-1249CC2C55A8}" type="datetimeFigureOut">
               <a:rPr lang="en-US" smtClean="0"/>
-              <a:t>1/29/2018</a:t>
+              <a:t>1/30/2018</a:t>
             </a:fld>
             <a:endParaRPr lang="en-US"/>
           </a:p>
@@ -12245,7 +12245,7 @@
           <a:p>
             <a:fld id="{4BC48473-ACCD-4242-806A-1249CC2C55A8}" type="datetimeFigureOut">
               <a:rPr lang="en-US" smtClean="0"/>
-              <a:t>1/29/2018</a:t>
+              <a:t>1/30/2018</a:t>
             </a:fld>
             <a:endParaRPr lang="en-US"/>
           </a:p>
@@ -13010,7 +13010,7 @@
           <a:p>
             <a:fld id="{4BC48473-ACCD-4242-806A-1249CC2C55A8}" type="datetimeFigureOut">
               <a:rPr lang="en-US" smtClean="0"/>
-              <a:t>1/29/2018</a:t>
+              <a:t>1/30/2018</a:t>
             </a:fld>
             <a:endParaRPr lang="en-US"/>
           </a:p>
@@ -13156,7 +13156,7 @@
   </p:clrMapOvr>
   <p:extLst mod="1">
     <p:ext uri="{DCECCB84-F9BA-43D5-87BE-67443E8EF086}">
-      <p15:sldGuideLst xmlns="" xmlns:p15="http://schemas.microsoft.com/office/powerpoint/2012/main">
+      <p15:sldGuideLst xmlns:p15="http://schemas.microsoft.com/office/powerpoint/2012/main" xmlns="">
         <p15:guide id="1" orient="horz" pos="696">
           <p15:clr>
             <a:srgbClr val="FBAE40"/>
@@ -13890,7 +13890,7 @@
           <a:p>
             <a:fld id="{4BC48473-ACCD-4242-806A-1249CC2C55A8}" type="datetimeFigureOut">
               <a:rPr lang="en-US" smtClean="0"/>
-              <a:t>1/29/2018</a:t>
+              <a:t>1/30/2018</a:t>
             </a:fld>
             <a:endParaRPr lang="en-US"/>
           </a:p>
@@ -14155,7 +14155,7 @@
           <a:p>
             <a:fld id="{4BC48473-ACCD-4242-806A-1249CC2C55A8}" type="datetimeFigureOut">
               <a:rPr lang="en-US" smtClean="0"/>
-              <a:t>1/29/2018</a:t>
+              <a:t>1/30/2018</a:t>
             </a:fld>
             <a:endParaRPr lang="en-US"/>
           </a:p>
@@ -14773,7 +14773,7 @@
   </p:txStyles>
   <p:extLst mod="1">
     <p:ext uri="{27BBF7A9-308A-43DC-89C8-2F10F3537804}">
-      <p15:sldGuideLst xmlns="" xmlns:p15="http://schemas.microsoft.com/office/powerpoint/2012/main">
+      <p15:sldGuideLst xmlns:p15="http://schemas.microsoft.com/office/powerpoint/2012/main" xmlns="">
         <p15:guide id="1" pos="792">
           <p15:clr>
             <a:srgbClr val="F26B43"/>
@@ -14872,12 +14872,12 @@
               <a:rPr lang="en-US" altLang="en-US" sz="6000" b="1" dirty="0" smtClean="0"/>
             </a:br>
             <a:r>
-              <a:rPr lang="en-US" altLang="en-US" sz="6000" b="1" smtClean="0"/>
+              <a:rPr lang="en-US" altLang="en-US" sz="6000" b="1" dirty="0" smtClean="0"/>
               <a:t>Part </a:t>
             </a:r>
             <a:r>
-              <a:rPr lang="en-US" altLang="en-US" sz="6000" b="1" smtClean="0"/>
-              <a:t>two</a:t>
+              <a:rPr lang="en-US" altLang="en-US" sz="6000" b="1" dirty="0" smtClean="0"/>
+              <a:t>Three</a:t>
             </a:r>
             <a:endParaRPr lang="tr-TR" altLang="en-US" sz="6000" b="1" dirty="0" smtClean="0"/>
           </a:p>
@@ -32713,8 +32713,8 @@
           <a:lstStyle/>
           <a:p>
             <a:r>
-              <a:rPr lang="en-US" altLang="en-US" sz="5400" dirty="0"/>
-              <a:t>String Manipulation</a:t>
+              <a:rPr lang="en-US" altLang="en-US" sz="5400" dirty="0" smtClean="0"/>
+              <a:t>Document object model</a:t>
             </a:r>
             <a:endParaRPr lang="en-US" dirty="0"/>
           </a:p>
@@ -32732,121 +32732,16 @@
         </p:nvSpPr>
         <p:spPr/>
         <p:txBody>
-          <a:bodyPr/>
+          <a:bodyPr>
+            <a:normAutofit/>
+          </a:bodyPr>
           <a:lstStyle/>
           <a:p>
             <a:r>
-              <a:rPr lang="en-US" dirty="0" smtClean="0"/>
-              <a:t>Examples of strings are as follows:</a:t>
-            </a:r>
-          </a:p>
-          <a:p>
-            <a:pPr marL="225425" indent="0">
-              <a:buNone/>
-            </a:pPr>
-            <a:r>
-              <a:rPr lang="en-US" dirty="0" err="1" smtClean="0"/>
-              <a:t>var</a:t>
-            </a:r>
-            <a:r>
-              <a:rPr lang="en-US" dirty="0" smtClean="0"/>
-              <a:t> string1 = </a:t>
-            </a:r>
-            <a:r>
-              <a:rPr lang="en-US" altLang="en-US" dirty="0" smtClean="0">
-                <a:solidFill>
-                  <a:schemeClr val="tx1"/>
-                </a:solidFill>
-              </a:rPr>
-              <a:t>"</a:t>
-            </a:r>
-            <a:r>
-              <a:rPr lang="en-US" dirty="0" smtClean="0"/>
-              <a:t>blue</a:t>
-            </a:r>
-            <a:r>
-              <a:rPr lang="en-US" altLang="en-US" dirty="0" smtClean="0">
-                <a:solidFill>
-                  <a:schemeClr val="tx1"/>
-                </a:solidFill>
-              </a:rPr>
-              <a:t>"</a:t>
-            </a:r>
-            <a:r>
-              <a:rPr lang="en-US" dirty="0" smtClean="0"/>
-              <a:t>;</a:t>
-            </a:r>
-          </a:p>
-          <a:p>
-            <a:pPr marL="225425" indent="0">
-              <a:buNone/>
-            </a:pPr>
-            <a:r>
-              <a:rPr lang="en-US" dirty="0" err="1" smtClean="0"/>
-              <a:t>var</a:t>
-            </a:r>
-            <a:r>
-              <a:rPr lang="en-US" dirty="0" smtClean="0"/>
-              <a:t> string2= </a:t>
-            </a:r>
-            <a:r>
-              <a:rPr lang="en-US" altLang="en-US" dirty="0">
-                <a:solidFill>
-                  <a:schemeClr val="tx1"/>
-                </a:solidFill>
-              </a:rPr>
-              <a:t>" </a:t>
-            </a:r>
-            <a:r>
-              <a:rPr lang="en-US" dirty="0" smtClean="0"/>
-              <a:t>Today is Monday</a:t>
-            </a:r>
-            <a:r>
-              <a:rPr lang="en-US" altLang="en-US" dirty="0" smtClean="0">
-                <a:solidFill>
-                  <a:schemeClr val="tx1"/>
-                </a:solidFill>
-              </a:rPr>
-              <a:t>"</a:t>
-            </a:r>
-            <a:r>
-              <a:rPr lang="en-US" dirty="0" smtClean="0"/>
-              <a:t>;</a:t>
-            </a:r>
-          </a:p>
-          <a:p>
-            <a:pPr marL="225425" indent="0">
-              <a:buNone/>
-            </a:pPr>
-            <a:r>
-              <a:rPr lang="en-US" dirty="0" err="1" smtClean="0"/>
-              <a:t>var</a:t>
-            </a:r>
-            <a:r>
-              <a:rPr lang="en-US" dirty="0" smtClean="0"/>
-              <a:t> string3 = </a:t>
-            </a:r>
-            <a:r>
-              <a:rPr lang="en-US" altLang="en-US" dirty="0" smtClean="0">
-                <a:solidFill>
-                  <a:schemeClr val="tx1"/>
-                </a:solidFill>
-              </a:rPr>
-              <a:t>"</a:t>
-            </a:r>
-            <a:r>
-              <a:rPr lang="en-US" dirty="0" smtClean="0"/>
-              <a:t>12</a:t>
-            </a:r>
-            <a:r>
-              <a:rPr lang="en-US" altLang="en-US" dirty="0" smtClean="0">
-                <a:solidFill>
-                  <a:schemeClr val="tx1"/>
-                </a:solidFill>
-              </a:rPr>
-              <a:t>";</a:t>
-            </a:r>
-            <a:endParaRPr lang="en-US" dirty="0"/>
+              <a:rPr lang="en-US" sz="2800" dirty="0"/>
+              <a:t>The Document Object Model (DOM) specifies how browsers should create a model of an HTML page and how JavaScript can access and update the contents of a web page while it is in the browser window.</a:t>
+            </a:r>
+            <a:endParaRPr lang="en-US" sz="2800" dirty="0"/>
           </a:p>
         </p:txBody>
       </p:sp>
@@ -39966,7 +39861,7 @@
         </p:nvSpPr>
         <p:spPr>
           <a:xfrm>
-            <a:off x="685800" y="-19987"/>
+            <a:off x="685800" y="228600"/>
             <a:ext cx="7772400" cy="1143000"/>
           </a:xfrm>
         </p:spPr>
@@ -39977,9 +39872,10 @@
           <a:lstStyle/>
           <a:p>
             <a:r>
-              <a:rPr lang="en-US" altLang="en-US" sz="4400" dirty="0" smtClean="0"/>
-              <a:t>String Manipulation</a:t>
-            </a:r>
+              <a:rPr lang="en-US" altLang="en-US" sz="5400" dirty="0"/>
+              <a:t>Document object model</a:t>
+            </a:r>
+            <a:endParaRPr lang="en-US" altLang="en-US" sz="5400" dirty="0" smtClean="0"/>
           </a:p>
         </p:txBody>
       </p:sp>
@@ -40001,7 +39897,7 @@
         </p:spPr>
         <p:txBody>
           <a:bodyPr>
-            <a:normAutofit lnSpcReduction="10000"/>
+            <a:normAutofit/>
           </a:bodyPr>
           <a:lstStyle/>
           <a:p>
@@ -40010,115 +39906,68 @@
                 <a:spcPct val="70000"/>
               </a:spcAft>
             </a:pPr>
-            <a:r>
-              <a:rPr lang="en-US" altLang="en-US" sz="2400" dirty="0" smtClean="0">
-                <a:solidFill>
-                  <a:schemeClr val="tx1"/>
-                </a:solidFill>
-              </a:rPr>
-              <a:t>String Manipulation allows us to:</a:t>
-            </a:r>
-          </a:p>
-          <a:p>
-            <a:pPr lvl="1">
-              <a:spcAft>
-                <a:spcPct val="70000"/>
-              </a:spcAft>
-            </a:pPr>
-            <a:r>
-              <a:rPr lang="en-US" altLang="en-US" sz="2200" dirty="0">
-                <a:solidFill>
-                  <a:schemeClr val="tx1"/>
-                </a:solidFill>
-              </a:rPr>
-              <a:t>C</a:t>
-            </a:r>
-            <a:r>
-              <a:rPr lang="en-US" altLang="en-US" sz="2200" dirty="0" smtClean="0">
-                <a:solidFill>
-                  <a:schemeClr val="tx1"/>
-                </a:solidFill>
-              </a:rPr>
-              <a:t>ombine these strings into a sentence i.e. take these strings and concatenate them into one.</a:t>
-            </a:r>
-          </a:p>
-          <a:p>
-            <a:pPr lvl="1">
-              <a:spcAft>
-                <a:spcPct val="70000"/>
-              </a:spcAft>
-            </a:pPr>
-            <a:r>
-              <a:rPr lang="en-US" altLang="en-US" sz="2200" dirty="0" smtClean="0">
-                <a:solidFill>
-                  <a:schemeClr val="tx1"/>
-                </a:solidFill>
-              </a:rPr>
-              <a:t>Break a string into smaller ones.</a:t>
-            </a:r>
-          </a:p>
-          <a:p>
-            <a:pPr lvl="1">
-              <a:spcAft>
-                <a:spcPct val="70000"/>
-              </a:spcAft>
-            </a:pPr>
-            <a:r>
-              <a:rPr lang="en-US" altLang="en-US" sz="2200" dirty="0" smtClean="0">
-                <a:solidFill>
-                  <a:schemeClr val="tx1"/>
-                </a:solidFill>
-              </a:rPr>
-              <a:t>Convert a string into upper case or lowercase.</a:t>
-            </a:r>
-          </a:p>
-          <a:p>
-            <a:pPr lvl="1">
-              <a:spcAft>
-                <a:spcPct val="70000"/>
-              </a:spcAft>
-            </a:pPr>
-            <a:r>
-              <a:rPr lang="en-US" altLang="en-US" sz="2200" dirty="0" smtClean="0">
-                <a:solidFill>
-                  <a:schemeClr val="tx1"/>
-                </a:solidFill>
-              </a:rPr>
-              <a:t>See if a particular character exists in a string.</a:t>
-            </a:r>
-          </a:p>
-          <a:p>
-            <a:pPr lvl="1">
-              <a:spcAft>
-                <a:spcPct val="70000"/>
-              </a:spcAft>
-            </a:pPr>
-            <a:r>
-              <a:rPr lang="en-US" altLang="en-US" sz="2200" dirty="0" smtClean="0">
-                <a:solidFill>
-                  <a:schemeClr val="tx1"/>
-                </a:solidFill>
-              </a:rPr>
-              <a:t>Find the length of a string.</a:t>
-            </a:r>
-          </a:p>
-          <a:p>
-            <a:pPr lvl="1">
-              <a:spcAft>
-                <a:spcPct val="70000"/>
-              </a:spcAft>
-            </a:pPr>
-            <a:r>
-              <a:rPr lang="en-US" altLang="en-US" sz="2200" dirty="0" smtClean="0">
-                <a:solidFill>
-                  <a:schemeClr val="tx1"/>
-                </a:solidFill>
-              </a:rPr>
-              <a:t>Convert a string into a number.</a:t>
-            </a:r>
+            <a:endParaRPr lang="en-US" altLang="en-US" sz="2200" dirty="0" smtClean="0">
+              <a:solidFill>
+                <a:schemeClr val="tx1"/>
+              </a:solidFill>
+            </a:endParaRPr>
           </a:p>
         </p:txBody>
       </p:sp>
+      <p:pic>
+        <p:nvPicPr>
+          <p:cNvPr id="1026" name="Picture 2"/>
+          <p:cNvPicPr>
+            <a:picLocks noChangeAspect="1" noChangeArrowheads="1"/>
+          </p:cNvPicPr>
+          <p:nvPr/>
+        </p:nvPicPr>
+        <p:blipFill>
+          <a:blip r:embed="rId3">
+            <a:extLst>
+              <a:ext uri="{28A0092B-C50C-407E-A947-70E740481C1C}">
+                <a14:useLocalDpi xmlns:a14="http://schemas.microsoft.com/office/drawing/2010/main" val="0"/>
+              </a:ext>
+            </a:extLst>
+          </a:blip>
+          <a:srcRect/>
+          <a:stretch>
+            <a:fillRect/>
+          </a:stretch>
+        </p:blipFill>
+        <p:spPr bwMode="auto">
+          <a:xfrm>
+            <a:off x="1676400" y="1752600"/>
+            <a:ext cx="5638800" cy="3964534"/>
+          </a:xfrm>
+          <a:prstGeom prst="rect">
+            <a:avLst/>
+          </a:prstGeom>
+          <a:noFill/>
+          <a:ln>
+            <a:noFill/>
+          </a:ln>
+          <a:extLst>
+            <a:ext uri="{909E8E84-426E-40DD-AFC4-6F175D3DCCD1}">
+              <a14:hiddenFill xmlns:a14="http://schemas.microsoft.com/office/drawing/2010/main">
+                <a:solidFill>
+                  <a:schemeClr val="accent1"/>
+                </a:solidFill>
+              </a14:hiddenFill>
+            </a:ext>
+            <a:ext uri="{91240B29-F687-4F45-9708-019B960494DF}">
+              <a14:hiddenLine xmlns:a14="http://schemas.microsoft.com/office/drawing/2010/main" w="9525">
+                <a:solidFill>
+                  <a:schemeClr val="tx1"/>
+                </a:solidFill>
+                <a:miter lim="800000"/>
+                <a:headEnd/>
+                <a:tailEnd/>
+              </a14:hiddenLine>
+            </a:ext>
+          </a:extLst>
+        </p:spPr>
+      </p:pic>
     </p:spTree>
     <p:extLst>
       <p:ext uri="{BB962C8B-B14F-4D97-AF65-F5344CB8AC3E}">
@@ -50177,7 +50026,7 @@
         </p:nvSpPr>
         <p:spPr>
           <a:xfrm>
-            <a:off x="685800" y="26233"/>
+            <a:off x="685800" y="228600"/>
             <a:ext cx="8001000" cy="1143000"/>
           </a:xfrm>
         </p:spPr>
@@ -50188,9 +50037,10 @@
           <a:lstStyle/>
           <a:p>
             <a:r>
-              <a:rPr lang="en-US" altLang="en-US" sz="4400" dirty="0" smtClean="0"/>
-              <a:t>String Manipulation</a:t>
-            </a:r>
+              <a:rPr lang="en-US" altLang="en-US" sz="5400" dirty="0"/>
+              <a:t>Document object model</a:t>
+            </a:r>
+            <a:endParaRPr lang="en-US" altLang="en-US" sz="5400" dirty="0" smtClean="0"/>
           </a:p>
         </p:txBody>
       </p:sp>
@@ -50206,58 +50056,107 @@
         </p:nvSpPr>
         <p:spPr>
           <a:xfrm>
-            <a:off x="838200" y="1143000"/>
-            <a:ext cx="7848600" cy="5638800"/>
+            <a:off x="838200" y="1295400"/>
+            <a:ext cx="7848600" cy="5029200"/>
           </a:xfrm>
         </p:spPr>
         <p:txBody>
           <a:bodyPr>
-            <a:normAutofit/>
+            <a:normAutofit lnSpcReduction="10000"/>
           </a:bodyPr>
           <a:lstStyle/>
           <a:p>
-            <a:r>
-              <a:rPr lang="en-US" altLang="en-US" sz="2400" dirty="0" smtClean="0">
-                <a:solidFill>
-                  <a:schemeClr val="tx1"/>
-                </a:solidFill>
-              </a:rPr>
-              <a:t>In addition to the concatenation operator (+) JavaScript supports several advanced string operations as well.</a:t>
-            </a:r>
-          </a:p>
-          <a:p>
-            <a:endParaRPr lang="en-US" altLang="en-US" sz="2400" dirty="0" smtClean="0">
-              <a:solidFill>
-                <a:schemeClr val="tx1"/>
-              </a:solidFill>
-            </a:endParaRPr>
-          </a:p>
-          <a:p>
-            <a:r>
-              <a:rPr lang="en-US" altLang="en-US" sz="2400" dirty="0" smtClean="0">
-                <a:solidFill>
-                  <a:schemeClr val="tx1"/>
-                </a:solidFill>
-              </a:rPr>
-              <a:t>These functions are accessed by referring to various methods of the String object.</a:t>
-            </a:r>
-          </a:p>
-          <a:p>
-            <a:endParaRPr lang="en-US" altLang="en-US" sz="2400" dirty="0" smtClean="0">
-              <a:solidFill>
-                <a:schemeClr val="tx1"/>
-              </a:solidFill>
-            </a:endParaRPr>
-          </a:p>
-          <a:p>
-            <a:r>
-              <a:rPr lang="en-US" altLang="en-US" sz="2400" dirty="0" smtClean="0">
-                <a:solidFill>
-                  <a:schemeClr val="tx1"/>
-                </a:solidFill>
-              </a:rPr>
-              <a:t>Moreover, this object also contains the ‘length’ property.</a:t>
-            </a:r>
+            <a:pPr marL="0" indent="0">
+              <a:buNone/>
+            </a:pPr>
+            <a:r>
+              <a:rPr lang="en-US" sz="2800" b="1" dirty="0"/>
+              <a:t>The document node</a:t>
+            </a:r>
+          </a:p>
+          <a:p>
+            <a:r>
+              <a:rPr lang="en-US" sz="2800" dirty="0"/>
+              <a:t>Every element, attribute, and piece of text in the HTML is represented by its own </a:t>
+            </a:r>
+            <a:r>
+              <a:rPr lang="en-US" sz="2800" b="1" dirty="0"/>
+              <a:t>DOM node</a:t>
+            </a:r>
+            <a:r>
+              <a:rPr lang="en-US" sz="2800" dirty="0"/>
+              <a:t>. </a:t>
+            </a:r>
+            <a:endParaRPr lang="en-US" sz="2800" dirty="0" smtClean="0"/>
+          </a:p>
+          <a:p>
+            <a:r>
+              <a:rPr lang="en-US" sz="2800" dirty="0" smtClean="0"/>
+              <a:t>At </a:t>
+            </a:r>
+            <a:r>
+              <a:rPr lang="en-US" sz="2800" dirty="0"/>
+              <a:t>the top of the tree a </a:t>
+            </a:r>
+            <a:r>
+              <a:rPr lang="en-US" sz="2800" b="1" dirty="0"/>
+              <a:t>document node</a:t>
+            </a:r>
+            <a:r>
+              <a:rPr lang="en-US" sz="2800" dirty="0"/>
+              <a:t> is added; it represents the entire page</a:t>
+            </a:r>
+            <a:r>
+              <a:rPr lang="en-US" sz="2800" dirty="0" smtClean="0"/>
+              <a:t>.</a:t>
+            </a:r>
+          </a:p>
+          <a:p>
+            <a:pPr marL="0" indent="0">
+              <a:buNone/>
+            </a:pPr>
+            <a:r>
+              <a:rPr lang="en-US" sz="2800" b="1" dirty="0"/>
+              <a:t>Element nodes</a:t>
+            </a:r>
+          </a:p>
+          <a:p>
+            <a:r>
+              <a:rPr lang="en-US" sz="2800" dirty="0"/>
+              <a:t>HTML elements describe the structure of an HTML page </a:t>
+            </a:r>
+            <a:r>
+              <a:rPr lang="en-US" sz="2800" dirty="0" smtClean="0"/>
+              <a:t>(For example,                                 the</a:t>
+            </a:r>
+            <a:r>
+              <a:rPr lang="en-US" sz="2800" dirty="0"/>
+              <a:t> &lt;h1</a:t>
+            </a:r>
+            <a:r>
+              <a:rPr lang="en-US" sz="2800" dirty="0" smtClean="0"/>
+              <a:t>&gt;-&lt;h6</a:t>
+            </a:r>
+            <a:r>
+              <a:rPr lang="en-US" sz="2800" dirty="0"/>
+              <a:t>&gt; </a:t>
+            </a:r>
+            <a:r>
+              <a:rPr lang="en-US" sz="2800" dirty="0" smtClean="0"/>
+              <a:t>elements describe </a:t>
+            </a:r>
+            <a:r>
+              <a:rPr lang="en-US" sz="2800" dirty="0"/>
+              <a:t>what parts are </a:t>
+            </a:r>
+            <a:r>
+              <a:rPr lang="en-US" sz="2800" dirty="0" smtClean="0"/>
+              <a:t>headings).</a:t>
+            </a:r>
+            <a:endParaRPr lang="en-US" sz="2800" dirty="0"/>
+          </a:p>
+          <a:p>
+            <a:endParaRPr lang="en-US" sz="2800" dirty="0"/>
           </a:p>
         </p:txBody>
       </p:sp>
@@ -50478,7 +50377,7 @@
         </p:nvSpPr>
         <p:spPr>
           <a:xfrm>
-            <a:off x="723900" y="0"/>
+            <a:off x="762000" y="152400"/>
             <a:ext cx="7772400" cy="1143000"/>
           </a:xfrm>
         </p:spPr>
@@ -50489,9 +50388,10 @@
           <a:lstStyle/>
           <a:p>
             <a:r>
-              <a:rPr lang="en-US" altLang="en-US" sz="4400" dirty="0" smtClean="0"/>
-              <a:t>example</a:t>
-            </a:r>
+              <a:rPr lang="en-US" altLang="en-US" sz="5400" dirty="0"/>
+              <a:t>Document object model</a:t>
+            </a:r>
+            <a:endParaRPr lang="en-US" altLang="en-US" sz="5400" dirty="0" smtClean="0"/>
           </a:p>
         </p:txBody>
       </p:sp>
@@ -50507,286 +50407,83 @@
         </p:nvSpPr>
         <p:spPr>
           <a:xfrm>
-            <a:off x="1143000" y="1447800"/>
-            <a:ext cx="7391400" cy="3429000"/>
+            <a:off x="914400" y="1371600"/>
+            <a:ext cx="7391400" cy="5257800"/>
           </a:xfrm>
         </p:spPr>
         <p:txBody>
-          <a:bodyPr/>
+          <a:bodyPr>
+            <a:normAutofit/>
+          </a:bodyPr>
           <a:lstStyle/>
           <a:p>
             <a:pPr marL="0" indent="0">
               <a:buNone/>
             </a:pPr>
             <a:r>
-              <a:rPr lang="en-US" altLang="en-US" dirty="0">
-                <a:solidFill>
-                  <a:schemeClr val="tx1"/>
-                </a:solidFill>
-              </a:rPr>
-              <a:t>name = "</a:t>
-            </a:r>
-            <a:r>
-              <a:rPr lang="en-US" altLang="en-US" dirty="0" err="1">
-                <a:solidFill>
-                  <a:schemeClr val="tx1"/>
-                </a:solidFill>
-              </a:rPr>
-              <a:t>Bhola</a:t>
-            </a:r>
-            <a:r>
-              <a:rPr lang="en-US" altLang="en-US" dirty="0" smtClean="0">
-                <a:solidFill>
-                  <a:schemeClr val="tx1"/>
-                </a:solidFill>
-              </a:rPr>
-              <a:t>";</a:t>
+              <a:rPr lang="en-US" sz="2800" b="1" dirty="0"/>
+              <a:t>Attribute nodes</a:t>
+            </a:r>
+          </a:p>
+          <a:p>
+            <a:r>
+              <a:rPr lang="en-US" sz="2800" dirty="0"/>
+              <a:t>The opening tags of HTML elements can carry attributes and these are represented by attribute nodes in the DOM tree.</a:t>
+            </a:r>
+          </a:p>
+          <a:p>
+            <a:r>
+              <a:rPr lang="en-US" sz="2800" dirty="0"/>
+              <a:t>Attributes nodes are not </a:t>
+            </a:r>
+            <a:r>
+              <a:rPr lang="en-US" sz="2800" i="1" dirty="0"/>
+              <a:t>children</a:t>
+            </a:r>
+            <a:r>
+              <a:rPr lang="en-US" sz="2800" dirty="0"/>
+              <a:t> of the element that carries them; they are </a:t>
+            </a:r>
+            <a:r>
+              <a:rPr lang="en-US" sz="2800" i="1" dirty="0"/>
+              <a:t>part</a:t>
+            </a:r>
+            <a:r>
+              <a:rPr lang="en-US" sz="2800" dirty="0"/>
+              <a:t> of that element</a:t>
+            </a:r>
+            <a:r>
+              <a:rPr lang="en-US" sz="2800" dirty="0" smtClean="0"/>
+              <a:t>.</a:t>
             </a:r>
           </a:p>
           <a:p>
             <a:pPr marL="0" indent="0">
-              <a:buFontTx/>
               <a:buNone/>
             </a:pPr>
             <a:r>
-              <a:rPr lang="en-US" altLang="en-US" dirty="0" err="1" smtClean="0">
-                <a:solidFill>
-                  <a:schemeClr val="tx1"/>
-                </a:solidFill>
-              </a:rPr>
-              <a:t>document.write</a:t>
-            </a:r>
-            <a:r>
-              <a:rPr lang="en-US" altLang="en-US" dirty="0">
-                <a:solidFill>
-                  <a:schemeClr val="tx1"/>
-                </a:solidFill>
-              </a:rPr>
-              <a:t>(" The </a:t>
-            </a:r>
-            <a:r>
-              <a:rPr lang="en-US" altLang="en-US" dirty="0" smtClean="0">
-                <a:solidFill>
-                  <a:schemeClr val="tx1"/>
-                </a:solidFill>
-              </a:rPr>
-              <a:t>length of the string ‘name’ is </a:t>
-            </a:r>
-            <a:r>
-              <a:rPr lang="en-US" altLang="en-US" dirty="0">
-                <a:solidFill>
-                  <a:schemeClr val="tx1"/>
-                </a:solidFill>
-              </a:rPr>
-              <a:t>", </a:t>
-            </a:r>
-            <a:r>
-              <a:rPr lang="en-US" altLang="en-US" dirty="0" err="1" smtClean="0">
-                <a:solidFill>
-                  <a:schemeClr val="tx1"/>
-                </a:solidFill>
-              </a:rPr>
-              <a:t>name.length</a:t>
-            </a:r>
-            <a:r>
-              <a:rPr lang="en-US" altLang="en-US" dirty="0" smtClean="0">
-                <a:solidFill>
-                  <a:schemeClr val="tx1"/>
-                </a:solidFill>
-              </a:rPr>
-              <a:t> ) ;</a:t>
-            </a:r>
-          </a:p>
-        </p:txBody>
-      </p:sp>
-      <p:sp>
-        <p:nvSpPr>
-          <p:cNvPr id="744452" name="AutoShape 4"/>
-          <p:cNvSpPr>
-            <a:spLocks noChangeAspect="1" noChangeArrowheads="1"/>
-          </p:cNvSpPr>
-          <p:nvPr/>
-        </p:nvSpPr>
-        <p:spPr bwMode="auto">
-          <a:xfrm>
-            <a:off x="1201711" y="3581400"/>
-            <a:ext cx="6781800" cy="1143000"/>
-          </a:xfrm>
-          <a:prstGeom prst="roundRect">
-            <a:avLst>
-              <a:gd name="adj" fmla="val 16667"/>
-            </a:avLst>
-          </a:prstGeom>
-          <a:solidFill>
-            <a:schemeClr val="tx1"/>
-          </a:solidFill>
-          <a:ln>
-            <a:noFill/>
-          </a:ln>
-          <a:effectLst/>
-          <a:extLst>
-            <a:ext uri="{91240B29-F687-4F45-9708-019B960494DF}">
-              <a14:hiddenLine xmlns:a14="http://schemas.microsoft.com/office/drawing/2010/main" w="9525">
-                <a:solidFill>
-                  <a:schemeClr val="accent1"/>
-                </a:solidFill>
-                <a:round/>
-                <a:headEnd/>
-                <a:tailEnd/>
-              </a14:hiddenLine>
-            </a:ext>
-            <a:ext uri="{AF507438-7753-43E0-B8FC-AC1667EBCBE1}">
-              <a14:hiddenEffects xmlns:a14="http://schemas.microsoft.com/office/drawing/2010/main">
-                <a:effectLst>
-                  <a:outerShdw dist="35921" dir="2700000" algn="ctr" rotWithShape="0">
-                    <a:schemeClr val="bg2"/>
-                  </a:outerShdw>
-                </a:effectLst>
-              </a14:hiddenEffects>
-            </a:ext>
-          </a:extLst>
-        </p:spPr>
-        <p:txBody>
-          <a:bodyPr anchor="ctr"/>
-          <a:lstStyle>
-            <a:lvl1pPr>
-              <a:spcBef>
-                <a:spcPct val="20000"/>
-              </a:spcBef>
-              <a:buChar char="•"/>
-              <a:defRPr sz="3200">
-                <a:solidFill>
-                  <a:schemeClr val="tx1"/>
-                </a:solidFill>
-                <a:latin typeface="Arial" charset="0"/>
-              </a:defRPr>
-            </a:lvl1pPr>
-            <a:lvl2pPr marL="742950" indent="-285750">
-              <a:spcBef>
-                <a:spcPct val="20000"/>
-              </a:spcBef>
-              <a:buChar char="–"/>
-              <a:defRPr sz="2800">
-                <a:solidFill>
-                  <a:schemeClr val="tx1"/>
-                </a:solidFill>
-                <a:latin typeface="Arial" charset="0"/>
-              </a:defRPr>
-            </a:lvl2pPr>
-            <a:lvl3pPr marL="1143000" indent="-228600">
-              <a:spcBef>
-                <a:spcPct val="20000"/>
-              </a:spcBef>
-              <a:buChar char="•"/>
-              <a:defRPr sz="2400">
-                <a:solidFill>
-                  <a:schemeClr val="tx1"/>
-                </a:solidFill>
-                <a:latin typeface="Arial" charset="0"/>
-              </a:defRPr>
-            </a:lvl3pPr>
-            <a:lvl4pPr marL="1600200" indent="-228600">
-              <a:spcBef>
-                <a:spcPct val="20000"/>
-              </a:spcBef>
-              <a:buChar char="–"/>
-              <a:defRPr sz="2000">
-                <a:solidFill>
-                  <a:schemeClr val="tx1"/>
-                </a:solidFill>
-                <a:latin typeface="Arial" charset="0"/>
-              </a:defRPr>
-            </a:lvl4pPr>
-            <a:lvl5pPr marL="2057400" indent="-228600">
-              <a:spcBef>
-                <a:spcPct val="20000"/>
-              </a:spcBef>
-              <a:buChar char="»"/>
-              <a:defRPr sz="2000">
-                <a:solidFill>
-                  <a:schemeClr val="tx1"/>
-                </a:solidFill>
-                <a:latin typeface="Arial" charset="0"/>
-              </a:defRPr>
-            </a:lvl5pPr>
-            <a:lvl6pPr marL="2514600" indent="-228600" eaLnBrk="0" fontAlgn="base" hangingPunct="0">
-              <a:spcBef>
-                <a:spcPct val="20000"/>
-              </a:spcBef>
-              <a:spcAft>
-                <a:spcPct val="0"/>
-              </a:spcAft>
-              <a:buChar char="»"/>
-              <a:defRPr sz="2000">
-                <a:solidFill>
-                  <a:schemeClr val="tx1"/>
-                </a:solidFill>
-                <a:latin typeface="Arial" charset="0"/>
-              </a:defRPr>
-            </a:lvl6pPr>
-            <a:lvl7pPr marL="2971800" indent="-228600" eaLnBrk="0" fontAlgn="base" hangingPunct="0">
-              <a:spcBef>
-                <a:spcPct val="20000"/>
-              </a:spcBef>
-              <a:spcAft>
-                <a:spcPct val="0"/>
-              </a:spcAft>
-              <a:buChar char="»"/>
-              <a:defRPr sz="2000">
-                <a:solidFill>
-                  <a:schemeClr val="tx1"/>
-                </a:solidFill>
-                <a:latin typeface="Arial" charset="0"/>
-              </a:defRPr>
-            </a:lvl7pPr>
-            <a:lvl8pPr marL="3429000" indent="-228600" eaLnBrk="0" fontAlgn="base" hangingPunct="0">
-              <a:spcBef>
-                <a:spcPct val="20000"/>
-              </a:spcBef>
-              <a:spcAft>
-                <a:spcPct val="0"/>
-              </a:spcAft>
-              <a:buChar char="»"/>
-              <a:defRPr sz="2000">
-                <a:solidFill>
-                  <a:schemeClr val="tx1"/>
-                </a:solidFill>
-                <a:latin typeface="Arial" charset="0"/>
-              </a:defRPr>
-            </a:lvl8pPr>
-            <a:lvl9pPr marL="3886200" indent="-228600" eaLnBrk="0" fontAlgn="base" hangingPunct="0">
-              <a:spcBef>
-                <a:spcPct val="20000"/>
-              </a:spcBef>
-              <a:spcAft>
-                <a:spcPct val="0"/>
-              </a:spcAft>
-              <a:buChar char="»"/>
-              <a:defRPr sz="2000">
-                <a:solidFill>
-                  <a:schemeClr val="tx1"/>
-                </a:solidFill>
-                <a:latin typeface="Arial" charset="0"/>
-              </a:defRPr>
-            </a:lvl9pPr>
-          </a:lstStyle>
-          <a:p>
-            <a:pPr>
-              <a:spcBef>
-                <a:spcPct val="0"/>
-              </a:spcBef>
-              <a:buFontTx/>
+              <a:rPr lang="en-US" sz="2800" b="1" dirty="0"/>
+              <a:t>Text nodes</a:t>
+            </a:r>
+          </a:p>
+          <a:p>
+            <a:r>
+              <a:rPr lang="en-US" sz="2800" dirty="0"/>
+              <a:t>Once you have accessed an element node, you can then reach the text within that element. This is stored in its own text node.</a:t>
+            </a:r>
+          </a:p>
+          <a:p>
+            <a:endParaRPr lang="en-US" sz="2800" dirty="0"/>
+          </a:p>
+          <a:p>
+            <a:pPr marL="0" indent="0">
               <a:buNone/>
             </a:pPr>
-            <a:r>
-              <a:rPr lang="en-US" altLang="en-US">
-                <a:solidFill>
-                  <a:schemeClr val="bg2"/>
-                </a:solidFill>
-                <a:latin typeface="Times New Roman" pitchFamily="18" charset="0"/>
-              </a:rPr>
-              <a:t>The length of the string ‘name’ is 5</a:t>
-            </a:r>
+            <a:endParaRPr lang="en-US" altLang="en-US" dirty="0" smtClean="0">
+              <a:solidFill>
+                <a:schemeClr val="tx1"/>
+              </a:solidFill>
+            </a:endParaRPr>
           </a:p>
         </p:txBody>
       </p:sp>
@@ -50811,129 +50508,9 @@
   <p:timing>
     <p:tnLst>
       <p:par>
-        <p:cTn id="1" dur="indefinite" restart="never" nodeType="tmRoot">
-          <p:childTnLst>
-            <p:seq concurrent="1" nextAc="seek">
-              <p:cTn id="2" dur="indefinite" nodeType="mainSeq">
-                <p:childTnLst>
-                  <p:par>
-                    <p:cTn id="3" fill="hold" nodeType="clickPar">
-                      <p:stCondLst>
-                        <p:cond delay="indefinite"/>
-                        <p:cond evt="onBegin" delay="0">
-                          <p:tn val="2"/>
-                        </p:cond>
-                      </p:stCondLst>
-                      <p:childTnLst>
-                        <p:par>
-                          <p:cTn id="4" fill="hold" nodeType="withGroup">
-                            <p:stCondLst>
-                              <p:cond delay="0"/>
-                            </p:stCondLst>
-                            <p:childTnLst>
-                              <p:par>
-                                <p:cTn id="5" presetID="2" presetClass="entr" presetSubtype="4" fill="hold" grpId="0" nodeType="afterEffect">
-                                  <p:stCondLst>
-                                    <p:cond delay="1000"/>
-                                  </p:stCondLst>
-                                  <p:childTnLst>
-                                    <p:set>
-                                      <p:cBhvr>
-                                        <p:cTn id="6" dur="1" fill="hold">
-                                          <p:stCondLst>
-                                            <p:cond delay="0"/>
-                                          </p:stCondLst>
-                                        </p:cTn>
-                                        <p:tgtEl>
-                                          <p:spTgt spid="744452"/>
-                                        </p:tgtEl>
-                                        <p:attrNameLst>
-                                          <p:attrName>style.visibility</p:attrName>
-                                        </p:attrNameLst>
-                                      </p:cBhvr>
-                                      <p:to>
-                                        <p:strVal val="visible"/>
-                                      </p:to>
-                                    </p:set>
-                                    <p:anim calcmode="lin" valueType="num">
-                                      <p:cBhvr additive="base">
-                                        <p:cTn id="7" dur="500" fill="hold"/>
-                                        <p:tgtEl>
-                                          <p:spTgt spid="744452"/>
-                                        </p:tgtEl>
-                                        <p:attrNameLst>
-                                          <p:attrName>ppt_x</p:attrName>
-                                        </p:attrNameLst>
-                                      </p:cBhvr>
-                                      <p:tavLst>
-                                        <p:tav tm="0">
-                                          <p:val>
-                                            <p:strVal val="#ppt_x"/>
-                                          </p:val>
-                                        </p:tav>
-                                        <p:tav tm="100000">
-                                          <p:val>
-                                            <p:strVal val="#ppt_x"/>
-                                          </p:val>
-                                        </p:tav>
-                                      </p:tavLst>
-                                    </p:anim>
-                                    <p:anim calcmode="lin" valueType="num">
-                                      <p:cBhvr additive="base">
-                                        <p:cTn id="8" dur="500" fill="hold"/>
-                                        <p:tgtEl>
-                                          <p:spTgt spid="744452"/>
-                                        </p:tgtEl>
-                                        <p:attrNameLst>
-                                          <p:attrName>ppt_y</p:attrName>
-                                        </p:attrNameLst>
-                                      </p:cBhvr>
-                                      <p:tavLst>
-                                        <p:tav tm="0">
-                                          <p:val>
-                                            <p:strVal val="1+#ppt_h/2"/>
-                                          </p:val>
-                                        </p:tav>
-                                        <p:tav tm="100000">
-                                          <p:val>
-                                            <p:strVal val="#ppt_y"/>
-                                          </p:val>
-                                        </p:tav>
-                                      </p:tavLst>
-                                    </p:anim>
-                                  </p:childTnLst>
-                                </p:cTn>
-                              </p:par>
-                            </p:childTnLst>
-                          </p:cTn>
-                        </p:par>
-                      </p:childTnLst>
-                    </p:cTn>
-                  </p:par>
-                </p:childTnLst>
-              </p:cTn>
-              <p:prevCondLst>
-                <p:cond evt="onPrev" delay="0">
-                  <p:tgtEl>
-                    <p:sldTgt/>
-                  </p:tgtEl>
-                </p:cond>
-              </p:prevCondLst>
-              <p:nextCondLst>
-                <p:cond evt="onNext" delay="0">
-                  <p:tgtEl>
-                    <p:sldTgt/>
-                  </p:tgtEl>
-                </p:cond>
-              </p:nextCondLst>
-            </p:seq>
-          </p:childTnLst>
-        </p:cTn>
+        <p:cTn id="1" dur="indefinite" restart="never" nodeType="tmRoot"/>
       </p:par>
     </p:tnLst>
-    <p:bldLst>
-      <p:bldP spid="744452" grpId="0" animBg="1" autoUpdateAnimBg="0"/>
-    </p:bldLst>
   </p:timing>
 </p:sld>
 </file>
@@ -54055,7 +53632,7 @@
   <a:extraClrSchemeLst/>
   <a:extLst>
     <a:ext uri="{05A4C25C-085E-4340-85A3-A5531E510DB2}">
-      <thm15:themeFamily xmlns="" xmlns:thm15="http://schemas.microsoft.com/office/thememl/2012/main" name="Badge" id="{71A07785-5930-41D4-9A83-E23602B48E98}" vid="{771EA782-DFA6-45B1-AEA3-661F1715B310}"/>
+      <thm15:themeFamily xmlns:thm15="http://schemas.microsoft.com/office/thememl/2012/main" xmlns="" name="Badge" id="{71A07785-5930-41D4-9A83-E23602B48E98}" vid="{771EA782-DFA6-45B1-AEA3-661F1715B310}"/>
     </a:ext>
   </a:extLst>
 </a:theme>

--- a/topic-04-JavaScript-3/talk-1/talk-1.pptx
+++ b/topic-04-JavaScript-3/talk-1/talk-1.pptx
@@ -134,7 +134,7 @@
   </p:defaultTextStyle>
   <p:extLst>
     <p:ext uri="{EFAFB233-063F-42B5-8137-9DF3F51BA10A}">
-      <p15:sldGuideLst xmlns="" xmlns:p15="http://schemas.microsoft.com/office/powerpoint/2012/main">
+      <p15:sldGuideLst xmlns:p15="http://schemas.microsoft.com/office/powerpoint/2012/main" xmlns="">
         <p15:guide id="1" orient="horz" pos="2160">
           <p15:clr>
             <a:srgbClr val="A4A3A4"/>
@@ -233,7 +233,7 @@
           <a:p>
             <a:fld id="{31E3A3E0-0EEC-43C3-B8B8-6A5D051024B7}" type="datetimeFigureOut">
               <a:rPr lang="en-US" smtClean="0"/>
-              <a:t>1/30/2018</a:t>
+              <a:t>2/1/2018</a:t>
             </a:fld>
             <a:endParaRPr lang="en-US"/>
           </a:p>
@@ -5341,7 +5341,7 @@
           <a:p>
             <a:fld id="{4BC48473-ACCD-4242-806A-1249CC2C55A8}" type="datetimeFigureOut">
               <a:rPr lang="en-US" smtClean="0"/>
-              <a:t>1/30/2018</a:t>
+              <a:t>2/1/2018</a:t>
             </a:fld>
             <a:endParaRPr lang="en-US"/>
           </a:p>
@@ -5617,7 +5617,7 @@
           <a:p>
             <a:fld id="{4BC48473-ACCD-4242-806A-1249CC2C55A8}" type="datetimeFigureOut">
               <a:rPr lang="en-US" smtClean="0"/>
-              <a:t>1/30/2018</a:t>
+              <a:t>2/1/2018</a:t>
             </a:fld>
             <a:endParaRPr lang="en-US"/>
           </a:p>
@@ -5797,7 +5797,7 @@
           <a:p>
             <a:fld id="{4BC48473-ACCD-4242-806A-1249CC2C55A8}" type="datetimeFigureOut">
               <a:rPr lang="en-US" smtClean="0"/>
-              <a:t>1/30/2018</a:t>
+              <a:t>2/1/2018</a:t>
             </a:fld>
             <a:endParaRPr lang="en-US"/>
           </a:p>
@@ -5967,7 +5967,7 @@
           <a:p>
             <a:fld id="{4BC48473-ACCD-4242-806A-1249CC2C55A8}" type="datetimeFigureOut">
               <a:rPr lang="en-US" smtClean="0"/>
-              <a:t>1/30/2018</a:t>
+              <a:t>2/1/2018</a:t>
             </a:fld>
             <a:endParaRPr lang="en-US"/>
           </a:p>
@@ -6563,7 +6563,7 @@
           <a:p>
             <a:fld id="{4BC48473-ACCD-4242-806A-1249CC2C55A8}" type="datetimeFigureOut">
               <a:rPr lang="en-US" smtClean="0"/>
-              <a:t>1/30/2018</a:t>
+              <a:t>2/1/2018</a:t>
             </a:fld>
             <a:endParaRPr lang="en-US"/>
           </a:p>
@@ -8369,7 +8369,7 @@
           <a:p>
             <a:fld id="{4BC48473-ACCD-4242-806A-1249CC2C55A8}" type="datetimeFigureOut">
               <a:rPr lang="en-US" smtClean="0"/>
-              <a:t>1/30/2018</a:t>
+              <a:t>2/1/2018</a:t>
             </a:fld>
             <a:endParaRPr lang="en-US"/>
           </a:p>
@@ -8429,7 +8429,7 @@
   </p:clrMapOvr>
   <p:extLst mod="1">
     <p:ext uri="{DCECCB84-F9BA-43D5-87BE-67443E8EF086}">
-      <p15:sldGuideLst xmlns="" xmlns:p15="http://schemas.microsoft.com/office/powerpoint/2012/main"/>
+      <p15:sldGuideLst xmlns:p15="http://schemas.microsoft.com/office/powerpoint/2012/main" xmlns=""/>
     </p:ext>
   </p:extLst>
 </p:sldLayout>
@@ -8759,7 +8759,7 @@
           <a:p>
             <a:fld id="{4BC48473-ACCD-4242-806A-1249CC2C55A8}" type="datetimeFigureOut">
               <a:rPr lang="en-US" smtClean="0"/>
-              <a:t>1/30/2018</a:t>
+              <a:t>2/1/2018</a:t>
             </a:fld>
             <a:endParaRPr lang="en-US"/>
           </a:p>
@@ -8819,7 +8819,7 @@
   </p:clrMapOvr>
   <p:extLst mod="1">
     <p:ext uri="{DCECCB84-F9BA-43D5-87BE-67443E8EF086}">
-      <p15:sldGuideLst xmlns="" xmlns:p15="http://schemas.microsoft.com/office/powerpoint/2012/main"/>
+      <p15:sldGuideLst xmlns:p15="http://schemas.microsoft.com/office/powerpoint/2012/main" xmlns=""/>
     </p:ext>
   </p:extLst>
 </p:sldLayout>
@@ -8882,7 +8882,7 @@
           <a:p>
             <a:fld id="{4BC48473-ACCD-4242-806A-1249CC2C55A8}" type="datetimeFigureOut">
               <a:rPr lang="en-US" smtClean="0"/>
-              <a:t>1/30/2018</a:t>
+              <a:t>2/1/2018</a:t>
             </a:fld>
             <a:endParaRPr lang="en-US"/>
           </a:p>
@@ -8977,7 +8977,7 @@
           <a:p>
             <a:fld id="{4BC48473-ACCD-4242-806A-1249CC2C55A8}" type="datetimeFigureOut">
               <a:rPr lang="en-US" smtClean="0"/>
-              <a:t>1/30/2018</a:t>
+              <a:t>2/1/2018</a:t>
             </a:fld>
             <a:endParaRPr lang="en-US"/>
           </a:p>
@@ -9742,7 +9742,7 @@
           <a:p>
             <a:fld id="{4BC48473-ACCD-4242-806A-1249CC2C55A8}" type="datetimeFigureOut">
               <a:rPr lang="en-US" smtClean="0"/>
-              <a:t>1/30/2018</a:t>
+              <a:t>2/1/2018</a:t>
             </a:fld>
             <a:endParaRPr lang="en-US"/>
           </a:p>
@@ -9888,7 +9888,7 @@
   </p:clrMapOvr>
   <p:extLst mod="1">
     <p:ext uri="{DCECCB84-F9BA-43D5-87BE-67443E8EF086}">
-      <p15:sldGuideLst xmlns="" xmlns:p15="http://schemas.microsoft.com/office/powerpoint/2012/main">
+      <p15:sldGuideLst xmlns:p15="http://schemas.microsoft.com/office/powerpoint/2012/main" xmlns="">
         <p15:guide id="1" orient="horz" pos="696">
           <p15:clr>
             <a:srgbClr val="FBAE40"/>
@@ -10622,7 +10622,7 @@
           <a:p>
             <a:fld id="{4BC48473-ACCD-4242-806A-1249CC2C55A8}" type="datetimeFigureOut">
               <a:rPr lang="en-US" smtClean="0"/>
-              <a:t>1/30/2018</a:t>
+              <a:t>2/1/2018</a:t>
             </a:fld>
             <a:endParaRPr lang="en-US"/>
           </a:p>
@@ -10887,7 +10887,7 @@
           <a:p>
             <a:fld id="{4BC48473-ACCD-4242-806A-1249CC2C55A8}" type="datetimeFigureOut">
               <a:rPr lang="en-US" smtClean="0"/>
-              <a:t>1/30/2018</a:t>
+              <a:t>2/1/2018</a:t>
             </a:fld>
             <a:endParaRPr lang="en-US"/>
           </a:p>
@@ -11505,7 +11505,7 @@
   </p:txStyles>
   <p:extLst mod="1">
     <p:ext uri="{27BBF7A9-308A-43DC-89C8-2F10F3537804}">
-      <p15:sldGuideLst xmlns="" xmlns:p15="http://schemas.microsoft.com/office/powerpoint/2012/main">
+      <p15:sldGuideLst xmlns:p15="http://schemas.microsoft.com/office/powerpoint/2012/main" xmlns="">
         <p15:guide id="1" pos="792">
           <p15:clr>
             <a:srgbClr val="F26B43"/>
@@ -12722,11 +12722,13 @@
         <p:spPr>
           <a:xfrm>
             <a:off x="938758" y="1295400"/>
-            <a:ext cx="7633742" cy="4584193"/>
+            <a:ext cx="7633742" cy="5029200"/>
           </a:xfrm>
         </p:spPr>
         <p:txBody>
-          <a:bodyPr/>
+          <a:bodyPr>
+            <a:normAutofit/>
+          </a:bodyPr>
           <a:lstStyle/>
           <a:p>
             <a:pPr marL="0" indent="0">
@@ -12816,6 +12818,135 @@
               </a:rPr>
               <a:t>');</a:t>
             </a:r>
+          </a:p>
+          <a:p>
+            <a:pPr marL="165100" indent="60325">
+              <a:buNone/>
+            </a:pPr>
+            <a:endParaRPr lang="en-US" dirty="0">
+              <a:latin typeface="Courier New" panose="02070309020205020404" pitchFamily="49" charset="0"/>
+              <a:cs typeface="Courier New" panose="02070309020205020404" pitchFamily="49" charset="0"/>
+            </a:endParaRPr>
+          </a:p>
+          <a:p>
+            <a:pPr marL="225425" indent="-225425"/>
+            <a:r>
+              <a:rPr lang="en-US" dirty="0" err="1"/>
+              <a:t>getElementsByTagName</a:t>
+            </a:r>
+            <a:r>
+              <a:rPr lang="en-US" dirty="0" smtClean="0"/>
+              <a:t>(),  </a:t>
+            </a:r>
+            <a:r>
+              <a:rPr lang="en-US" dirty="0" err="1" smtClean="0"/>
+              <a:t>getElementsByClassName</a:t>
+            </a:r>
+            <a:r>
+              <a:rPr lang="en-US" dirty="0" smtClean="0"/>
+              <a:t>(), and </a:t>
+            </a:r>
+            <a:r>
+              <a:rPr lang="en-US" dirty="0" err="1" smtClean="0"/>
+              <a:t>querySelectorAll</a:t>
+            </a:r>
+            <a:r>
+              <a:rPr lang="en-US" dirty="0" smtClean="0"/>
+              <a:t>() return </a:t>
+            </a:r>
+            <a:r>
+              <a:rPr lang="en-US" dirty="0"/>
+              <a:t>more than one element </a:t>
+            </a:r>
+            <a:r>
+              <a:rPr lang="en-US" dirty="0" smtClean="0"/>
+              <a:t>as </a:t>
+            </a:r>
+            <a:r>
+              <a:rPr lang="en-US" dirty="0"/>
+              <a:t>a </a:t>
+            </a:r>
+            <a:r>
+              <a:rPr lang="en-US" dirty="0" err="1" smtClean="0"/>
+              <a:t>NodeList</a:t>
+            </a:r>
+            <a:r>
+              <a:rPr lang="en-US" dirty="0" smtClean="0"/>
+              <a:t>.</a:t>
+            </a:r>
+          </a:p>
+          <a:p>
+            <a:pPr marL="225425" indent="-225425"/>
+            <a:r>
+              <a:rPr lang="en-US" dirty="0" smtClean="0"/>
+              <a:t>For example, </a:t>
+            </a:r>
+            <a:r>
+              <a:rPr lang="en-US" dirty="0" smtClean="0">
+                <a:cs typeface="Courier New" panose="02070309020205020404" pitchFamily="49" charset="0"/>
+              </a:rPr>
+              <a:t>return the </a:t>
+            </a:r>
+            <a:r>
+              <a:rPr lang="en-US" dirty="0">
+                <a:cs typeface="Courier New" panose="02070309020205020404" pitchFamily="49" charset="0"/>
+              </a:rPr>
+              <a:t>first element from the above </a:t>
+            </a:r>
+            <a:r>
+              <a:rPr lang="en-US" dirty="0" smtClean="0">
+                <a:cs typeface="Courier New" panose="02070309020205020404" pitchFamily="49" charset="0"/>
+              </a:rPr>
+              <a:t>example use:</a:t>
+            </a:r>
+            <a:endParaRPr lang="en-US" dirty="0">
+              <a:cs typeface="Courier New" panose="02070309020205020404" pitchFamily="49" charset="0"/>
+            </a:endParaRPr>
+          </a:p>
+          <a:p>
+            <a:pPr marL="225425" indent="0">
+              <a:buNone/>
+            </a:pPr>
+            <a:r>
+              <a:rPr lang="en-US" dirty="0" err="1" smtClean="0">
+                <a:latin typeface="Courier New" panose="02070309020205020404" pitchFamily="49" charset="0"/>
+                <a:cs typeface="Courier New" panose="02070309020205020404" pitchFamily="49" charset="0"/>
+              </a:rPr>
+              <a:t>els</a:t>
+            </a:r>
+            <a:r>
+              <a:rPr lang="en-US" dirty="0" smtClean="0">
+                <a:latin typeface="Courier New" panose="02070309020205020404" pitchFamily="49" charset="0"/>
+                <a:cs typeface="Courier New" panose="02070309020205020404" pitchFamily="49" charset="0"/>
+              </a:rPr>
+              <a:t>[0] </a:t>
+            </a:r>
+          </a:p>
+          <a:p>
+            <a:pPr marL="225425" indent="-225425"/>
+            <a:r>
+              <a:rPr lang="en-US" dirty="0" smtClean="0"/>
+              <a:t>If we want to traverse all the elements returned in the </a:t>
+            </a:r>
+            <a:r>
+              <a:rPr lang="en-US" dirty="0" err="1" smtClean="0"/>
+              <a:t>NodeList</a:t>
+            </a:r>
+            <a:r>
+              <a:rPr lang="en-US" dirty="0" smtClean="0"/>
+              <a:t>, we </a:t>
+            </a:r>
+            <a:r>
+              <a:rPr lang="en-US" dirty="0"/>
+              <a:t>will need a </a:t>
+            </a:r>
+            <a:r>
+              <a:rPr lang="en-US" dirty="0" smtClean="0"/>
+              <a:t>loop.</a:t>
+            </a:r>
+            <a:endParaRPr lang="en-US" dirty="0" smtClean="0">
+              <a:cs typeface="Courier New" panose="02070309020205020404" pitchFamily="49" charset="0"/>
+            </a:endParaRPr>
           </a:p>
           <a:p>
             <a:pPr marL="0" indent="0">
@@ -12920,14 +13051,12 @@
               <a:rPr lang="en-US" sz="2400" dirty="0" smtClean="0"/>
               <a:t>Document Object Model</a:t>
             </a:r>
-            <a:endParaRPr lang="en-US" sz="2400" dirty="0" smtClean="0"/>
           </a:p>
           <a:p>
             <a:r>
               <a:rPr lang="en-US" sz="2400" dirty="0" smtClean="0"/>
               <a:t>Accessing Elements</a:t>
             </a:r>
-            <a:endParaRPr lang="en-US" sz="2400" dirty="0" smtClean="0"/>
           </a:p>
           <a:p>
             <a:r>
@@ -12941,7 +13070,6 @@
               <a:rPr lang="en-US" sz="2400" dirty="0" smtClean="0"/>
               <a:t>Events</a:t>
             </a:r>
-            <a:endParaRPr lang="en-US" sz="2400" dirty="0" smtClean="0"/>
           </a:p>
           <a:p>
             <a:endParaRPr lang="en-US" dirty="0"/>
@@ -13341,7 +13469,6 @@
               <a:rPr lang="en-US" altLang="en-US" sz="5400" dirty="0" smtClean="0"/>
               <a:t>Accessing form elements</a:t>
             </a:r>
-            <a:endParaRPr lang="en-US" altLang="en-US" sz="5400" dirty="0" smtClean="0"/>
           </a:p>
         </p:txBody>
       </p:sp>
@@ -13494,10 +13621,6 @@
               </a:rPr>
               <a:t>("days").value=2;</a:t>
             </a:r>
-            <a:endParaRPr lang="en-US" dirty="0">
-              <a:latin typeface="Courier New" panose="02070309020205020404" pitchFamily="49" charset="0"/>
-              <a:cs typeface="Courier New" panose="02070309020205020404" pitchFamily="49" charset="0"/>
-            </a:endParaRPr>
           </a:p>
         </p:txBody>
       </p:sp>
@@ -13732,7 +13855,6 @@
               <a:rPr lang="en-US" altLang="en-US" sz="5400" dirty="0" smtClean="0"/>
               <a:t>Accessing form elements</a:t>
             </a:r>
-            <a:endParaRPr lang="en-US" altLang="en-US" sz="5400" dirty="0" smtClean="0"/>
           </a:p>
         </p:txBody>
       </p:sp>
@@ -13963,10 +14085,6 @@
               </a:rPr>
               <a:t>}</a:t>
             </a:r>
-            <a:endParaRPr lang="en-US" sz="5000" dirty="0">
-              <a:latin typeface="Courier New" panose="02070309020205020404" pitchFamily="49" charset="0"/>
-              <a:cs typeface="Courier New" panose="02070309020205020404" pitchFamily="49" charset="0"/>
-            </a:endParaRPr>
           </a:p>
         </p:txBody>
       </p:sp>
@@ -14201,7 +14319,6 @@
               <a:rPr lang="en-US" altLang="en-US" sz="5400" dirty="0" smtClean="0"/>
               <a:t>Accessing form elements</a:t>
             </a:r>
-            <a:endParaRPr lang="en-US" altLang="en-US" sz="5400" dirty="0" smtClean="0"/>
           </a:p>
         </p:txBody>
       </p:sp>
@@ -14630,7 +14747,6 @@
               <a:rPr lang="en-US" altLang="en-US" sz="5400" dirty="0" smtClean="0"/>
               <a:t>Accessing form elements</a:t>
             </a:r>
-            <a:endParaRPr lang="en-US" altLang="en-US" sz="5400" dirty="0" smtClean="0"/>
           </a:p>
         </p:txBody>
       </p:sp>
@@ -14960,7 +15076,6 @@
               <a:rPr lang="en-US" altLang="en-US" sz="5400" dirty="0" smtClean="0"/>
               <a:t>Accessing form elements</a:t>
             </a:r>
-            <a:endParaRPr lang="en-US" altLang="en-US" sz="5400" dirty="0" smtClean="0"/>
           </a:p>
         </p:txBody>
       </p:sp>
@@ -15304,14 +15419,12 @@
               <a:rPr lang="en-US" sz="2400" dirty="0" smtClean="0"/>
               <a:t>Document Object Model</a:t>
             </a:r>
-            <a:endParaRPr lang="en-US" sz="2400" dirty="0" smtClean="0"/>
           </a:p>
           <a:p>
             <a:r>
               <a:rPr lang="en-US" sz="2400" dirty="0" smtClean="0"/>
               <a:t>Accessing Elements</a:t>
             </a:r>
-            <a:endParaRPr lang="en-US" sz="2400" dirty="0" smtClean="0"/>
           </a:p>
           <a:p>
             <a:r>
@@ -15325,7 +15438,6 @@
               <a:rPr lang="en-US" sz="2400" dirty="0" smtClean="0"/>
               <a:t>Events</a:t>
             </a:r>
-            <a:endParaRPr lang="en-US" sz="2400" dirty="0" smtClean="0"/>
           </a:p>
           <a:p>
             <a:endParaRPr lang="en-US" dirty="0"/>
@@ -15589,14 +15701,12 @@
               <a:rPr lang="en-US" sz="2400" dirty="0" smtClean="0"/>
               <a:t>Document Object Model</a:t>
             </a:r>
-            <a:endParaRPr lang="en-US" sz="2400" dirty="0" smtClean="0"/>
           </a:p>
           <a:p>
             <a:r>
               <a:rPr lang="en-US" sz="2400" dirty="0" smtClean="0"/>
               <a:t>Accessing Elements</a:t>
             </a:r>
-            <a:endParaRPr lang="en-US" sz="2400" dirty="0" smtClean="0"/>
           </a:p>
           <a:p>
             <a:r>
@@ -15610,7 +15720,6 @@
               <a:rPr lang="en-US" sz="2400" dirty="0" smtClean="0"/>
               <a:t>Events</a:t>
             </a:r>
-            <a:endParaRPr lang="en-US" sz="2400" dirty="0" smtClean="0"/>
           </a:p>
           <a:p>
             <a:endParaRPr lang="en-US" dirty="0"/>
@@ -16010,7 +16119,6 @@
               <a:rPr lang="en-US" altLang="en-US" sz="5400" dirty="0" smtClean="0"/>
               <a:t>events</a:t>
             </a:r>
-            <a:endParaRPr lang="en-US" altLang="en-US" sz="5400" dirty="0" smtClean="0"/>
           </a:p>
         </p:txBody>
       </p:sp>
@@ -16311,7 +16419,6 @@
               <a:rPr lang="en-US" altLang="en-US" sz="5400" dirty="0" smtClean="0"/>
               <a:t>events</a:t>
             </a:r>
-            <a:endParaRPr lang="en-US" altLang="en-US" sz="5400" dirty="0" smtClean="0"/>
           </a:p>
         </p:txBody>
       </p:sp>
@@ -16575,7 +16682,6 @@
               <a:rPr lang="en-US" altLang="en-US" sz="5400" dirty="0" smtClean="0"/>
               <a:t>events</a:t>
             </a:r>
-            <a:endParaRPr lang="en-US" altLang="en-US" sz="5400" dirty="0" smtClean="0"/>
           </a:p>
         </p:txBody>
       </p:sp>
@@ -16878,7 +16984,6 @@
               <a:rPr lang="en-US" altLang="en-US" sz="5400" dirty="0" smtClean="0"/>
               <a:t>events</a:t>
             </a:r>
-            <a:endParaRPr lang="en-US" altLang="en-US" sz="5400" dirty="0" smtClean="0"/>
           </a:p>
         </p:txBody>
       </p:sp>
@@ -17216,7 +17321,6 @@
               <a:rPr lang="en-US" altLang="en-US" sz="5400" dirty="0" smtClean="0"/>
               <a:t>events</a:t>
             </a:r>
-            <a:endParaRPr lang="en-US" altLang="en-US" sz="5400" dirty="0" smtClean="0"/>
           </a:p>
         </p:txBody>
       </p:sp>
@@ -17694,7 +17798,6 @@
               <a:rPr lang="en-US" altLang="en-US" sz="5400" dirty="0" smtClean="0"/>
               <a:t>events</a:t>
             </a:r>
-            <a:endParaRPr lang="en-US" altLang="en-US" sz="5400" dirty="0" smtClean="0"/>
           </a:p>
         </p:txBody>
       </p:sp>
@@ -17818,10 +17921,6 @@
               </a:rPr>
               <a:t>form&gt;</a:t>
             </a:r>
-            <a:endParaRPr lang="en-US" sz="2400" dirty="0">
-              <a:latin typeface="Courier New" panose="02070309020205020404" pitchFamily="49" charset="0"/>
-              <a:cs typeface="Courier New" panose="02070309020205020404" pitchFamily="49" charset="0"/>
-            </a:endParaRPr>
           </a:p>
         </p:txBody>
       </p:sp>
@@ -18056,7 +18155,6 @@
               <a:rPr lang="en-US" altLang="en-US" sz="5400" dirty="0" smtClean="0"/>
               <a:t>events</a:t>
             </a:r>
-            <a:endParaRPr lang="en-US" altLang="en-US" sz="5400" dirty="0" smtClean="0"/>
           </a:p>
         </p:txBody>
       </p:sp>
@@ -19576,14 +19674,12 @@
               <a:rPr lang="en-US" sz="2400" dirty="0" smtClean="0"/>
               <a:t>Document Object Model</a:t>
             </a:r>
-            <a:endParaRPr lang="en-US" sz="2400" dirty="0" smtClean="0"/>
           </a:p>
           <a:p>
             <a:r>
               <a:rPr lang="en-US" sz="2400" dirty="0" smtClean="0"/>
               <a:t>Accessing Elements</a:t>
             </a:r>
-            <a:endParaRPr lang="en-US" sz="2400" dirty="0" smtClean="0"/>
           </a:p>
           <a:p>
             <a:r>
@@ -19597,7 +19693,6 @@
               <a:rPr lang="en-US" sz="2400" dirty="0" smtClean="0"/>
               <a:t>Events</a:t>
             </a:r>
-            <a:endParaRPr lang="en-US" sz="2400" dirty="0" smtClean="0"/>
           </a:p>
           <a:p>
             <a:endParaRPr lang="en-US" dirty="0"/>
@@ -19997,7 +20092,6 @@
               <a:rPr lang="en-US" altLang="en-US" sz="5400" dirty="0" smtClean="0"/>
               <a:t>Accessing elements</a:t>
             </a:r>
-            <a:endParaRPr lang="en-US" altLang="en-US" sz="5400" dirty="0" smtClean="0"/>
           </a:p>
         </p:txBody>
       </p:sp>
@@ -20625,7 +20719,7 @@
   <a:extraClrSchemeLst/>
   <a:extLst>
     <a:ext uri="{05A4C25C-085E-4340-85A3-A5531E510DB2}">
-      <thm15:themeFamily xmlns="" xmlns:thm15="http://schemas.microsoft.com/office/thememl/2012/main" name="Badge" id="{71A07785-5930-41D4-9A83-E23602B48E98}" vid="{771EA782-DFA6-45B1-AEA3-661F1715B310}"/>
+      <thm15:themeFamily xmlns:thm15="http://schemas.microsoft.com/office/thememl/2012/main" xmlns="" name="Badge" id="{71A07785-5930-41D4-9A83-E23602B48E98}" vid="{771EA782-DFA6-45B1-AEA3-661F1715B310}"/>
     </a:ext>
   </a:extLst>
 </a:theme>

--- a/topic-04-JavaScript-3/talk-1/talk-1.pptx
+++ b/topic-04-JavaScript-3/talk-1/talk-1.pptx
@@ -5,7 +5,7 @@
     <p:sldMasterId id="2147483861" r:id="rId1"/>
   </p:sldMasterIdLst>
   <p:notesMasterIdLst>
-    <p:notesMasterId r:id="rId28"/>
+    <p:notesMasterId r:id="rId29"/>
   </p:notesMasterIdLst>
   <p:sldIdLst>
     <p:sldId id="283" r:id="rId2"/>
@@ -33,7 +33,8 @@
     <p:sldId id="357" r:id="rId24"/>
     <p:sldId id="358" r:id="rId25"/>
     <p:sldId id="359" r:id="rId26"/>
-    <p:sldId id="360" r:id="rId27"/>
+    <p:sldId id="364" r:id="rId27"/>
+    <p:sldId id="360" r:id="rId28"/>
   </p:sldIdLst>
   <p:sldSz cx="9144000" cy="6858000" type="screen4x3"/>
   <p:notesSz cx="6858000" cy="9144000"/>
@@ -134,7 +135,7 @@
   </p:defaultTextStyle>
   <p:extLst>
     <p:ext uri="{EFAFB233-063F-42B5-8137-9DF3F51BA10A}">
-      <p15:sldGuideLst xmlns:p15="http://schemas.microsoft.com/office/powerpoint/2012/main" xmlns="">
+      <p15:sldGuideLst xmlns="" xmlns:p15="http://schemas.microsoft.com/office/powerpoint/2012/main">
         <p15:guide id="1" orient="horz" pos="2160">
           <p15:clr>
             <a:srgbClr val="A4A3A4"/>
@@ -233,7 +234,7 @@
           <a:p>
             <a:fld id="{31E3A3E0-0EEC-43C3-B8B8-6A5D051024B7}" type="datetimeFigureOut">
               <a:rPr lang="en-US" smtClean="0"/>
-              <a:t>2/1/2018</a:t>
+              <a:t>2/2/2018</a:t>
             </a:fld>
             <a:endParaRPr lang="en-US"/>
           </a:p>
@@ -2549,7 +2550,7 @@
                 </a:solidFill>
               </a:rPr>
               <a:pPr/>
-              <a:t>26</a:t>
+              <a:t>27</a:t>
             </a:fld>
             <a:endParaRPr lang="en-US" altLang="en-US" sz="1200" smtClean="0">
               <a:solidFill>
@@ -5341,7 +5342,7 @@
           <a:p>
             <a:fld id="{4BC48473-ACCD-4242-806A-1249CC2C55A8}" type="datetimeFigureOut">
               <a:rPr lang="en-US" smtClean="0"/>
-              <a:t>2/1/2018</a:t>
+              <a:t>2/2/2018</a:t>
             </a:fld>
             <a:endParaRPr lang="en-US"/>
           </a:p>
@@ -5617,7 +5618,7 @@
           <a:p>
             <a:fld id="{4BC48473-ACCD-4242-806A-1249CC2C55A8}" type="datetimeFigureOut">
               <a:rPr lang="en-US" smtClean="0"/>
-              <a:t>2/1/2018</a:t>
+              <a:t>2/2/2018</a:t>
             </a:fld>
             <a:endParaRPr lang="en-US"/>
           </a:p>
@@ -5797,7 +5798,7 @@
           <a:p>
             <a:fld id="{4BC48473-ACCD-4242-806A-1249CC2C55A8}" type="datetimeFigureOut">
               <a:rPr lang="en-US" smtClean="0"/>
-              <a:t>2/1/2018</a:t>
+              <a:t>2/2/2018</a:t>
             </a:fld>
             <a:endParaRPr lang="en-US"/>
           </a:p>
@@ -5967,7 +5968,7 @@
           <a:p>
             <a:fld id="{4BC48473-ACCD-4242-806A-1249CC2C55A8}" type="datetimeFigureOut">
               <a:rPr lang="en-US" smtClean="0"/>
-              <a:t>2/1/2018</a:t>
+              <a:t>2/2/2018</a:t>
             </a:fld>
             <a:endParaRPr lang="en-US"/>
           </a:p>
@@ -6563,7 +6564,7 @@
           <a:p>
             <a:fld id="{4BC48473-ACCD-4242-806A-1249CC2C55A8}" type="datetimeFigureOut">
               <a:rPr lang="en-US" smtClean="0"/>
-              <a:t>2/1/2018</a:t>
+              <a:t>2/2/2018</a:t>
             </a:fld>
             <a:endParaRPr lang="en-US"/>
           </a:p>
@@ -8369,7 +8370,7 @@
           <a:p>
             <a:fld id="{4BC48473-ACCD-4242-806A-1249CC2C55A8}" type="datetimeFigureOut">
               <a:rPr lang="en-US" smtClean="0"/>
-              <a:t>2/1/2018</a:t>
+              <a:t>2/2/2018</a:t>
             </a:fld>
             <a:endParaRPr lang="en-US"/>
           </a:p>
@@ -8429,7 +8430,7 @@
   </p:clrMapOvr>
   <p:extLst mod="1">
     <p:ext uri="{DCECCB84-F9BA-43D5-87BE-67443E8EF086}">
-      <p15:sldGuideLst xmlns:p15="http://schemas.microsoft.com/office/powerpoint/2012/main" xmlns=""/>
+      <p15:sldGuideLst xmlns="" xmlns:p15="http://schemas.microsoft.com/office/powerpoint/2012/main"/>
     </p:ext>
   </p:extLst>
 </p:sldLayout>
@@ -8759,7 +8760,7 @@
           <a:p>
             <a:fld id="{4BC48473-ACCD-4242-806A-1249CC2C55A8}" type="datetimeFigureOut">
               <a:rPr lang="en-US" smtClean="0"/>
-              <a:t>2/1/2018</a:t>
+              <a:t>2/2/2018</a:t>
             </a:fld>
             <a:endParaRPr lang="en-US"/>
           </a:p>
@@ -8819,7 +8820,7 @@
   </p:clrMapOvr>
   <p:extLst mod="1">
     <p:ext uri="{DCECCB84-F9BA-43D5-87BE-67443E8EF086}">
-      <p15:sldGuideLst xmlns:p15="http://schemas.microsoft.com/office/powerpoint/2012/main" xmlns=""/>
+      <p15:sldGuideLst xmlns="" xmlns:p15="http://schemas.microsoft.com/office/powerpoint/2012/main"/>
     </p:ext>
   </p:extLst>
 </p:sldLayout>
@@ -8882,7 +8883,7 @@
           <a:p>
             <a:fld id="{4BC48473-ACCD-4242-806A-1249CC2C55A8}" type="datetimeFigureOut">
               <a:rPr lang="en-US" smtClean="0"/>
-              <a:t>2/1/2018</a:t>
+              <a:t>2/2/2018</a:t>
             </a:fld>
             <a:endParaRPr lang="en-US"/>
           </a:p>
@@ -8977,7 +8978,7 @@
           <a:p>
             <a:fld id="{4BC48473-ACCD-4242-806A-1249CC2C55A8}" type="datetimeFigureOut">
               <a:rPr lang="en-US" smtClean="0"/>
-              <a:t>2/1/2018</a:t>
+              <a:t>2/2/2018</a:t>
             </a:fld>
             <a:endParaRPr lang="en-US"/>
           </a:p>
@@ -9742,7 +9743,7 @@
           <a:p>
             <a:fld id="{4BC48473-ACCD-4242-806A-1249CC2C55A8}" type="datetimeFigureOut">
               <a:rPr lang="en-US" smtClean="0"/>
-              <a:t>2/1/2018</a:t>
+              <a:t>2/2/2018</a:t>
             </a:fld>
             <a:endParaRPr lang="en-US"/>
           </a:p>
@@ -9888,7 +9889,7 @@
   </p:clrMapOvr>
   <p:extLst mod="1">
     <p:ext uri="{DCECCB84-F9BA-43D5-87BE-67443E8EF086}">
-      <p15:sldGuideLst xmlns:p15="http://schemas.microsoft.com/office/powerpoint/2012/main" xmlns="">
+      <p15:sldGuideLst xmlns="" xmlns:p15="http://schemas.microsoft.com/office/powerpoint/2012/main">
         <p15:guide id="1" orient="horz" pos="696">
           <p15:clr>
             <a:srgbClr val="FBAE40"/>
@@ -10622,7 +10623,7 @@
           <a:p>
             <a:fld id="{4BC48473-ACCD-4242-806A-1249CC2C55A8}" type="datetimeFigureOut">
               <a:rPr lang="en-US" smtClean="0"/>
-              <a:t>2/1/2018</a:t>
+              <a:t>2/2/2018</a:t>
             </a:fld>
             <a:endParaRPr lang="en-US"/>
           </a:p>
@@ -10887,7 +10888,7 @@
           <a:p>
             <a:fld id="{4BC48473-ACCD-4242-806A-1249CC2C55A8}" type="datetimeFigureOut">
               <a:rPr lang="en-US" smtClean="0"/>
-              <a:t>2/1/2018</a:t>
+              <a:t>2/2/2018</a:t>
             </a:fld>
             <a:endParaRPr lang="en-US"/>
           </a:p>
@@ -11505,7 +11506,7 @@
   </p:txStyles>
   <p:extLst mod="1">
     <p:ext uri="{27BBF7A9-308A-43DC-89C8-2F10F3537804}">
-      <p15:sldGuideLst xmlns:p15="http://schemas.microsoft.com/office/powerpoint/2012/main" xmlns="">
+      <p15:sldGuideLst xmlns="" xmlns:p15="http://schemas.microsoft.com/office/powerpoint/2012/main">
         <p15:guide id="1" pos="792">
           <p15:clr>
             <a:srgbClr val="F26B43"/>
@@ -17953,6 +17954,172 @@
 </file>
 
 <file path=ppt/slides/slide26.xml><?xml version="1.0" encoding="utf-8"?>
+<p:sld xmlns:a="http://schemas.openxmlformats.org/drawingml/2006/main" xmlns:r="http://schemas.openxmlformats.org/officeDocument/2006/relationships" xmlns:p="http://schemas.openxmlformats.org/presentationml/2006/main">
+  <p:cSld>
+    <p:spTree>
+      <p:nvGrpSpPr>
+        <p:cNvPr id="1" name=""/>
+        <p:cNvGrpSpPr/>
+        <p:nvPr/>
+      </p:nvGrpSpPr>
+      <p:grpSpPr>
+        <a:xfrm>
+          <a:off x="0" y="0"/>
+          <a:ext cx="0" cy="0"/>
+          <a:chOff x="0" y="0"/>
+          <a:chExt cx="0" cy="0"/>
+        </a:xfrm>
+      </p:grpSpPr>
+      <p:sp>
+        <p:nvSpPr>
+          <p:cNvPr id="2" name="Title 1"/>
+          <p:cNvSpPr>
+            <a:spLocks noGrp="1"/>
+          </p:cNvSpPr>
+          <p:nvPr>
+            <p:ph type="title"/>
+          </p:nvPr>
+        </p:nvSpPr>
+        <p:spPr/>
+        <p:txBody>
+          <a:bodyPr/>
+          <a:lstStyle/>
+          <a:p>
+            <a:r>
+              <a:rPr lang="en-US" altLang="en-US" sz="4800" dirty="0"/>
+              <a:t>events</a:t>
+            </a:r>
+            <a:endParaRPr lang="en-US" dirty="0"/>
+          </a:p>
+        </p:txBody>
+      </p:sp>
+      <p:sp>
+        <p:nvSpPr>
+          <p:cNvPr id="3" name="Content Placeholder 2"/>
+          <p:cNvSpPr>
+            <a:spLocks noGrp="1"/>
+          </p:cNvSpPr>
+          <p:nvPr>
+            <p:ph idx="1"/>
+          </p:nvPr>
+        </p:nvSpPr>
+        <p:spPr/>
+        <p:txBody>
+          <a:bodyPr/>
+          <a:lstStyle/>
+          <a:p>
+            <a:endParaRPr lang="en-US" dirty="0"/>
+          </a:p>
+          <a:p>
+            <a:pPr marL="0" indent="0">
+              <a:buNone/>
+            </a:pPr>
+            <a:r>
+              <a:rPr lang="en-US" sz="2400" dirty="0" err="1">
+                <a:latin typeface="Courier New" panose="02070309020205020404" pitchFamily="49" charset="0"/>
+                <a:cs typeface="Courier New" panose="02070309020205020404" pitchFamily="49" charset="0"/>
+              </a:rPr>
+              <a:t>var</a:t>
+            </a:r>
+            <a:r>
+              <a:rPr lang="en-US" sz="2400" dirty="0">
+                <a:latin typeface="Courier New" panose="02070309020205020404" pitchFamily="49" charset="0"/>
+                <a:cs typeface="Courier New" panose="02070309020205020404" pitchFamily="49" charset="0"/>
+              </a:rPr>
+              <a:t> </a:t>
+            </a:r>
+            <a:r>
+              <a:rPr lang="en-US" sz="2400" dirty="0" err="1">
+                <a:latin typeface="Courier New" panose="02070309020205020404" pitchFamily="49" charset="0"/>
+                <a:cs typeface="Courier New" panose="02070309020205020404" pitchFamily="49" charset="0"/>
+              </a:rPr>
+              <a:t>elUsername</a:t>
+            </a:r>
+            <a:r>
+              <a:rPr lang="en-US" sz="2400" dirty="0">
+                <a:latin typeface="Courier New" panose="02070309020205020404" pitchFamily="49" charset="0"/>
+                <a:cs typeface="Courier New" panose="02070309020205020404" pitchFamily="49" charset="0"/>
+              </a:rPr>
+              <a:t> = </a:t>
+            </a:r>
+            <a:r>
+              <a:rPr lang="en-US" sz="2400" dirty="0" err="1">
+                <a:latin typeface="Courier New" panose="02070309020205020404" pitchFamily="49" charset="0"/>
+                <a:cs typeface="Courier New" panose="02070309020205020404" pitchFamily="49" charset="0"/>
+              </a:rPr>
+              <a:t>document.getElementById</a:t>
+            </a:r>
+            <a:r>
+              <a:rPr lang="en-US" sz="2400" dirty="0">
+                <a:latin typeface="Courier New" panose="02070309020205020404" pitchFamily="49" charset="0"/>
+                <a:cs typeface="Courier New" panose="02070309020205020404" pitchFamily="49" charset="0"/>
+              </a:rPr>
+              <a:t>('username');  </a:t>
+            </a:r>
+            <a:endParaRPr lang="en-US" sz="2400" dirty="0" smtClean="0">
+              <a:latin typeface="Courier New" panose="02070309020205020404" pitchFamily="49" charset="0"/>
+              <a:cs typeface="Courier New" panose="02070309020205020404" pitchFamily="49" charset="0"/>
+            </a:endParaRPr>
+          </a:p>
+          <a:p>
+            <a:pPr marL="0" indent="0">
+              <a:buNone/>
+            </a:pPr>
+            <a:r>
+              <a:rPr lang="en-US" sz="2400" dirty="0" err="1" smtClean="0">
+                <a:latin typeface="Courier New" panose="02070309020205020404" pitchFamily="49" charset="0"/>
+                <a:cs typeface="Courier New" panose="02070309020205020404" pitchFamily="49" charset="0"/>
+              </a:rPr>
+              <a:t>elUsername.addEventListener</a:t>
+            </a:r>
+            <a:r>
+              <a:rPr lang="en-US" sz="2400" dirty="0">
+                <a:latin typeface="Courier New" panose="02070309020205020404" pitchFamily="49" charset="0"/>
+                <a:cs typeface="Courier New" panose="02070309020205020404" pitchFamily="49" charset="0"/>
+              </a:rPr>
+              <a:t>('blur', </a:t>
+            </a:r>
+            <a:r>
+              <a:rPr lang="en-US" sz="2400" dirty="0" err="1">
+                <a:latin typeface="Courier New" panose="02070309020205020404" pitchFamily="49" charset="0"/>
+                <a:cs typeface="Courier New" panose="02070309020205020404" pitchFamily="49" charset="0"/>
+              </a:rPr>
+              <a:t>checkUsername</a:t>
+            </a:r>
+            <a:r>
+              <a:rPr lang="en-US" sz="2400" dirty="0">
+                <a:latin typeface="Courier New" panose="02070309020205020404" pitchFamily="49" charset="0"/>
+                <a:cs typeface="Courier New" panose="02070309020205020404" pitchFamily="49" charset="0"/>
+              </a:rPr>
+              <a:t>, false);</a:t>
+            </a:r>
+          </a:p>
+          <a:p>
+            <a:endParaRPr lang="en-US" dirty="0"/>
+          </a:p>
+        </p:txBody>
+      </p:sp>
+    </p:spTree>
+    <p:extLst>
+      <p:ext uri="{BB962C8B-B14F-4D97-AF65-F5344CB8AC3E}">
+        <p14:creationId xmlns:p14="http://schemas.microsoft.com/office/powerpoint/2010/main" val="1649321425"/>
+      </p:ext>
+    </p:extLst>
+  </p:cSld>
+  <p:clrMapOvr>
+    <a:masterClrMapping/>
+  </p:clrMapOvr>
+  <p:timing>
+    <p:tnLst>
+      <p:par>
+        <p:cTn id="1" dur="indefinite" restart="never" nodeType="tmRoot"/>
+      </p:par>
+    </p:tnLst>
+  </p:timing>
+</p:sld>
+</file>
+
+<file path=ppt/slides/slide27.xml><?xml version="1.0" encoding="utf-8"?>
 <p:sld xmlns:a="http://schemas.openxmlformats.org/drawingml/2006/main" xmlns:r="http://schemas.openxmlformats.org/officeDocument/2006/relationships" xmlns:p="http://schemas.openxmlformats.org/presentationml/2006/main" showMasterPhAnim="0">
   <p:cSld>
     <p:spTree>
@@ -18123,7 +18290,7 @@
                 <a:buFontTx/>
                 <a:buNone/>
               </a:pPr>
-              <a:t>26</a:t>
+              <a:t>27</a:t>
             </a:fld>
             <a:endParaRPr lang="en-US" altLang="en-US" sz="1400" smtClean="0"/>
           </a:p>
@@ -20719,7 +20886,7 @@
   <a:extraClrSchemeLst/>
   <a:extLst>
     <a:ext uri="{05A4C25C-085E-4340-85A3-A5531E510DB2}">
-      <thm15:themeFamily xmlns:thm15="http://schemas.microsoft.com/office/thememl/2012/main" xmlns="" name="Badge" id="{71A07785-5930-41D4-9A83-E23602B48E98}" vid="{771EA782-DFA6-45B1-AEA3-661F1715B310}"/>
+      <thm15:themeFamily xmlns="" xmlns:thm15="http://schemas.microsoft.com/office/thememl/2012/main" name="Badge" id="{71A07785-5930-41D4-9A83-E23602B48E98}" vid="{771EA782-DFA6-45B1-AEA3-661F1715B310}"/>
     </a:ext>
   </a:extLst>
 </a:theme>
